--- a/CSR报告文本处理流程.pptx
+++ b/CSR报告文本处理流程.pptx
@@ -4,16 +4,25 @@
   <p:sldMasterIdLst>
     <p:sldMasterId id="2147483648" r:id="rId1"/>
   </p:sldMasterIdLst>
+  <p:notesMasterIdLst>
+    <p:notesMasterId r:id="rId17"/>
+  </p:notesMasterIdLst>
   <p:sldIdLst>
     <p:sldId id="256" r:id="rId2"/>
     <p:sldId id="257" r:id="rId3"/>
-    <p:sldId id="258" r:id="rId4"/>
-    <p:sldId id="259" r:id="rId5"/>
-    <p:sldId id="260" r:id="rId6"/>
-    <p:sldId id="261" r:id="rId7"/>
-    <p:sldId id="262" r:id="rId8"/>
-    <p:sldId id="263" r:id="rId9"/>
-    <p:sldId id="264" r:id="rId10"/>
+    <p:sldId id="265" r:id="rId4"/>
+    <p:sldId id="266" r:id="rId5"/>
+    <p:sldId id="267" r:id="rId6"/>
+    <p:sldId id="258" r:id="rId7"/>
+    <p:sldId id="259" r:id="rId8"/>
+    <p:sldId id="268" r:id="rId9"/>
+    <p:sldId id="260" r:id="rId10"/>
+    <p:sldId id="261" r:id="rId11"/>
+    <p:sldId id="270" r:id="rId12"/>
+    <p:sldId id="269" r:id="rId13"/>
+    <p:sldId id="262" r:id="rId14"/>
+    <p:sldId id="263" r:id="rId15"/>
+    <p:sldId id="264" r:id="rId16"/>
   </p:sldIdLst>
   <p:sldSz cx="12192000" cy="6858000"/>
   <p:notesSz cx="6858000" cy="9144000"/>
@@ -120,6 +129,1065 @@
 </p:presentation>
 </file>
 
+<file path=ppt/changesInfos/changesInfo1.xml><?xml version="1.0" encoding="utf-8"?>
+<pc:chgInfo xmlns:a="http://schemas.openxmlformats.org/drawingml/2006/main" xmlns:r="http://schemas.openxmlformats.org/officeDocument/2006/relationships" xmlns:ac="http://schemas.microsoft.com/office/drawing/2013/main/command" xmlns:pc="http://schemas.microsoft.com/office/powerpoint/2013/main/command">
+  <pc:docChgLst>
+    <pc:chgData name="yilei wang" userId="37cc2e0e92e0ac24" providerId="LiveId" clId="{D029F917-F569-4EF6-BA40-6BB834173E87}"/>
+    <pc:docChg chg="undo custSel addSld modSld sldOrd">
+      <pc:chgData name="yilei wang" userId="37cc2e0e92e0ac24" providerId="LiveId" clId="{D029F917-F569-4EF6-BA40-6BB834173E87}" dt="2018-06-06T16:02:00.907" v="761"/>
+      <pc:docMkLst>
+        <pc:docMk/>
+      </pc:docMkLst>
+      <pc:sldChg chg="addSp delSp modSp">
+        <pc:chgData name="yilei wang" userId="37cc2e0e92e0ac24" providerId="LiveId" clId="{D029F917-F569-4EF6-BA40-6BB834173E87}" dt="2018-06-05T15:22:29.372" v="239" actId="478"/>
+        <pc:sldMkLst>
+          <pc:docMk/>
+          <pc:sldMk cId="3274546484" sldId="257"/>
+        </pc:sldMkLst>
+        <pc:picChg chg="add del mod">
+          <ac:chgData name="yilei wang" userId="37cc2e0e92e0ac24" providerId="LiveId" clId="{D029F917-F569-4EF6-BA40-6BB834173E87}" dt="2018-06-05T15:22:29.372" v="239" actId="478"/>
+          <ac:picMkLst>
+            <pc:docMk/>
+            <pc:sldMk cId="3274546484" sldId="257"/>
+            <ac:picMk id="2" creationId="{58A76E4B-9CFC-4840-8462-9766ACFECAFC}"/>
+          </ac:picMkLst>
+        </pc:picChg>
+      </pc:sldChg>
+      <pc:sldChg chg="addSp delSp modSp">
+        <pc:chgData name="yilei wang" userId="37cc2e0e92e0ac24" providerId="LiveId" clId="{D029F917-F569-4EF6-BA40-6BB834173E87}" dt="2018-06-06T15:34:31.732" v="506" actId="6549"/>
+        <pc:sldMkLst>
+          <pc:docMk/>
+          <pc:sldMk cId="3679346587" sldId="258"/>
+        </pc:sldMkLst>
+        <pc:spChg chg="mod">
+          <ac:chgData name="yilei wang" userId="37cc2e0e92e0ac24" providerId="LiveId" clId="{D029F917-F569-4EF6-BA40-6BB834173E87}" dt="2018-06-06T15:34:31.732" v="506" actId="6549"/>
+          <ac:spMkLst>
+            <pc:docMk/>
+            <pc:sldMk cId="3679346587" sldId="258"/>
+            <ac:spMk id="6" creationId="{19F661B6-5ED9-423E-9188-CB8471D102B3}"/>
+          </ac:spMkLst>
+        </pc:spChg>
+        <pc:picChg chg="add del mod">
+          <ac:chgData name="yilei wang" userId="37cc2e0e92e0ac24" providerId="LiveId" clId="{D029F917-F569-4EF6-BA40-6BB834173E87}" dt="2018-06-05T15:45:59.662" v="446" actId="478"/>
+          <ac:picMkLst>
+            <pc:docMk/>
+            <pc:sldMk cId="3679346587" sldId="258"/>
+            <ac:picMk id="2" creationId="{1F01F574-6AC5-4960-BD89-3566D7999B61}"/>
+          </ac:picMkLst>
+        </pc:picChg>
+        <pc:picChg chg="add del mod">
+          <ac:chgData name="yilei wang" userId="37cc2e0e92e0ac24" providerId="LiveId" clId="{D029F917-F569-4EF6-BA40-6BB834173E87}" dt="2018-06-05T15:56:45.918" v="454" actId="1035"/>
+          <ac:picMkLst>
+            <pc:docMk/>
+            <pc:sldMk cId="3679346587" sldId="258"/>
+            <ac:picMk id="3" creationId="{59F25D1B-B1F5-44EA-AD12-FA7E9CE4C19F}"/>
+          </ac:picMkLst>
+        </pc:picChg>
+      </pc:sldChg>
+      <pc:sldChg chg="addSp modSp">
+        <pc:chgData name="yilei wang" userId="37cc2e0e92e0ac24" providerId="LiveId" clId="{D029F917-F569-4EF6-BA40-6BB834173E87}" dt="2018-06-06T15:40:48.208" v="511" actId="1076"/>
+        <pc:sldMkLst>
+          <pc:docMk/>
+          <pc:sldMk cId="4081602529" sldId="260"/>
+        </pc:sldMkLst>
+        <pc:picChg chg="add mod">
+          <ac:chgData name="yilei wang" userId="37cc2e0e92e0ac24" providerId="LiveId" clId="{D029F917-F569-4EF6-BA40-6BB834173E87}" dt="2018-06-06T15:40:48.208" v="511" actId="1076"/>
+          <ac:picMkLst>
+            <pc:docMk/>
+            <pc:sldMk cId="4081602529" sldId="260"/>
+            <ac:picMk id="2" creationId="{639C214B-9B5F-4228-8AE3-F7D20D421DDC}"/>
+          </ac:picMkLst>
+        </pc:picChg>
+      </pc:sldChg>
+      <pc:sldChg chg="modSp">
+        <pc:chgData name="yilei wang" userId="37cc2e0e92e0ac24" providerId="LiveId" clId="{D029F917-F569-4EF6-BA40-6BB834173E87}" dt="2018-06-06T15:48:12.101" v="581" actId="20577"/>
+        <pc:sldMkLst>
+          <pc:docMk/>
+          <pc:sldMk cId="2222779851" sldId="261"/>
+        </pc:sldMkLst>
+        <pc:spChg chg="mod">
+          <ac:chgData name="yilei wang" userId="37cc2e0e92e0ac24" providerId="LiveId" clId="{D029F917-F569-4EF6-BA40-6BB834173E87}" dt="2018-06-06T15:48:12.101" v="581" actId="20577"/>
+          <ac:spMkLst>
+            <pc:docMk/>
+            <pc:sldMk cId="2222779851" sldId="261"/>
+            <ac:spMk id="6" creationId="{19F661B6-5ED9-423E-9188-CB8471D102B3}"/>
+          </ac:spMkLst>
+        </pc:spChg>
+      </pc:sldChg>
+      <pc:sldChg chg="addSp modSp">
+        <pc:chgData name="yilei wang" userId="37cc2e0e92e0ac24" providerId="LiveId" clId="{D029F917-F569-4EF6-BA40-6BB834173E87}" dt="2018-06-06T15:45:51.410" v="564"/>
+        <pc:sldMkLst>
+          <pc:docMk/>
+          <pc:sldMk cId="3379556080" sldId="262"/>
+        </pc:sldMkLst>
+        <pc:spChg chg="mod">
+          <ac:chgData name="yilei wang" userId="37cc2e0e92e0ac24" providerId="LiveId" clId="{D029F917-F569-4EF6-BA40-6BB834173E87}" dt="2018-06-06T15:45:13.817" v="549" actId="6549"/>
+          <ac:spMkLst>
+            <pc:docMk/>
+            <pc:sldMk cId="3379556080" sldId="262"/>
+            <ac:spMk id="6" creationId="{19F661B6-5ED9-423E-9188-CB8471D102B3}"/>
+          </ac:spMkLst>
+        </pc:spChg>
+        <pc:spChg chg="add mod">
+          <ac:chgData name="yilei wang" userId="37cc2e0e92e0ac24" providerId="LiveId" clId="{D029F917-F569-4EF6-BA40-6BB834173E87}" dt="2018-06-06T15:45:51.410" v="564"/>
+          <ac:spMkLst>
+            <pc:docMk/>
+            <pc:sldMk cId="3379556080" sldId="262"/>
+            <ac:spMk id="7" creationId="{2D58DDCD-F6CB-40AB-A289-73D49EFC85EF}"/>
+          </ac:spMkLst>
+        </pc:spChg>
+        <pc:picChg chg="add mod">
+          <ac:chgData name="yilei wang" userId="37cc2e0e92e0ac24" providerId="LiveId" clId="{D029F917-F569-4EF6-BA40-6BB834173E87}" dt="2018-06-06T15:45:07.394" v="538" actId="1076"/>
+          <ac:picMkLst>
+            <pc:docMk/>
+            <pc:sldMk cId="3379556080" sldId="262"/>
+            <ac:picMk id="2" creationId="{A5A7E27A-92D5-4BB7-B8B5-041B245A656F}"/>
+          </ac:picMkLst>
+        </pc:picChg>
+      </pc:sldChg>
+      <pc:sldChg chg="addSp modSp">
+        <pc:chgData name="yilei wang" userId="37cc2e0e92e0ac24" providerId="LiveId" clId="{D029F917-F569-4EF6-BA40-6BB834173E87}" dt="2018-06-06T15:57:19.120" v="717" actId="1076"/>
+        <pc:sldMkLst>
+          <pc:docMk/>
+          <pc:sldMk cId="2777865318" sldId="263"/>
+        </pc:sldMkLst>
+        <pc:spChg chg="mod">
+          <ac:chgData name="yilei wang" userId="37cc2e0e92e0ac24" providerId="LiveId" clId="{D029F917-F569-4EF6-BA40-6BB834173E87}" dt="2018-06-06T15:55:11.573" v="708" actId="6549"/>
+          <ac:spMkLst>
+            <pc:docMk/>
+            <pc:sldMk cId="2777865318" sldId="263"/>
+            <ac:spMk id="6" creationId="{19F661B6-5ED9-423E-9188-CB8471D102B3}"/>
+          </ac:spMkLst>
+        </pc:spChg>
+        <pc:picChg chg="add mod modCrop">
+          <ac:chgData name="yilei wang" userId="37cc2e0e92e0ac24" providerId="LiveId" clId="{D029F917-F569-4EF6-BA40-6BB834173E87}" dt="2018-06-06T15:56:21.660" v="713" actId="1076"/>
+          <ac:picMkLst>
+            <pc:docMk/>
+            <pc:sldMk cId="2777865318" sldId="263"/>
+            <ac:picMk id="2" creationId="{CB306183-7706-4331-8C09-60E5804848FA}"/>
+          </ac:picMkLst>
+        </pc:picChg>
+        <pc:picChg chg="add mod">
+          <ac:chgData name="yilei wang" userId="37cc2e0e92e0ac24" providerId="LiveId" clId="{D029F917-F569-4EF6-BA40-6BB834173E87}" dt="2018-06-06T15:56:49.311" v="715" actId="1076"/>
+          <ac:picMkLst>
+            <pc:docMk/>
+            <pc:sldMk cId="2777865318" sldId="263"/>
+            <ac:picMk id="3" creationId="{D9EC14D7-DD0D-4184-8FE4-0C1A9C3B824A}"/>
+          </ac:picMkLst>
+        </pc:picChg>
+        <pc:picChg chg="add mod">
+          <ac:chgData name="yilei wang" userId="37cc2e0e92e0ac24" providerId="LiveId" clId="{D029F917-F569-4EF6-BA40-6BB834173E87}" dt="2018-06-06T15:57:19.120" v="717" actId="1076"/>
+          <ac:picMkLst>
+            <pc:docMk/>
+            <pc:sldMk cId="2777865318" sldId="263"/>
+            <ac:picMk id="4" creationId="{A81C175F-3ACF-4D14-B400-CAA4B8727679}"/>
+          </ac:picMkLst>
+        </pc:picChg>
+      </pc:sldChg>
+      <pc:sldChg chg="modSp">
+        <pc:chgData name="yilei wang" userId="37cc2e0e92e0ac24" providerId="LiveId" clId="{D029F917-F569-4EF6-BA40-6BB834173E87}" dt="2018-05-27T13:54:49.592" v="174" actId="2711"/>
+        <pc:sldMkLst>
+          <pc:docMk/>
+          <pc:sldMk cId="3444844739" sldId="264"/>
+        </pc:sldMkLst>
+        <pc:spChg chg="mod">
+          <ac:chgData name="yilei wang" userId="37cc2e0e92e0ac24" providerId="LiveId" clId="{D029F917-F569-4EF6-BA40-6BB834173E87}" dt="2018-05-27T13:54:49.592" v="174" actId="2711"/>
+          <ac:spMkLst>
+            <pc:docMk/>
+            <pc:sldMk cId="3444844739" sldId="264"/>
+            <ac:spMk id="6" creationId="{19F661B6-5ED9-423E-9188-CB8471D102B3}"/>
+          </ac:spMkLst>
+        </pc:spChg>
+      </pc:sldChg>
+      <pc:sldChg chg="addSp delSp modSp add">
+        <pc:chgData name="yilei wang" userId="37cc2e0e92e0ac24" providerId="LiveId" clId="{D029F917-F569-4EF6-BA40-6BB834173E87}" dt="2018-06-05T15:28:43.496" v="308" actId="1035"/>
+        <pc:sldMkLst>
+          <pc:docMk/>
+          <pc:sldMk cId="3573189343" sldId="265"/>
+        </pc:sldMkLst>
+        <pc:spChg chg="add mod">
+          <ac:chgData name="yilei wang" userId="37cc2e0e92e0ac24" providerId="LiveId" clId="{D029F917-F569-4EF6-BA40-6BB834173E87}" dt="2018-06-05T15:25:26.838" v="246" actId="404"/>
+          <ac:spMkLst>
+            <pc:docMk/>
+            <pc:sldMk cId="3573189343" sldId="265"/>
+            <ac:spMk id="2" creationId="{0F924D6C-5C1B-4F85-B15D-AC1B688088E9}"/>
+          </ac:spMkLst>
+        </pc:spChg>
+        <pc:spChg chg="mod">
+          <ac:chgData name="yilei wang" userId="37cc2e0e92e0ac24" providerId="LiveId" clId="{D029F917-F569-4EF6-BA40-6BB834173E87}" dt="2018-06-05T15:10:44.099" v="182" actId="1076"/>
+          <ac:spMkLst>
+            <pc:docMk/>
+            <pc:sldMk cId="3573189343" sldId="265"/>
+            <ac:spMk id="5" creationId="{EDB04720-1763-4B0B-84E0-4939B05496D3}"/>
+          </ac:spMkLst>
+        </pc:spChg>
+        <pc:spChg chg="del">
+          <ac:chgData name="yilei wang" userId="37cc2e0e92e0ac24" providerId="LiveId" clId="{D029F917-F569-4EF6-BA40-6BB834173E87}" dt="2018-06-05T15:10:46.751" v="183" actId="478"/>
+          <ac:spMkLst>
+            <pc:docMk/>
+            <pc:sldMk cId="3573189343" sldId="265"/>
+            <ac:spMk id="6" creationId="{19F661B6-5ED9-423E-9188-CB8471D102B3}"/>
+          </ac:spMkLst>
+        </pc:spChg>
+        <pc:spChg chg="add mod">
+          <ac:chgData name="yilei wang" userId="37cc2e0e92e0ac24" providerId="LiveId" clId="{D029F917-F569-4EF6-BA40-6BB834173E87}" dt="2018-06-05T15:25:41.892" v="251" actId="404"/>
+          <ac:spMkLst>
+            <pc:docMk/>
+            <pc:sldMk cId="3573189343" sldId="265"/>
+            <ac:spMk id="7" creationId="{75CC6507-00DD-4E15-BE44-4FF35038EF6D}"/>
+          </ac:spMkLst>
+        </pc:spChg>
+        <pc:spChg chg="add mod">
+          <ac:chgData name="yilei wang" userId="37cc2e0e92e0ac24" providerId="LiveId" clId="{D029F917-F569-4EF6-BA40-6BB834173E87}" dt="2018-06-05T15:28:43.496" v="308" actId="1035"/>
+          <ac:spMkLst>
+            <pc:docMk/>
+            <pc:sldMk cId="3573189343" sldId="265"/>
+            <ac:spMk id="8" creationId="{831AB14F-85B2-44F9-A134-9A75AE94BCA2}"/>
+          </ac:spMkLst>
+        </pc:spChg>
+        <pc:picChg chg="add mod">
+          <ac:chgData name="yilei wang" userId="37cc2e0e92e0ac24" providerId="LiveId" clId="{D029F917-F569-4EF6-BA40-6BB834173E87}" dt="2018-06-05T15:25:50.739" v="252" actId="1076"/>
+          <ac:picMkLst>
+            <pc:docMk/>
+            <pc:sldMk cId="3573189343" sldId="265"/>
+            <ac:picMk id="4" creationId="{240CED3D-083D-4A3E-9EDA-C280E14074B8}"/>
+          </ac:picMkLst>
+        </pc:picChg>
+      </pc:sldChg>
+      <pc:sldChg chg="addSp delSp modSp add">
+        <pc:chgData name="yilei wang" userId="37cc2e0e92e0ac24" providerId="LiveId" clId="{D029F917-F569-4EF6-BA40-6BB834173E87}" dt="2018-06-05T15:35:34.896" v="353" actId="2711"/>
+        <pc:sldMkLst>
+          <pc:docMk/>
+          <pc:sldMk cId="887732635" sldId="266"/>
+        </pc:sldMkLst>
+        <pc:spChg chg="del">
+          <ac:chgData name="yilei wang" userId="37cc2e0e92e0ac24" providerId="LiveId" clId="{D029F917-F569-4EF6-BA40-6BB834173E87}" dt="2018-06-05T15:26:50.668" v="254" actId="478"/>
+          <ac:spMkLst>
+            <pc:docMk/>
+            <pc:sldMk cId="887732635" sldId="266"/>
+            <ac:spMk id="2" creationId="{0F924D6C-5C1B-4F85-B15D-AC1B688088E9}"/>
+          </ac:spMkLst>
+        </pc:spChg>
+        <pc:spChg chg="del">
+          <ac:chgData name="yilei wang" userId="37cc2e0e92e0ac24" providerId="LiveId" clId="{D029F917-F569-4EF6-BA40-6BB834173E87}" dt="2018-06-05T15:26:50.668" v="254" actId="478"/>
+          <ac:spMkLst>
+            <pc:docMk/>
+            <pc:sldMk cId="887732635" sldId="266"/>
+            <ac:spMk id="7" creationId="{75CC6507-00DD-4E15-BE44-4FF35038EF6D}"/>
+          </ac:spMkLst>
+        </pc:spChg>
+        <pc:spChg chg="mod">
+          <ac:chgData name="yilei wang" userId="37cc2e0e92e0ac24" providerId="LiveId" clId="{D029F917-F569-4EF6-BA40-6BB834173E87}" dt="2018-06-05T15:32:48.321" v="323" actId="1076"/>
+          <ac:spMkLst>
+            <pc:docMk/>
+            <pc:sldMk cId="887732635" sldId="266"/>
+            <ac:spMk id="8" creationId="{831AB14F-85B2-44F9-A134-9A75AE94BCA2}"/>
+          </ac:spMkLst>
+        </pc:spChg>
+        <pc:spChg chg="add mod">
+          <ac:chgData name="yilei wang" userId="37cc2e0e92e0ac24" providerId="LiveId" clId="{D029F917-F569-4EF6-BA40-6BB834173E87}" dt="2018-06-05T15:35:34.896" v="353" actId="2711"/>
+          <ac:spMkLst>
+            <pc:docMk/>
+            <pc:sldMk cId="887732635" sldId="266"/>
+            <ac:spMk id="9" creationId="{FBCECFD3-E781-453D-A818-2097207C134E}"/>
+          </ac:spMkLst>
+        </pc:spChg>
+        <pc:spChg chg="add del mod">
+          <ac:chgData name="yilei wang" userId="37cc2e0e92e0ac24" providerId="LiveId" clId="{D029F917-F569-4EF6-BA40-6BB834173E87}" dt="2018-06-05T15:27:58.908" v="273" actId="2711"/>
+          <ac:spMkLst>
+            <pc:docMk/>
+            <pc:sldMk cId="887732635" sldId="266"/>
+            <ac:spMk id="10" creationId="{D435D08F-2F97-429A-ADD1-72F98F8FD6FA}"/>
+          </ac:spMkLst>
+        </pc:spChg>
+        <pc:picChg chg="add del mod">
+          <ac:chgData name="yilei wang" userId="37cc2e0e92e0ac24" providerId="LiveId" clId="{D029F917-F569-4EF6-BA40-6BB834173E87}" dt="2018-06-05T15:26:58.278" v="258" actId="2711"/>
+          <ac:picMkLst>
+            <pc:docMk/>
+            <pc:sldMk cId="887732635" sldId="266"/>
+            <ac:picMk id="3" creationId="{81DEA5E5-F557-43CB-951B-0D870C563524}"/>
+          </ac:picMkLst>
+        </pc:picChg>
+        <pc:picChg chg="add del">
+          <ac:chgData name="yilei wang" userId="37cc2e0e92e0ac24" providerId="LiveId" clId="{D029F917-F569-4EF6-BA40-6BB834173E87}" dt="2018-06-05T15:32:47.624" v="322" actId="478"/>
+          <ac:picMkLst>
+            <pc:docMk/>
+            <pc:sldMk cId="887732635" sldId="266"/>
+            <ac:picMk id="4" creationId="{240CED3D-083D-4A3E-9EDA-C280E14074B8}"/>
+          </ac:picMkLst>
+        </pc:picChg>
+        <pc:picChg chg="add del">
+          <ac:chgData name="yilei wang" userId="37cc2e0e92e0ac24" providerId="LiveId" clId="{D029F917-F569-4EF6-BA40-6BB834173E87}" dt="2018-06-05T15:27:03.504" v="260" actId="2711"/>
+          <ac:picMkLst>
+            <pc:docMk/>
+            <pc:sldMk cId="887732635" sldId="266"/>
+            <ac:picMk id="6" creationId="{B0205E9A-A9A0-424B-9561-F7A08FF75015}"/>
+          </ac:picMkLst>
+        </pc:picChg>
+        <pc:picChg chg="add del mod">
+          <ac:chgData name="yilei wang" userId="37cc2e0e92e0ac24" providerId="LiveId" clId="{D029F917-F569-4EF6-BA40-6BB834173E87}" dt="2018-06-05T15:32:47.232" v="321" actId="2711"/>
+          <ac:picMkLst>
+            <pc:docMk/>
+            <pc:sldMk cId="887732635" sldId="266"/>
+            <ac:picMk id="11" creationId="{540F8E37-D10C-4B32-A013-5FF797162D72}"/>
+          </ac:picMkLst>
+        </pc:picChg>
+      </pc:sldChg>
+      <pc:sldChg chg="addSp delSp modSp add">
+        <pc:chgData name="yilei wang" userId="37cc2e0e92e0ac24" providerId="LiveId" clId="{D029F917-F569-4EF6-BA40-6BB834173E87}" dt="2018-06-05T15:34:47.900" v="352" actId="1035"/>
+        <pc:sldMkLst>
+          <pc:docMk/>
+          <pc:sldMk cId="2012669246" sldId="267"/>
+        </pc:sldMkLst>
+        <pc:spChg chg="del mod">
+          <ac:chgData name="yilei wang" userId="37cc2e0e92e0ac24" providerId="LiveId" clId="{D029F917-F569-4EF6-BA40-6BB834173E87}" dt="2018-06-05T15:32:57.994" v="329" actId="478"/>
+          <ac:spMkLst>
+            <pc:docMk/>
+            <pc:sldMk cId="2012669246" sldId="267"/>
+            <ac:spMk id="8" creationId="{831AB14F-85B2-44F9-A134-9A75AE94BCA2}"/>
+          </ac:spMkLst>
+        </pc:spChg>
+        <pc:spChg chg="del mod">
+          <ac:chgData name="yilei wang" userId="37cc2e0e92e0ac24" providerId="LiveId" clId="{D029F917-F569-4EF6-BA40-6BB834173E87}" dt="2018-06-05T15:32:54.857" v="326" actId="478"/>
+          <ac:spMkLst>
+            <pc:docMk/>
+            <pc:sldMk cId="2012669246" sldId="267"/>
+            <ac:spMk id="9" creationId="{FBCECFD3-E781-453D-A818-2097207C134E}"/>
+          </ac:spMkLst>
+        </pc:spChg>
+        <pc:spChg chg="add mod">
+          <ac:chgData name="yilei wang" userId="37cc2e0e92e0ac24" providerId="LiveId" clId="{D029F917-F569-4EF6-BA40-6BB834173E87}" dt="2018-06-05T15:34:47.900" v="352" actId="1035"/>
+          <ac:spMkLst>
+            <pc:docMk/>
+            <pc:sldMk cId="2012669246" sldId="267"/>
+            <ac:spMk id="10" creationId="{CAAB3FA7-4F85-472B-B40E-FDA6D9B776F2}"/>
+          </ac:spMkLst>
+        </pc:spChg>
+        <pc:picChg chg="add mod">
+          <ac:chgData name="yilei wang" userId="37cc2e0e92e0ac24" providerId="LiveId" clId="{D029F917-F569-4EF6-BA40-6BB834173E87}" dt="2018-06-05T15:33:12.269" v="335" actId="1076"/>
+          <ac:picMkLst>
+            <pc:docMk/>
+            <pc:sldMk cId="2012669246" sldId="267"/>
+            <ac:picMk id="2" creationId="{713D5274-B371-4BE6-B9AD-FB0246800B39}"/>
+          </ac:picMkLst>
+        </pc:picChg>
+        <pc:picChg chg="add mod">
+          <ac:chgData name="yilei wang" userId="37cc2e0e92e0ac24" providerId="LiveId" clId="{D029F917-F569-4EF6-BA40-6BB834173E87}" dt="2018-06-05T15:34:29.515" v="342" actId="1076"/>
+          <ac:picMkLst>
+            <pc:docMk/>
+            <pc:sldMk cId="2012669246" sldId="267"/>
+            <ac:picMk id="3" creationId="{EDEC289C-1EA9-4C7F-B25C-B708BFC71D29}"/>
+          </ac:picMkLst>
+        </pc:picChg>
+        <pc:picChg chg="del">
+          <ac:chgData name="yilei wang" userId="37cc2e0e92e0ac24" providerId="LiveId" clId="{D029F917-F569-4EF6-BA40-6BB834173E87}" dt="2018-06-05T15:32:55.797" v="327" actId="478"/>
+          <ac:picMkLst>
+            <pc:docMk/>
+            <pc:sldMk cId="2012669246" sldId="267"/>
+            <ac:picMk id="4" creationId="{240CED3D-083D-4A3E-9EDA-C280E14074B8}"/>
+          </ac:picMkLst>
+        </pc:picChg>
+        <pc:picChg chg="add mod">
+          <ac:chgData name="yilei wang" userId="37cc2e0e92e0ac24" providerId="LiveId" clId="{D029F917-F569-4EF6-BA40-6BB834173E87}" dt="2018-06-05T15:33:47.714" v="337" actId="688"/>
+          <ac:picMkLst>
+            <pc:docMk/>
+            <pc:sldMk cId="2012669246" sldId="267"/>
+            <ac:picMk id="7" creationId="{6F4E94CE-1098-492C-8A2C-91DBB4808E72}"/>
+          </ac:picMkLst>
+        </pc:picChg>
+      </pc:sldChg>
+      <pc:sldChg chg="addSp delSp modSp add">
+        <pc:chgData name="yilei wang" userId="37cc2e0e92e0ac24" providerId="LiveId" clId="{D029F917-F569-4EF6-BA40-6BB834173E87}" dt="2018-06-05T16:06:08.842" v="479" actId="1035"/>
+        <pc:sldMkLst>
+          <pc:docMk/>
+          <pc:sldMk cId="2055495473" sldId="268"/>
+        </pc:sldMkLst>
+        <pc:spChg chg="mod">
+          <ac:chgData name="yilei wang" userId="37cc2e0e92e0ac24" providerId="LiveId" clId="{D029F917-F569-4EF6-BA40-6BB834173E87}" dt="2018-06-05T15:43:22.779" v="439" actId="20577"/>
+          <ac:spMkLst>
+            <pc:docMk/>
+            <pc:sldMk cId="2055495473" sldId="268"/>
+            <ac:spMk id="6" creationId="{19F661B6-5ED9-423E-9188-CB8471D102B3}"/>
+          </ac:spMkLst>
+        </pc:spChg>
+        <pc:picChg chg="add del mod modCrop">
+          <ac:chgData name="yilei wang" userId="37cc2e0e92e0ac24" providerId="LiveId" clId="{D029F917-F569-4EF6-BA40-6BB834173E87}" dt="2018-06-05T16:03:38.394" v="474" actId="478"/>
+          <ac:picMkLst>
+            <pc:docMk/>
+            <pc:sldMk cId="2055495473" sldId="268"/>
+            <ac:picMk id="2" creationId="{0B3FC759-2389-4F46-A684-AABDDB04571F}"/>
+          </ac:picMkLst>
+        </pc:picChg>
+        <pc:picChg chg="add del mod">
+          <ac:chgData name="yilei wang" userId="37cc2e0e92e0ac24" providerId="LiveId" clId="{D029F917-F569-4EF6-BA40-6BB834173E87}" dt="2018-06-05T16:02:31.314" v="457" actId="478"/>
+          <ac:picMkLst>
+            <pc:docMk/>
+            <pc:sldMk cId="2055495473" sldId="268"/>
+            <ac:picMk id="3" creationId="{BB373000-8155-4DEE-A50B-BA3355DBBEF5}"/>
+          </ac:picMkLst>
+        </pc:picChg>
+        <pc:picChg chg="add mod modCrop">
+          <ac:chgData name="yilei wang" userId="37cc2e0e92e0ac24" providerId="LiveId" clId="{D029F917-F569-4EF6-BA40-6BB834173E87}" dt="2018-06-05T16:03:20.674" v="472" actId="1076"/>
+          <ac:picMkLst>
+            <pc:docMk/>
+            <pc:sldMk cId="2055495473" sldId="268"/>
+            <ac:picMk id="4" creationId="{0330635A-108B-44E8-B9FB-4FC044D9EEC0}"/>
+          </ac:picMkLst>
+        </pc:picChg>
+        <pc:picChg chg="add mod">
+          <ac:chgData name="yilei wang" userId="37cc2e0e92e0ac24" providerId="LiveId" clId="{D029F917-F569-4EF6-BA40-6BB834173E87}" dt="2018-06-05T16:06:08.842" v="479" actId="1035"/>
+          <ac:picMkLst>
+            <pc:docMk/>
+            <pc:sldMk cId="2055495473" sldId="268"/>
+            <ac:picMk id="7" creationId="{2F2D73A8-F4FA-411E-88C0-8CEFD52C0723}"/>
+          </ac:picMkLst>
+        </pc:picChg>
+        <pc:picChg chg="add mod">
+          <ac:chgData name="yilei wang" userId="37cc2e0e92e0ac24" providerId="LiveId" clId="{D029F917-F569-4EF6-BA40-6BB834173E87}" dt="2018-06-05T16:06:06.284" v="478" actId="1076"/>
+          <ac:picMkLst>
+            <pc:docMk/>
+            <pc:sldMk cId="2055495473" sldId="268"/>
+            <ac:picMk id="8" creationId="{8AB5AB3B-EA8A-4CAB-AC38-A8FD7F175EFD}"/>
+          </ac:picMkLst>
+        </pc:picChg>
+      </pc:sldChg>
+      <pc:sldChg chg="addSp delSp modSp add ord">
+        <pc:chgData name="yilei wang" userId="37cc2e0e92e0ac24" providerId="LiveId" clId="{D029F917-F569-4EF6-BA40-6BB834173E87}" dt="2018-06-06T15:53:45.581" v="673"/>
+        <pc:sldMkLst>
+          <pc:docMk/>
+          <pc:sldMk cId="2520753653" sldId="269"/>
+        </pc:sldMkLst>
+        <pc:spChg chg="add mod">
+          <ac:chgData name="yilei wang" userId="37cc2e0e92e0ac24" providerId="LiveId" clId="{D029F917-F569-4EF6-BA40-6BB834173E87}" dt="2018-06-06T15:53:45.581" v="673"/>
+          <ac:spMkLst>
+            <pc:docMk/>
+            <pc:sldMk cId="2520753653" sldId="269"/>
+            <ac:spMk id="3" creationId="{01E57D4E-C71D-4C16-B82A-063FBB3CE777}"/>
+          </ac:spMkLst>
+        </pc:spChg>
+        <pc:spChg chg="del">
+          <ac:chgData name="yilei wang" userId="37cc2e0e92e0ac24" providerId="LiveId" clId="{D029F917-F569-4EF6-BA40-6BB834173E87}" dt="2018-06-06T15:48:22.480" v="583" actId="478"/>
+          <ac:spMkLst>
+            <pc:docMk/>
+            <pc:sldMk cId="2520753653" sldId="269"/>
+            <ac:spMk id="6" creationId="{19F661B6-5ED9-423E-9188-CB8471D102B3}"/>
+          </ac:spMkLst>
+        </pc:spChg>
+        <pc:spChg chg="del">
+          <ac:chgData name="yilei wang" userId="37cc2e0e92e0ac24" providerId="LiveId" clId="{D029F917-F569-4EF6-BA40-6BB834173E87}" dt="2018-06-06T15:48:26.274" v="585" actId="478"/>
+          <ac:spMkLst>
+            <pc:docMk/>
+            <pc:sldMk cId="2520753653" sldId="269"/>
+            <ac:spMk id="7" creationId="{2D58DDCD-F6CB-40AB-A289-73D49EFC85EF}"/>
+          </ac:spMkLst>
+        </pc:spChg>
+        <pc:picChg chg="del">
+          <ac:chgData name="yilei wang" userId="37cc2e0e92e0ac24" providerId="LiveId" clId="{D029F917-F569-4EF6-BA40-6BB834173E87}" dt="2018-06-06T15:48:24.139" v="584" actId="478"/>
+          <ac:picMkLst>
+            <pc:docMk/>
+            <pc:sldMk cId="2520753653" sldId="269"/>
+            <ac:picMk id="2" creationId="{A5A7E27A-92D5-4BB7-B8B5-041B245A656F}"/>
+          </ac:picMkLst>
+        </pc:picChg>
+      </pc:sldChg>
+      <pc:sldChg chg="addSp modSp add">
+        <pc:chgData name="yilei wang" userId="37cc2e0e92e0ac24" providerId="LiveId" clId="{D029F917-F569-4EF6-BA40-6BB834173E87}" dt="2018-06-06T16:02:00.907" v="761"/>
+        <pc:sldMkLst>
+          <pc:docMk/>
+          <pc:sldMk cId="473984852" sldId="270"/>
+        </pc:sldMkLst>
+        <pc:spChg chg="mod">
+          <ac:chgData name="yilei wang" userId="37cc2e0e92e0ac24" providerId="LiveId" clId="{D029F917-F569-4EF6-BA40-6BB834173E87}" dt="2018-06-06T16:02:00.907" v="761"/>
+          <ac:spMkLst>
+            <pc:docMk/>
+            <pc:sldMk cId="473984852" sldId="270"/>
+            <ac:spMk id="6" creationId="{19F661B6-5ED9-423E-9188-CB8471D102B3}"/>
+          </ac:spMkLst>
+        </pc:spChg>
+        <pc:picChg chg="add mod">
+          <ac:chgData name="yilei wang" userId="37cc2e0e92e0ac24" providerId="LiveId" clId="{D029F917-F569-4EF6-BA40-6BB834173E87}" dt="2018-06-06T16:01:42.464" v="748" actId="1076"/>
+          <ac:picMkLst>
+            <pc:docMk/>
+            <pc:sldMk cId="473984852" sldId="270"/>
+            <ac:picMk id="2" creationId="{4874AE1F-FCDC-473F-B357-0ECCF1B88E87}"/>
+          </ac:picMkLst>
+        </pc:picChg>
+        <pc:picChg chg="add mod">
+          <ac:chgData name="yilei wang" userId="37cc2e0e92e0ac24" providerId="LiveId" clId="{D029F917-F569-4EF6-BA40-6BB834173E87}" dt="2018-06-06T16:01:51.798" v="760" actId="1076"/>
+          <ac:picMkLst>
+            <pc:docMk/>
+            <pc:sldMk cId="473984852" sldId="270"/>
+            <ac:picMk id="3" creationId="{4A18A2F1-1357-4BF1-A129-C3430BFC0E4E}"/>
+          </ac:picMkLst>
+        </pc:picChg>
+      </pc:sldChg>
+    </pc:docChg>
+  </pc:docChgLst>
+  <pc:docChgLst>
+    <pc:chgData name="wang yilei" userId="37cc2e0e92e0ac24" providerId="LiveId" clId="{B46505D4-A44D-4E51-89C7-FC6E2607B51F}"/>
+    <pc:docChg chg="modSld">
+      <pc:chgData name="wang yilei" userId="37cc2e0e92e0ac24" providerId="LiveId" clId="{B46505D4-A44D-4E51-89C7-FC6E2607B51F}" dt="2018-06-04T12:02:01.807" v="13"/>
+      <pc:docMkLst>
+        <pc:docMk/>
+      </pc:docMkLst>
+      <pc:sldChg chg="modSp modNotesTx">
+        <pc:chgData name="wang yilei" userId="37cc2e0e92e0ac24" providerId="LiveId" clId="{B46505D4-A44D-4E51-89C7-FC6E2607B51F}" dt="2018-06-04T11:58:58.052" v="10" actId="20577"/>
+        <pc:sldMkLst>
+          <pc:docMk/>
+          <pc:sldMk cId="3379556080" sldId="262"/>
+        </pc:sldMkLst>
+        <pc:spChg chg="mod">
+          <ac:chgData name="wang yilei" userId="37cc2e0e92e0ac24" providerId="LiveId" clId="{B46505D4-A44D-4E51-89C7-FC6E2607B51F}" dt="2018-06-04T11:58:48.632" v="8" actId="20577"/>
+          <ac:spMkLst>
+            <pc:docMk/>
+            <pc:sldMk cId="3379556080" sldId="262"/>
+            <ac:spMk id="6" creationId="{19F661B6-5ED9-423E-9188-CB8471D102B3}"/>
+          </ac:spMkLst>
+        </pc:spChg>
+      </pc:sldChg>
+      <pc:sldChg chg="modSp">
+        <pc:chgData name="wang yilei" userId="37cc2e0e92e0ac24" providerId="LiveId" clId="{B46505D4-A44D-4E51-89C7-FC6E2607B51F}" dt="2018-06-04T12:02:01.807" v="13"/>
+        <pc:sldMkLst>
+          <pc:docMk/>
+          <pc:sldMk cId="3444844739" sldId="264"/>
+        </pc:sldMkLst>
+        <pc:spChg chg="mod">
+          <ac:chgData name="wang yilei" userId="37cc2e0e92e0ac24" providerId="LiveId" clId="{B46505D4-A44D-4E51-89C7-FC6E2607B51F}" dt="2018-06-04T12:02:01.807" v="13"/>
+          <ac:spMkLst>
+            <pc:docMk/>
+            <pc:sldMk cId="3444844739" sldId="264"/>
+            <ac:spMk id="6" creationId="{19F661B6-5ED9-423E-9188-CB8471D102B3}"/>
+          </ac:spMkLst>
+        </pc:spChg>
+      </pc:sldChg>
+    </pc:docChg>
+  </pc:docChgLst>
+</pc:chgInfo>
+</file>
+
+<file path=ppt/notesMasters/notesMaster1.xml><?xml version="1.0" encoding="utf-8"?>
+<p:notesMaster xmlns:a="http://schemas.openxmlformats.org/drawingml/2006/main" xmlns:r="http://schemas.openxmlformats.org/officeDocument/2006/relationships" xmlns:p="http://schemas.openxmlformats.org/presentationml/2006/main">
+  <p:cSld>
+    <p:bg>
+      <p:bgRef idx="1001">
+        <a:schemeClr val="bg1"/>
+      </p:bgRef>
+    </p:bg>
+    <p:spTree>
+      <p:nvGrpSpPr>
+        <p:cNvPr id="1" name=""/>
+        <p:cNvGrpSpPr/>
+        <p:nvPr/>
+      </p:nvGrpSpPr>
+      <p:grpSpPr>
+        <a:xfrm>
+          <a:off x="0" y="0"/>
+          <a:ext cx="0" cy="0"/>
+          <a:chOff x="0" y="0"/>
+          <a:chExt cx="0" cy="0"/>
+        </a:xfrm>
+      </p:grpSpPr>
+      <p:sp>
+        <p:nvSpPr>
+          <p:cNvPr id="2" name="页眉占位符 1"/>
+          <p:cNvSpPr>
+            <a:spLocks noGrp="1"/>
+          </p:cNvSpPr>
+          <p:nvPr>
+            <p:ph type="hdr" sz="quarter"/>
+          </p:nvPr>
+        </p:nvSpPr>
+        <p:spPr>
+          <a:xfrm>
+            <a:off x="0" y="0"/>
+            <a:ext cx="2971800" cy="458788"/>
+          </a:xfrm>
+          <a:prstGeom prst="rect">
+            <a:avLst/>
+          </a:prstGeom>
+        </p:spPr>
+        <p:txBody>
+          <a:bodyPr vert="horz" lIns="91440" tIns="45720" rIns="91440" bIns="45720" rtlCol="0"/>
+          <a:lstStyle>
+            <a:lvl1pPr algn="l">
+              <a:defRPr sz="1200"/>
+            </a:lvl1pPr>
+          </a:lstStyle>
+          <a:p>
+            <a:endParaRPr lang="zh-CN" altLang="en-US"/>
+          </a:p>
+        </p:txBody>
+      </p:sp>
+      <p:sp>
+        <p:nvSpPr>
+          <p:cNvPr id="3" name="日期占位符 2"/>
+          <p:cNvSpPr>
+            <a:spLocks noGrp="1"/>
+          </p:cNvSpPr>
+          <p:nvPr>
+            <p:ph type="dt" idx="1"/>
+          </p:nvPr>
+        </p:nvSpPr>
+        <p:spPr>
+          <a:xfrm>
+            <a:off x="3884613" y="0"/>
+            <a:ext cx="2971800" cy="458788"/>
+          </a:xfrm>
+          <a:prstGeom prst="rect">
+            <a:avLst/>
+          </a:prstGeom>
+        </p:spPr>
+        <p:txBody>
+          <a:bodyPr vert="horz" lIns="91440" tIns="45720" rIns="91440" bIns="45720" rtlCol="0"/>
+          <a:lstStyle>
+            <a:lvl1pPr algn="r">
+              <a:defRPr sz="1200"/>
+            </a:lvl1pPr>
+          </a:lstStyle>
+          <a:p>
+            <a:fld id="{825199B1-0911-4A72-9445-57ACD5C85C01}" type="datetimeFigureOut">
+              <a:rPr lang="zh-CN" altLang="en-US" smtClean="0"/>
+              <a:t>2018/6/6</a:t>
+            </a:fld>
+            <a:endParaRPr lang="zh-CN" altLang="en-US"/>
+          </a:p>
+        </p:txBody>
+      </p:sp>
+      <p:sp>
+        <p:nvSpPr>
+          <p:cNvPr id="4" name="幻灯片图像占位符 3"/>
+          <p:cNvSpPr>
+            <a:spLocks noGrp="1" noRot="1" noChangeAspect="1"/>
+          </p:cNvSpPr>
+          <p:nvPr>
+            <p:ph type="sldImg" idx="2"/>
+          </p:nvPr>
+        </p:nvSpPr>
+        <p:spPr>
+          <a:xfrm>
+            <a:off x="685800" y="1143000"/>
+            <a:ext cx="5486400" cy="3086100"/>
+          </a:xfrm>
+          <a:prstGeom prst="rect">
+            <a:avLst/>
+          </a:prstGeom>
+          <a:noFill/>
+          <a:ln w="12700">
+            <a:solidFill>
+              <a:prstClr val="black"/>
+            </a:solidFill>
+          </a:ln>
+        </p:spPr>
+        <p:txBody>
+          <a:bodyPr vert="horz" lIns="91440" tIns="45720" rIns="91440" bIns="45720" rtlCol="0" anchor="ctr"/>
+          <a:lstStyle/>
+          <a:p>
+            <a:endParaRPr lang="zh-CN" altLang="en-US"/>
+          </a:p>
+        </p:txBody>
+      </p:sp>
+      <p:sp>
+        <p:nvSpPr>
+          <p:cNvPr id="5" name="备注占位符 4"/>
+          <p:cNvSpPr>
+            <a:spLocks noGrp="1"/>
+          </p:cNvSpPr>
+          <p:nvPr>
+            <p:ph type="body" sz="quarter" idx="3"/>
+          </p:nvPr>
+        </p:nvSpPr>
+        <p:spPr>
+          <a:xfrm>
+            <a:off x="685800" y="4400550"/>
+            <a:ext cx="5486400" cy="3600450"/>
+          </a:xfrm>
+          <a:prstGeom prst="rect">
+            <a:avLst/>
+          </a:prstGeom>
+        </p:spPr>
+        <p:txBody>
+          <a:bodyPr vert="horz" lIns="91440" tIns="45720" rIns="91440" bIns="45720" rtlCol="0"/>
+          <a:lstStyle/>
+          <a:p>
+            <a:pPr lvl="0"/>
+            <a:r>
+              <a:rPr lang="zh-CN" altLang="en-US"/>
+              <a:t>编辑母版文本样式</a:t>
+            </a:r>
+          </a:p>
+          <a:p>
+            <a:pPr lvl="1"/>
+            <a:r>
+              <a:rPr lang="zh-CN" altLang="en-US"/>
+              <a:t>第二级</a:t>
+            </a:r>
+          </a:p>
+          <a:p>
+            <a:pPr lvl="2"/>
+            <a:r>
+              <a:rPr lang="zh-CN" altLang="en-US"/>
+              <a:t>第三级</a:t>
+            </a:r>
+          </a:p>
+          <a:p>
+            <a:pPr lvl="3"/>
+            <a:r>
+              <a:rPr lang="zh-CN" altLang="en-US"/>
+              <a:t>第四级</a:t>
+            </a:r>
+          </a:p>
+          <a:p>
+            <a:pPr lvl="4"/>
+            <a:r>
+              <a:rPr lang="zh-CN" altLang="en-US"/>
+              <a:t>第五级</a:t>
+            </a:r>
+          </a:p>
+        </p:txBody>
+      </p:sp>
+      <p:sp>
+        <p:nvSpPr>
+          <p:cNvPr id="6" name="页脚占位符 5"/>
+          <p:cNvSpPr>
+            <a:spLocks noGrp="1"/>
+          </p:cNvSpPr>
+          <p:nvPr>
+            <p:ph type="ftr" sz="quarter" idx="4"/>
+          </p:nvPr>
+        </p:nvSpPr>
+        <p:spPr>
+          <a:xfrm>
+            <a:off x="0" y="8685213"/>
+            <a:ext cx="2971800" cy="458787"/>
+          </a:xfrm>
+          <a:prstGeom prst="rect">
+            <a:avLst/>
+          </a:prstGeom>
+        </p:spPr>
+        <p:txBody>
+          <a:bodyPr vert="horz" lIns="91440" tIns="45720" rIns="91440" bIns="45720" rtlCol="0" anchor="b"/>
+          <a:lstStyle>
+            <a:lvl1pPr algn="l">
+              <a:defRPr sz="1200"/>
+            </a:lvl1pPr>
+          </a:lstStyle>
+          <a:p>
+            <a:endParaRPr lang="zh-CN" altLang="en-US"/>
+          </a:p>
+        </p:txBody>
+      </p:sp>
+      <p:sp>
+        <p:nvSpPr>
+          <p:cNvPr id="7" name="灯片编号占位符 6"/>
+          <p:cNvSpPr>
+            <a:spLocks noGrp="1"/>
+          </p:cNvSpPr>
+          <p:nvPr>
+            <p:ph type="sldNum" sz="quarter" idx="5"/>
+          </p:nvPr>
+        </p:nvSpPr>
+        <p:spPr>
+          <a:xfrm>
+            <a:off x="3884613" y="8685213"/>
+            <a:ext cx="2971800" cy="458787"/>
+          </a:xfrm>
+          <a:prstGeom prst="rect">
+            <a:avLst/>
+          </a:prstGeom>
+        </p:spPr>
+        <p:txBody>
+          <a:bodyPr vert="horz" lIns="91440" tIns="45720" rIns="91440" bIns="45720" rtlCol="0" anchor="b"/>
+          <a:lstStyle>
+            <a:lvl1pPr algn="r">
+              <a:defRPr sz="1200"/>
+            </a:lvl1pPr>
+          </a:lstStyle>
+          <a:p>
+            <a:fld id="{17966861-A765-4F3C-B8A8-5AABAD0AAADB}" type="slidenum">
+              <a:rPr lang="zh-CN" altLang="en-US" smtClean="0"/>
+              <a:t>‹#›</a:t>
+            </a:fld>
+            <a:endParaRPr lang="zh-CN" altLang="en-US"/>
+          </a:p>
+        </p:txBody>
+      </p:sp>
+    </p:spTree>
+    <p:extLst>
+      <p:ext uri="{BB962C8B-B14F-4D97-AF65-F5344CB8AC3E}">
+        <p14:creationId xmlns:p14="http://schemas.microsoft.com/office/powerpoint/2010/main" val="1795586415"/>
+      </p:ext>
+    </p:extLst>
+  </p:cSld>
+  <p:clrMap bg1="lt1" tx1="dk1" bg2="lt2" tx2="dk2" accent1="accent1" accent2="accent2" accent3="accent3" accent4="accent4" accent5="accent5" accent6="accent6" hlink="hlink" folHlink="folHlink"/>
+  <p:notesStyle>
+    <a:lvl1pPr marL="0" algn="l" defTabSz="914400" rtl="0" eaLnBrk="1" latinLnBrk="0" hangingPunct="1">
+      <a:defRPr sz="1200" kern="1200">
+        <a:solidFill>
+          <a:schemeClr val="tx1"/>
+        </a:solidFill>
+        <a:latin typeface="+mn-lt"/>
+        <a:ea typeface="+mn-ea"/>
+        <a:cs typeface="+mn-cs"/>
+      </a:defRPr>
+    </a:lvl1pPr>
+    <a:lvl2pPr marL="457200" algn="l" defTabSz="914400" rtl="0" eaLnBrk="1" latinLnBrk="0" hangingPunct="1">
+      <a:defRPr sz="1200" kern="1200">
+        <a:solidFill>
+          <a:schemeClr val="tx1"/>
+        </a:solidFill>
+        <a:latin typeface="+mn-lt"/>
+        <a:ea typeface="+mn-ea"/>
+        <a:cs typeface="+mn-cs"/>
+      </a:defRPr>
+    </a:lvl2pPr>
+    <a:lvl3pPr marL="914400" algn="l" defTabSz="914400" rtl="0" eaLnBrk="1" latinLnBrk="0" hangingPunct="1">
+      <a:defRPr sz="1200" kern="1200">
+        <a:solidFill>
+          <a:schemeClr val="tx1"/>
+        </a:solidFill>
+        <a:latin typeface="+mn-lt"/>
+        <a:ea typeface="+mn-ea"/>
+        <a:cs typeface="+mn-cs"/>
+      </a:defRPr>
+    </a:lvl3pPr>
+    <a:lvl4pPr marL="1371600" algn="l" defTabSz="914400" rtl="0" eaLnBrk="1" latinLnBrk="0" hangingPunct="1">
+      <a:defRPr sz="1200" kern="1200">
+        <a:solidFill>
+          <a:schemeClr val="tx1"/>
+        </a:solidFill>
+        <a:latin typeface="+mn-lt"/>
+        <a:ea typeface="+mn-ea"/>
+        <a:cs typeface="+mn-cs"/>
+      </a:defRPr>
+    </a:lvl4pPr>
+    <a:lvl5pPr marL="1828800" algn="l" defTabSz="914400" rtl="0" eaLnBrk="1" latinLnBrk="0" hangingPunct="1">
+      <a:defRPr sz="1200" kern="1200">
+        <a:solidFill>
+          <a:schemeClr val="tx1"/>
+        </a:solidFill>
+        <a:latin typeface="+mn-lt"/>
+        <a:ea typeface="+mn-ea"/>
+        <a:cs typeface="+mn-cs"/>
+      </a:defRPr>
+    </a:lvl5pPr>
+    <a:lvl6pPr marL="2286000" algn="l" defTabSz="914400" rtl="0" eaLnBrk="1" latinLnBrk="0" hangingPunct="1">
+      <a:defRPr sz="1200" kern="1200">
+        <a:solidFill>
+          <a:schemeClr val="tx1"/>
+        </a:solidFill>
+        <a:latin typeface="+mn-lt"/>
+        <a:ea typeface="+mn-ea"/>
+        <a:cs typeface="+mn-cs"/>
+      </a:defRPr>
+    </a:lvl6pPr>
+    <a:lvl7pPr marL="2743200" algn="l" defTabSz="914400" rtl="0" eaLnBrk="1" latinLnBrk="0" hangingPunct="1">
+      <a:defRPr sz="1200" kern="1200">
+        <a:solidFill>
+          <a:schemeClr val="tx1"/>
+        </a:solidFill>
+        <a:latin typeface="+mn-lt"/>
+        <a:ea typeface="+mn-ea"/>
+        <a:cs typeface="+mn-cs"/>
+      </a:defRPr>
+    </a:lvl7pPr>
+    <a:lvl8pPr marL="3200400" algn="l" defTabSz="914400" rtl="0" eaLnBrk="1" latinLnBrk="0" hangingPunct="1">
+      <a:defRPr sz="1200" kern="1200">
+        <a:solidFill>
+          <a:schemeClr val="tx1"/>
+        </a:solidFill>
+        <a:latin typeface="+mn-lt"/>
+        <a:ea typeface="+mn-ea"/>
+        <a:cs typeface="+mn-cs"/>
+      </a:defRPr>
+    </a:lvl8pPr>
+    <a:lvl9pPr marL="3657600" algn="l" defTabSz="914400" rtl="0" eaLnBrk="1" latinLnBrk="0" hangingPunct="1">
+      <a:defRPr sz="1200" kern="1200">
+        <a:solidFill>
+          <a:schemeClr val="tx1"/>
+        </a:solidFill>
+        <a:latin typeface="+mn-lt"/>
+        <a:ea typeface="+mn-ea"/>
+        <a:cs typeface="+mn-cs"/>
+      </a:defRPr>
+    </a:lvl9pPr>
+  </p:notesStyle>
+</p:notesMaster>
+</file>
+
+<file path=ppt/notesSlides/notesSlide1.xml><?xml version="1.0" encoding="utf-8"?>
+<p:notes xmlns:a="http://schemas.openxmlformats.org/drawingml/2006/main" xmlns:r="http://schemas.openxmlformats.org/officeDocument/2006/relationships" xmlns:p="http://schemas.openxmlformats.org/presentationml/2006/main">
+  <p:cSld>
+    <p:spTree>
+      <p:nvGrpSpPr>
+        <p:cNvPr id="1" name=""/>
+        <p:cNvGrpSpPr/>
+        <p:nvPr/>
+      </p:nvGrpSpPr>
+      <p:grpSpPr>
+        <a:xfrm>
+          <a:off x="0" y="0"/>
+          <a:ext cx="0" cy="0"/>
+          <a:chOff x="0" y="0"/>
+          <a:chExt cx="0" cy="0"/>
+        </a:xfrm>
+      </p:grpSpPr>
+      <p:sp>
+        <p:nvSpPr>
+          <p:cNvPr id="2" name="幻灯片图像占位符 1"/>
+          <p:cNvSpPr>
+            <a:spLocks noGrp="1" noRot="1" noChangeAspect="1"/>
+          </p:cNvSpPr>
+          <p:nvPr>
+            <p:ph type="sldImg"/>
+          </p:nvPr>
+        </p:nvSpPr>
+        <p:spPr/>
+      </p:sp>
+      <p:sp>
+        <p:nvSpPr>
+          <p:cNvPr id="3" name="备注占位符 2"/>
+          <p:cNvSpPr>
+            <a:spLocks noGrp="1"/>
+          </p:cNvSpPr>
+          <p:nvPr>
+            <p:ph type="body" idx="1"/>
+          </p:nvPr>
+        </p:nvSpPr>
+        <p:spPr/>
+        <p:txBody>
+          <a:bodyPr/>
+          <a:lstStyle/>
+          <a:p>
+            <a:r>
+              <a:rPr lang="zh-CN" altLang="en-US" dirty="0"/>
+              <a:t>词向量介绍</a:t>
+            </a:r>
+          </a:p>
+        </p:txBody>
+      </p:sp>
+      <p:sp>
+        <p:nvSpPr>
+          <p:cNvPr id="4" name="灯片编号占位符 3"/>
+          <p:cNvSpPr>
+            <a:spLocks noGrp="1"/>
+          </p:cNvSpPr>
+          <p:nvPr>
+            <p:ph type="sldNum" sz="quarter" idx="10"/>
+          </p:nvPr>
+        </p:nvSpPr>
+        <p:spPr/>
+        <p:txBody>
+          <a:bodyPr/>
+          <a:lstStyle/>
+          <a:p>
+            <a:fld id="{17966861-A765-4F3C-B8A8-5AABAD0AAADB}" type="slidenum">
+              <a:rPr lang="zh-CN" altLang="en-US" smtClean="0"/>
+              <a:t>12</a:t>
+            </a:fld>
+            <a:endParaRPr lang="zh-CN" altLang="en-US"/>
+          </a:p>
+        </p:txBody>
+      </p:sp>
+    </p:spTree>
+    <p:extLst>
+      <p:ext uri="{BB962C8B-B14F-4D97-AF65-F5344CB8AC3E}">
+        <p14:creationId xmlns:p14="http://schemas.microsoft.com/office/powerpoint/2010/main" val="2306163016"/>
+      </p:ext>
+    </p:extLst>
+  </p:cSld>
+  <p:clrMapOvr>
+    <a:masterClrMapping/>
+  </p:clrMapOvr>
+</p:notes>
+</file>
+
+<file path=ppt/notesSlides/notesSlide2.xml><?xml version="1.0" encoding="utf-8"?>
+<p:notes xmlns:a="http://schemas.openxmlformats.org/drawingml/2006/main" xmlns:r="http://schemas.openxmlformats.org/officeDocument/2006/relationships" xmlns:p="http://schemas.openxmlformats.org/presentationml/2006/main">
+  <p:cSld>
+    <p:spTree>
+      <p:nvGrpSpPr>
+        <p:cNvPr id="1" name=""/>
+        <p:cNvGrpSpPr/>
+        <p:nvPr/>
+      </p:nvGrpSpPr>
+      <p:grpSpPr>
+        <a:xfrm>
+          <a:off x="0" y="0"/>
+          <a:ext cx="0" cy="0"/>
+          <a:chOff x="0" y="0"/>
+          <a:chExt cx="0" cy="0"/>
+        </a:xfrm>
+      </p:grpSpPr>
+      <p:sp>
+        <p:nvSpPr>
+          <p:cNvPr id="2" name="幻灯片图像占位符 1"/>
+          <p:cNvSpPr>
+            <a:spLocks noGrp="1" noRot="1" noChangeAspect="1"/>
+          </p:cNvSpPr>
+          <p:nvPr>
+            <p:ph type="sldImg"/>
+          </p:nvPr>
+        </p:nvSpPr>
+        <p:spPr/>
+      </p:sp>
+      <p:sp>
+        <p:nvSpPr>
+          <p:cNvPr id="3" name="备注占位符 2"/>
+          <p:cNvSpPr>
+            <a:spLocks noGrp="1"/>
+          </p:cNvSpPr>
+          <p:nvPr>
+            <p:ph type="body" idx="1"/>
+          </p:nvPr>
+        </p:nvSpPr>
+        <p:spPr/>
+        <p:txBody>
+          <a:bodyPr/>
+          <a:lstStyle/>
+          <a:p>
+            <a:r>
+              <a:rPr lang="zh-CN" altLang="en-US" dirty="0"/>
+              <a:t>词向量介绍</a:t>
+            </a:r>
+          </a:p>
+        </p:txBody>
+      </p:sp>
+      <p:sp>
+        <p:nvSpPr>
+          <p:cNvPr id="4" name="灯片编号占位符 3"/>
+          <p:cNvSpPr>
+            <a:spLocks noGrp="1"/>
+          </p:cNvSpPr>
+          <p:nvPr>
+            <p:ph type="sldNum" sz="quarter" idx="10"/>
+          </p:nvPr>
+        </p:nvSpPr>
+        <p:spPr/>
+        <p:txBody>
+          <a:bodyPr/>
+          <a:lstStyle/>
+          <a:p>
+            <a:fld id="{17966861-A765-4F3C-B8A8-5AABAD0AAADB}" type="slidenum">
+              <a:rPr lang="zh-CN" altLang="en-US" smtClean="0"/>
+              <a:t>13</a:t>
+            </a:fld>
+            <a:endParaRPr lang="zh-CN" altLang="en-US"/>
+          </a:p>
+        </p:txBody>
+      </p:sp>
+    </p:spTree>
+    <p:extLst>
+      <p:ext uri="{BB962C8B-B14F-4D97-AF65-F5344CB8AC3E}">
+        <p14:creationId xmlns:p14="http://schemas.microsoft.com/office/powerpoint/2010/main" val="3030124227"/>
+      </p:ext>
+    </p:extLst>
+  </p:cSld>
+  <p:clrMapOvr>
+    <a:masterClrMapping/>
+  </p:clrMapOvr>
+</p:notes>
+</file>
+
 <file path=ppt/slideLayouts/slideLayout1.xml><?xml version="1.0" encoding="utf-8"?>
 <p:sldLayout xmlns:a="http://schemas.openxmlformats.org/drawingml/2006/main" xmlns:r="http://schemas.openxmlformats.org/officeDocument/2006/relationships" xmlns:p="http://schemas.openxmlformats.org/presentationml/2006/main" type="title" preserve="1">
   <p:cSld name="标题幻灯片">
@@ -267,7 +1335,7 @@
           <a:p>
             <a:fld id="{DEA0FF69-78BC-47F2-A25F-B0DBC70AF88F}" type="datetimeFigureOut">
               <a:rPr lang="zh-CN" altLang="en-US" smtClean="0"/>
-              <a:t>2018/5/27</a:t>
+              <a:t>2018/6/6</a:t>
             </a:fld>
             <a:endParaRPr lang="zh-CN" altLang="en-US"/>
           </a:p>
@@ -465,7 +1533,7 @@
           <a:p>
             <a:fld id="{DEA0FF69-78BC-47F2-A25F-B0DBC70AF88F}" type="datetimeFigureOut">
               <a:rPr lang="zh-CN" altLang="en-US" smtClean="0"/>
-              <a:t>2018/5/27</a:t>
+              <a:t>2018/6/6</a:t>
             </a:fld>
             <a:endParaRPr lang="zh-CN" altLang="en-US"/>
           </a:p>
@@ -673,7 +1741,7 @@
           <a:p>
             <a:fld id="{DEA0FF69-78BC-47F2-A25F-B0DBC70AF88F}" type="datetimeFigureOut">
               <a:rPr lang="zh-CN" altLang="en-US" smtClean="0"/>
-              <a:t>2018/5/27</a:t>
+              <a:t>2018/6/6</a:t>
             </a:fld>
             <a:endParaRPr lang="zh-CN" altLang="en-US"/>
           </a:p>
@@ -871,7 +1939,7 @@
           <a:p>
             <a:fld id="{DEA0FF69-78BC-47F2-A25F-B0DBC70AF88F}" type="datetimeFigureOut">
               <a:rPr lang="zh-CN" altLang="en-US" smtClean="0"/>
-              <a:t>2018/5/27</a:t>
+              <a:t>2018/6/6</a:t>
             </a:fld>
             <a:endParaRPr lang="zh-CN" altLang="en-US"/>
           </a:p>
@@ -1146,7 +2214,7 @@
           <a:p>
             <a:fld id="{DEA0FF69-78BC-47F2-A25F-B0DBC70AF88F}" type="datetimeFigureOut">
               <a:rPr lang="zh-CN" altLang="en-US" smtClean="0"/>
-              <a:t>2018/5/27</a:t>
+              <a:t>2018/6/6</a:t>
             </a:fld>
             <a:endParaRPr lang="zh-CN" altLang="en-US"/>
           </a:p>
@@ -1411,7 +2479,7 @@
           <a:p>
             <a:fld id="{DEA0FF69-78BC-47F2-A25F-B0DBC70AF88F}" type="datetimeFigureOut">
               <a:rPr lang="zh-CN" altLang="en-US" smtClean="0"/>
-              <a:t>2018/5/27</a:t>
+              <a:t>2018/6/6</a:t>
             </a:fld>
             <a:endParaRPr lang="zh-CN" altLang="en-US"/>
           </a:p>
@@ -1823,7 +2891,7 @@
           <a:p>
             <a:fld id="{DEA0FF69-78BC-47F2-A25F-B0DBC70AF88F}" type="datetimeFigureOut">
               <a:rPr lang="zh-CN" altLang="en-US" smtClean="0"/>
-              <a:t>2018/5/27</a:t>
+              <a:t>2018/6/6</a:t>
             </a:fld>
             <a:endParaRPr lang="zh-CN" altLang="en-US"/>
           </a:p>
@@ -1964,7 +3032,7 @@
           <a:p>
             <a:fld id="{DEA0FF69-78BC-47F2-A25F-B0DBC70AF88F}" type="datetimeFigureOut">
               <a:rPr lang="zh-CN" altLang="en-US" smtClean="0"/>
-              <a:t>2018/5/27</a:t>
+              <a:t>2018/6/6</a:t>
             </a:fld>
             <a:endParaRPr lang="zh-CN" altLang="en-US"/>
           </a:p>
@@ -2077,7 +3145,7 @@
           <a:p>
             <a:fld id="{DEA0FF69-78BC-47F2-A25F-B0DBC70AF88F}" type="datetimeFigureOut">
               <a:rPr lang="zh-CN" altLang="en-US" smtClean="0"/>
-              <a:t>2018/5/27</a:t>
+              <a:t>2018/6/6</a:t>
             </a:fld>
             <a:endParaRPr lang="zh-CN" altLang="en-US"/>
           </a:p>
@@ -2388,7 +3456,7 @@
           <a:p>
             <a:fld id="{DEA0FF69-78BC-47F2-A25F-B0DBC70AF88F}" type="datetimeFigureOut">
               <a:rPr lang="zh-CN" altLang="en-US" smtClean="0"/>
-              <a:t>2018/5/27</a:t>
+              <a:t>2018/6/6</a:t>
             </a:fld>
             <a:endParaRPr lang="zh-CN" altLang="en-US"/>
           </a:p>
@@ -2676,7 +3744,7 @@
           <a:p>
             <a:fld id="{DEA0FF69-78BC-47F2-A25F-B0DBC70AF88F}" type="datetimeFigureOut">
               <a:rPr lang="zh-CN" altLang="en-US" smtClean="0"/>
-              <a:t>2018/5/27</a:t>
+              <a:t>2018/6/6</a:t>
             </a:fld>
             <a:endParaRPr lang="zh-CN" altLang="en-US"/>
           </a:p>
@@ -2917,7 +3985,7 @@
           <a:p>
             <a:fld id="{DEA0FF69-78BC-47F2-A25F-B0DBC70AF88F}" type="datetimeFigureOut">
               <a:rPr lang="zh-CN" altLang="en-US" smtClean="0"/>
-              <a:t>2018/5/27</a:t>
+              <a:t>2018/6/6</a:t>
             </a:fld>
             <a:endParaRPr lang="zh-CN" altLang="en-US"/>
           </a:p>
@@ -5039,6 +6107,2132 @@
 </p:sld>
 </file>
 
+<file path=ppt/slides/slide10.xml><?xml version="1.0" encoding="utf-8"?>
+<p:sld xmlns:a="http://schemas.openxmlformats.org/drawingml/2006/main" xmlns:r="http://schemas.openxmlformats.org/officeDocument/2006/relationships" xmlns:p="http://schemas.openxmlformats.org/presentationml/2006/main">
+  <p:cSld>
+    <p:spTree>
+      <p:nvGrpSpPr>
+        <p:cNvPr id="1" name=""/>
+        <p:cNvGrpSpPr/>
+        <p:nvPr/>
+      </p:nvGrpSpPr>
+      <p:grpSpPr>
+        <a:xfrm>
+          <a:off x="0" y="0"/>
+          <a:ext cx="0" cy="0"/>
+          <a:chOff x="0" y="0"/>
+          <a:chExt cx="0" cy="0"/>
+        </a:xfrm>
+      </p:grpSpPr>
+      <p:sp>
+        <p:nvSpPr>
+          <p:cNvPr id="5" name="矩形 4">
+            <a:extLst>
+              <a:ext uri="{FF2B5EF4-FFF2-40B4-BE49-F238E27FC236}">
+                <a16:creationId xmlns:a16="http://schemas.microsoft.com/office/drawing/2014/main" id="{EDB04720-1763-4B0B-84E0-4939B05496D3}"/>
+              </a:ext>
+            </a:extLst>
+          </p:cNvPr>
+          <p:cNvSpPr/>
+          <p:nvPr/>
+        </p:nvSpPr>
+        <p:spPr>
+          <a:xfrm>
+            <a:off x="502891" y="547433"/>
+            <a:ext cx="1370889" cy="523220"/>
+          </a:xfrm>
+          <a:prstGeom prst="rect">
+            <a:avLst/>
+          </a:prstGeom>
+        </p:spPr>
+        <p:txBody>
+          <a:bodyPr wrap="none">
+            <a:spAutoFit/>
+          </a:bodyPr>
+          <a:lstStyle/>
+          <a:p>
+            <a:pPr algn="ctr"/>
+            <a:r>
+              <a:rPr lang="en-US" altLang="zh-CN" sz="2800" b="1" dirty="0">
+                <a:latin typeface="微软雅黑" panose="020B0503020204020204" pitchFamily="34" charset="-122"/>
+                <a:ea typeface="微软雅黑" panose="020B0503020204020204" pitchFamily="34" charset="-122"/>
+              </a:rPr>
+              <a:t>TF-IDF</a:t>
+            </a:r>
+            <a:endParaRPr lang="zh-CN" altLang="en-US" sz="2800" b="1" dirty="0">
+              <a:latin typeface="微软雅黑" panose="020B0503020204020204" pitchFamily="34" charset="-122"/>
+              <a:ea typeface="微软雅黑" panose="020B0503020204020204" pitchFamily="34" charset="-122"/>
+            </a:endParaRPr>
+          </a:p>
+        </p:txBody>
+      </p:sp>
+      <mc:AlternateContent xmlns:mc="http://schemas.openxmlformats.org/markup-compatibility/2006">
+        <mc:Choice xmlns:a14="http://schemas.microsoft.com/office/drawing/2010/main" Requires="a14">
+          <p:sp>
+            <p:nvSpPr>
+              <p:cNvPr id="6" name="文本框 5">
+                <a:extLst>
+                  <a:ext uri="{FF2B5EF4-FFF2-40B4-BE49-F238E27FC236}">
+                    <a16:creationId xmlns:a16="http://schemas.microsoft.com/office/drawing/2014/main" id="{19F661B6-5ED9-423E-9188-CB8471D102B3}"/>
+                  </a:ext>
+                </a:extLst>
+              </p:cNvPr>
+              <p:cNvSpPr txBox="1"/>
+              <p:nvPr/>
+            </p:nvSpPr>
+            <p:spPr>
+              <a:xfrm>
+                <a:off x="448823" y="1202929"/>
+                <a:ext cx="10475089" cy="5175840"/>
+              </a:xfrm>
+              <a:prstGeom prst="rect">
+                <a:avLst/>
+              </a:prstGeom>
+              <a:noFill/>
+            </p:spPr>
+            <p:txBody>
+              <a:bodyPr wrap="square" rtlCol="0">
+                <a:spAutoFit/>
+              </a:bodyPr>
+              <a:lstStyle/>
+              <a:p>
+                <a:r>
+                  <a:rPr lang="zh-CN" altLang="en-US" dirty="0">
+                    <a:latin typeface="微软雅黑" panose="020B0503020204020204" pitchFamily="34" charset="-122"/>
+                    <a:ea typeface="微软雅黑" panose="020B0503020204020204" pitchFamily="34" charset="-122"/>
+                  </a:rPr>
+                  <a:t>在进行关键词提取时，我们不仅应该考虑到到此出现的次数</a:t>
+                </a:r>
+                <a:r>
+                  <a:rPr lang="en-US" altLang="zh-CN" dirty="0">
+                    <a:latin typeface="微软雅黑" panose="020B0503020204020204" pitchFamily="34" charset="-122"/>
+                    <a:ea typeface="微软雅黑" panose="020B0503020204020204" pitchFamily="34" charset="-122"/>
+                  </a:rPr>
+                  <a:t>(</a:t>
+                </a:r>
+                <a:r>
+                  <a:rPr lang="zh-CN" altLang="en-US" dirty="0">
+                    <a:latin typeface="微软雅黑" panose="020B0503020204020204" pitchFamily="34" charset="-122"/>
+                    <a:ea typeface="微软雅黑" panose="020B0503020204020204" pitchFamily="34" charset="-122"/>
+                  </a:rPr>
+                  <a:t>词频</a:t>
+                </a:r>
+                <a:r>
+                  <a:rPr lang="en-US" altLang="zh-CN" dirty="0">
+                    <a:latin typeface="微软雅黑" panose="020B0503020204020204" pitchFamily="34" charset="-122"/>
+                    <a:ea typeface="微软雅黑" panose="020B0503020204020204" pitchFamily="34" charset="-122"/>
+                  </a:rPr>
+                  <a:t>:Term Frequency)</a:t>
+                </a:r>
+                <a:r>
+                  <a:rPr lang="zh-CN" altLang="en-US" dirty="0">
+                    <a:latin typeface="微软雅黑" panose="020B0503020204020204" pitchFamily="34" charset="-122"/>
+                    <a:ea typeface="微软雅黑" panose="020B0503020204020204" pitchFamily="34" charset="-122"/>
+                  </a:rPr>
+                  <a:t>，同时也要考虑单词的重要性</a:t>
+                </a:r>
+                <a:r>
+                  <a:rPr lang="en-US" altLang="zh-CN" dirty="0">
+                    <a:latin typeface="微软雅黑" panose="020B0503020204020204" pitchFamily="34" charset="-122"/>
+                    <a:ea typeface="微软雅黑" panose="020B0503020204020204" pitchFamily="34" charset="-122"/>
+                  </a:rPr>
+                  <a:t>(</a:t>
+                </a:r>
+                <a:r>
+                  <a:rPr lang="zh-CN" altLang="en-US" dirty="0">
+                    <a:latin typeface="微软雅黑" panose="020B0503020204020204" pitchFamily="34" charset="-122"/>
+                    <a:ea typeface="微软雅黑" panose="020B0503020204020204" pitchFamily="34" charset="-122"/>
+                  </a:rPr>
+                  <a:t>逆文档频率</a:t>
+                </a:r>
+                <a:r>
+                  <a:rPr lang="en-US" altLang="zh-CN" dirty="0">
+                    <a:latin typeface="微软雅黑" panose="020B0503020204020204" pitchFamily="34" charset="-122"/>
+                    <a:ea typeface="微软雅黑" panose="020B0503020204020204" pitchFamily="34" charset="-122"/>
+                  </a:rPr>
+                  <a:t>:Inverse Document Frequency)</a:t>
+                </a:r>
+              </a:p>
+              <a:p>
+                <a:endParaRPr lang="en-US" altLang="zh-CN" dirty="0">
+                  <a:latin typeface="微软雅黑" panose="020B0503020204020204" pitchFamily="34" charset="-122"/>
+                  <a:ea typeface="微软雅黑" panose="020B0503020204020204" pitchFamily="34" charset="-122"/>
+                </a:endParaRPr>
+              </a:p>
+              <a:p>
+                <a:r>
+                  <a:rPr lang="zh-CN" altLang="en-US" dirty="0">
+                    <a:latin typeface="微软雅黑" panose="020B0503020204020204" pitchFamily="34" charset="-122"/>
+                    <a:ea typeface="微软雅黑" panose="020B0503020204020204" pitchFamily="34" charset="-122"/>
+                  </a:rPr>
+                  <a:t>通过计算每个词的</a:t>
+                </a:r>
+                <a:r>
+                  <a:rPr lang="en-US" altLang="zh-CN" dirty="0">
+                    <a:latin typeface="微软雅黑" panose="020B0503020204020204" pitchFamily="34" charset="-122"/>
+                    <a:ea typeface="微软雅黑" panose="020B0503020204020204" pitchFamily="34" charset="-122"/>
+                  </a:rPr>
+                  <a:t>TF-IDF</a:t>
+                </a:r>
+                <a:r>
+                  <a:rPr lang="zh-CN" altLang="en-US" dirty="0">
+                    <a:latin typeface="微软雅黑" panose="020B0503020204020204" pitchFamily="34" charset="-122"/>
+                    <a:ea typeface="微软雅黑" panose="020B0503020204020204" pitchFamily="34" charset="-122"/>
+                  </a:rPr>
+                  <a:t>值，来得到该文档中相对重要的词，其中过滤掉了停用词</a:t>
+                </a:r>
+                <a:endParaRPr lang="en-US" altLang="zh-CN" dirty="0">
+                  <a:latin typeface="微软雅黑" panose="020B0503020204020204" pitchFamily="34" charset="-122"/>
+                  <a:ea typeface="微软雅黑" panose="020B0503020204020204" pitchFamily="34" charset="-122"/>
+                </a:endParaRPr>
+              </a:p>
+              <a:p>
+                <a:endParaRPr lang="en-US" altLang="zh-CN" dirty="0">
+                  <a:latin typeface="微软雅黑" panose="020B0503020204020204" pitchFamily="34" charset="-122"/>
+                  <a:ea typeface="微软雅黑" panose="020B0503020204020204" pitchFamily="34" charset="-122"/>
+                </a:endParaRPr>
+              </a:p>
+              <a:p>
+                <a14:m>
+                  <m:oMathPara xmlns:m="http://schemas.openxmlformats.org/officeDocument/2006/math">
+                    <m:oMathParaPr>
+                      <m:jc m:val="centerGroup"/>
+                    </m:oMathParaPr>
+                    <m:oMath xmlns:m="http://schemas.openxmlformats.org/officeDocument/2006/math">
+                      <m:r>
+                        <a:rPr lang="zh-CN" altLang="zh-CN" i="1">
+                          <a:latin typeface="Cambria Math" panose="02040503050406030204" pitchFamily="18" charset="0"/>
+                          <a:ea typeface="微软雅黑" panose="020B0503020204020204" pitchFamily="34" charset="-122"/>
+                        </a:rPr>
+                        <m:t>𝑇𝐹</m:t>
+                      </m:r>
+                      <m:r>
+                        <a:rPr lang="en-US" altLang="zh-CN" i="1">
+                          <a:latin typeface="Cambria Math" panose="02040503050406030204" pitchFamily="18" charset="0"/>
+                          <a:ea typeface="微软雅黑" panose="020B0503020204020204" pitchFamily="34" charset="-122"/>
+                        </a:rPr>
+                        <m:t>-</m:t>
+                      </m:r>
+                      <m:r>
+                        <a:rPr lang="zh-CN" altLang="zh-CN" i="1">
+                          <a:latin typeface="Cambria Math" panose="02040503050406030204" pitchFamily="18" charset="0"/>
+                          <a:ea typeface="微软雅黑" panose="020B0503020204020204" pitchFamily="34" charset="-122"/>
+                        </a:rPr>
+                        <m:t>𝐼𝐷𝐹</m:t>
+                      </m:r>
+                      <m:r>
+                        <a:rPr lang="zh-CN" altLang="zh-CN" i="1">
+                          <a:latin typeface="Cambria Math" panose="02040503050406030204" pitchFamily="18" charset="0"/>
+                          <a:ea typeface="微软雅黑" panose="020B0503020204020204" pitchFamily="34" charset="-122"/>
+                        </a:rPr>
+                        <m:t>=</m:t>
+                      </m:r>
+                      <m:r>
+                        <a:rPr lang="zh-CN" altLang="zh-CN" i="1">
+                          <a:latin typeface="Cambria Math" panose="02040503050406030204" pitchFamily="18" charset="0"/>
+                          <a:ea typeface="微软雅黑" panose="020B0503020204020204" pitchFamily="34" charset="-122"/>
+                        </a:rPr>
+                        <m:t>词频</m:t>
+                      </m:r>
+                      <m:d>
+                        <m:dPr>
+                          <m:ctrlPr>
+                            <a:rPr lang="zh-CN" altLang="zh-CN" i="1">
+                              <a:latin typeface="Cambria Math" panose="02040503050406030204" pitchFamily="18" charset="0"/>
+                              <a:ea typeface="微软雅黑" panose="020B0503020204020204" pitchFamily="34" charset="-122"/>
+                            </a:rPr>
+                          </m:ctrlPr>
+                        </m:dPr>
+                        <m:e>
+                          <m:r>
+                            <a:rPr lang="zh-CN" altLang="zh-CN" i="1">
+                              <a:latin typeface="Cambria Math" panose="02040503050406030204" pitchFamily="18" charset="0"/>
+                              <a:ea typeface="微软雅黑" panose="020B0503020204020204" pitchFamily="34" charset="-122"/>
+                            </a:rPr>
+                            <m:t>𝑇𝐹</m:t>
+                          </m:r>
+                        </m:e>
+                      </m:d>
+                      <m:r>
+                        <a:rPr lang="zh-CN" altLang="en-US" i="1">
+                          <a:latin typeface="Cambria Math" panose="02040503050406030204" pitchFamily="18" charset="0"/>
+                          <a:ea typeface="微软雅黑" panose="020B0503020204020204" pitchFamily="34" charset="-122"/>
+                        </a:rPr>
+                        <m:t> </m:t>
+                      </m:r>
+                      <m:r>
+                        <a:rPr lang="zh-CN" altLang="zh-CN" i="1">
+                          <a:latin typeface="Cambria Math" panose="02040503050406030204" pitchFamily="18" charset="0"/>
+                          <a:ea typeface="微软雅黑" panose="020B0503020204020204" pitchFamily="34" charset="-122"/>
+                        </a:rPr>
+                        <m:t>×</m:t>
+                      </m:r>
+                      <m:r>
+                        <a:rPr lang="zh-CN" altLang="zh-CN" i="1">
+                          <a:latin typeface="Cambria Math" panose="02040503050406030204" pitchFamily="18" charset="0"/>
+                          <a:ea typeface="微软雅黑" panose="020B0503020204020204" pitchFamily="34" charset="-122"/>
+                        </a:rPr>
+                        <m:t>逆文档频率</m:t>
+                      </m:r>
+                      <m:d>
+                        <m:dPr>
+                          <m:ctrlPr>
+                            <a:rPr lang="zh-CN" altLang="zh-CN" i="1">
+                              <a:latin typeface="Cambria Math" panose="02040503050406030204" pitchFamily="18" charset="0"/>
+                              <a:ea typeface="微软雅黑" panose="020B0503020204020204" pitchFamily="34" charset="-122"/>
+                            </a:rPr>
+                          </m:ctrlPr>
+                        </m:dPr>
+                        <m:e>
+                          <m:r>
+                            <a:rPr lang="zh-CN" altLang="zh-CN" i="1">
+                              <a:latin typeface="Cambria Math" panose="02040503050406030204" pitchFamily="18" charset="0"/>
+                              <a:ea typeface="微软雅黑" panose="020B0503020204020204" pitchFamily="34" charset="-122"/>
+                            </a:rPr>
+                            <m:t>𝐼𝐷𝐹</m:t>
+                          </m:r>
+                        </m:e>
+                      </m:d>
+                    </m:oMath>
+                  </m:oMathPara>
+                </a14:m>
+                <a:endParaRPr lang="en-US" altLang="zh-CN" i="1" dirty="0">
+                  <a:latin typeface="Cambria Math" panose="02040503050406030204" pitchFamily="18" charset="0"/>
+                  <a:ea typeface="微软雅黑" panose="020B0503020204020204" pitchFamily="34" charset="-122"/>
+                </a:endParaRPr>
+              </a:p>
+              <a:p>
+                <a:endParaRPr lang="zh-CN" altLang="zh-CN" dirty="0">
+                  <a:latin typeface="Cambria Math" panose="02040503050406030204" pitchFamily="18" charset="0"/>
+                  <a:ea typeface="微软雅黑" panose="020B0503020204020204" pitchFamily="34" charset="-122"/>
+                </a:endParaRPr>
+              </a:p>
+              <a:p>
+                <a14:m>
+                  <m:oMathPara xmlns:m="http://schemas.openxmlformats.org/officeDocument/2006/math">
+                    <m:oMathParaPr>
+                      <m:jc m:val="centerGroup"/>
+                    </m:oMathParaPr>
+                    <m:oMath xmlns:m="http://schemas.openxmlformats.org/officeDocument/2006/math">
+                      <m:r>
+                        <a:rPr lang="zh-CN" altLang="zh-CN" i="1">
+                          <a:latin typeface="Cambria Math" panose="02040503050406030204" pitchFamily="18" charset="0"/>
+                          <a:ea typeface="微软雅黑" panose="020B0503020204020204" pitchFamily="34" charset="-122"/>
+                        </a:rPr>
+                        <m:t>词频</m:t>
+                      </m:r>
+                      <m:d>
+                        <m:dPr>
+                          <m:ctrlPr>
+                            <a:rPr lang="zh-CN" altLang="zh-CN" i="1">
+                              <a:latin typeface="Cambria Math" panose="02040503050406030204" pitchFamily="18" charset="0"/>
+                              <a:ea typeface="微软雅黑" panose="020B0503020204020204" pitchFamily="34" charset="-122"/>
+                            </a:rPr>
+                          </m:ctrlPr>
+                        </m:dPr>
+                        <m:e>
+                          <m:r>
+                            <a:rPr lang="zh-CN" altLang="zh-CN" i="1">
+                              <a:latin typeface="Cambria Math" panose="02040503050406030204" pitchFamily="18" charset="0"/>
+                              <a:ea typeface="微软雅黑" panose="020B0503020204020204" pitchFamily="34" charset="-122"/>
+                            </a:rPr>
+                            <m:t>𝑇𝐹</m:t>
+                          </m:r>
+                        </m:e>
+                      </m:d>
+                      <m:r>
+                        <a:rPr lang="zh-CN" altLang="zh-CN" i="1">
+                          <a:latin typeface="Cambria Math" panose="02040503050406030204" pitchFamily="18" charset="0"/>
+                          <a:ea typeface="微软雅黑" panose="020B0503020204020204" pitchFamily="34" charset="-122"/>
+                        </a:rPr>
+                        <m:t>=</m:t>
+                      </m:r>
+                      <m:f>
+                        <m:fPr>
+                          <m:ctrlPr>
+                            <a:rPr lang="zh-CN" altLang="zh-CN" i="1">
+                              <a:latin typeface="Cambria Math" panose="02040503050406030204" pitchFamily="18" charset="0"/>
+                              <a:ea typeface="微软雅黑" panose="020B0503020204020204" pitchFamily="34" charset="-122"/>
+                            </a:rPr>
+                          </m:ctrlPr>
+                        </m:fPr>
+                        <m:num>
+                          <m:r>
+                            <a:rPr lang="zh-CN" altLang="zh-CN" i="1">
+                              <a:latin typeface="Cambria Math" panose="02040503050406030204" pitchFamily="18" charset="0"/>
+                              <a:ea typeface="微软雅黑" panose="020B0503020204020204" pitchFamily="34" charset="-122"/>
+                            </a:rPr>
+                            <m:t>某个词在文章中出现的次数</m:t>
+                          </m:r>
+                        </m:num>
+                        <m:den>
+                          <m:r>
+                            <a:rPr lang="zh-CN" altLang="zh-CN" i="1">
+                              <a:latin typeface="Cambria Math" panose="02040503050406030204" pitchFamily="18" charset="0"/>
+                              <a:ea typeface="微软雅黑" panose="020B0503020204020204" pitchFamily="34" charset="-122"/>
+                            </a:rPr>
+                            <m:t>文章的总词数</m:t>
+                          </m:r>
+                        </m:den>
+                      </m:f>
+                    </m:oMath>
+                  </m:oMathPara>
+                </a14:m>
+                <a:endParaRPr lang="zh-CN" altLang="zh-CN" i="1" dirty="0">
+                  <a:latin typeface="Cambria Math" panose="02040503050406030204" pitchFamily="18" charset="0"/>
+                  <a:ea typeface="微软雅黑" panose="020B0503020204020204" pitchFamily="34" charset="-122"/>
+                </a:endParaRPr>
+              </a:p>
+              <a:p>
+                <a14:m>
+                  <m:oMathPara xmlns:m="http://schemas.openxmlformats.org/officeDocument/2006/math">
+                    <m:oMathParaPr>
+                      <m:jc m:val="centerGroup"/>
+                    </m:oMathParaPr>
+                    <m:oMath xmlns:m="http://schemas.openxmlformats.org/officeDocument/2006/math">
+                      <m:r>
+                        <a:rPr lang="zh-CN" altLang="zh-CN" i="1">
+                          <a:latin typeface="Cambria Math" panose="02040503050406030204" pitchFamily="18" charset="0"/>
+                          <a:ea typeface="微软雅黑" panose="020B0503020204020204" pitchFamily="34" charset="-122"/>
+                        </a:rPr>
+                        <m:t>逆文档频率</m:t>
+                      </m:r>
+                      <m:d>
+                        <m:dPr>
+                          <m:ctrlPr>
+                            <a:rPr lang="zh-CN" altLang="zh-CN" i="1">
+                              <a:latin typeface="Cambria Math" panose="02040503050406030204" pitchFamily="18" charset="0"/>
+                              <a:ea typeface="微软雅黑" panose="020B0503020204020204" pitchFamily="34" charset="-122"/>
+                            </a:rPr>
+                          </m:ctrlPr>
+                        </m:dPr>
+                        <m:e>
+                          <m:r>
+                            <a:rPr lang="zh-CN" altLang="zh-CN" i="1">
+                              <a:latin typeface="Cambria Math" panose="02040503050406030204" pitchFamily="18" charset="0"/>
+                              <a:ea typeface="微软雅黑" panose="020B0503020204020204" pitchFamily="34" charset="-122"/>
+                            </a:rPr>
+                            <m:t>𝐼𝐷𝐹</m:t>
+                          </m:r>
+                        </m:e>
+                      </m:d>
+                      <m:r>
+                        <a:rPr lang="zh-CN" altLang="zh-CN" i="1">
+                          <a:latin typeface="Cambria Math" panose="02040503050406030204" pitchFamily="18" charset="0"/>
+                          <a:ea typeface="微软雅黑" panose="020B0503020204020204" pitchFamily="34" charset="-122"/>
+                        </a:rPr>
+                        <m:t>=</m:t>
+                      </m:r>
+                      <m:r>
+                        <a:rPr lang="zh-CN" altLang="zh-CN" i="1">
+                          <a:latin typeface="Cambria Math" panose="02040503050406030204" pitchFamily="18" charset="0"/>
+                          <a:ea typeface="微软雅黑" panose="020B0503020204020204" pitchFamily="34" charset="-122"/>
+                        </a:rPr>
+                        <m:t>𝑙𝑜𝑔</m:t>
+                      </m:r>
+                      <m:r>
+                        <a:rPr lang="zh-CN" altLang="zh-CN" i="1">
+                          <a:latin typeface="Cambria Math" panose="02040503050406030204" pitchFamily="18" charset="0"/>
+                          <a:ea typeface="微软雅黑" panose="020B0503020204020204" pitchFamily="34" charset="-122"/>
+                        </a:rPr>
+                        <m:t> </m:t>
+                      </m:r>
+                      <m:r>
+                        <a:rPr lang="zh-CN" altLang="zh-CN" i="1">
+                          <a:latin typeface="Cambria Math" panose="02040503050406030204" pitchFamily="18" charset="0"/>
+                          <a:ea typeface="微软雅黑" panose="020B0503020204020204" pitchFamily="34" charset="-122"/>
+                        </a:rPr>
+                        <m:t>(</m:t>
+                      </m:r>
+                      <m:f>
+                        <m:fPr>
+                          <m:ctrlPr>
+                            <a:rPr lang="zh-CN" altLang="zh-CN" i="1">
+                              <a:latin typeface="Cambria Math" panose="02040503050406030204" pitchFamily="18" charset="0"/>
+                              <a:ea typeface="微软雅黑" panose="020B0503020204020204" pitchFamily="34" charset="-122"/>
+                            </a:rPr>
+                          </m:ctrlPr>
+                        </m:fPr>
+                        <m:num>
+                          <m:r>
+                            <a:rPr lang="zh-CN" altLang="zh-CN" i="1">
+                              <a:latin typeface="Cambria Math" panose="02040503050406030204" pitchFamily="18" charset="0"/>
+                              <a:ea typeface="微软雅黑" panose="020B0503020204020204" pitchFamily="34" charset="-122"/>
+                            </a:rPr>
+                            <m:t>语料库的文档总数</m:t>
+                          </m:r>
+                        </m:num>
+                        <m:den>
+                          <m:r>
+                            <a:rPr lang="zh-CN" altLang="zh-CN" i="1">
+                              <a:latin typeface="Cambria Math" panose="02040503050406030204" pitchFamily="18" charset="0"/>
+                              <a:ea typeface="微软雅黑" panose="020B0503020204020204" pitchFamily="34" charset="-122"/>
+                            </a:rPr>
+                            <m:t>包含该词的文档数</m:t>
+                          </m:r>
+                          <m:r>
+                            <a:rPr lang="zh-CN" altLang="zh-CN" i="1">
+                              <a:latin typeface="Cambria Math" panose="02040503050406030204" pitchFamily="18" charset="0"/>
+                              <a:ea typeface="微软雅黑" panose="020B0503020204020204" pitchFamily="34" charset="-122"/>
+                            </a:rPr>
+                            <m:t>+1</m:t>
+                          </m:r>
+                        </m:den>
+                      </m:f>
+                      <m:r>
+                        <a:rPr lang="zh-CN" altLang="zh-CN" i="1">
+                          <a:latin typeface="Cambria Math" panose="02040503050406030204" pitchFamily="18" charset="0"/>
+                          <a:ea typeface="微软雅黑" panose="020B0503020204020204" pitchFamily="34" charset="-122"/>
+                        </a:rPr>
+                        <m:t>)</m:t>
+                      </m:r>
+                    </m:oMath>
+                  </m:oMathPara>
+                </a14:m>
+                <a:endParaRPr lang="en-US" altLang="zh-CN" dirty="0">
+                  <a:latin typeface="微软雅黑" panose="020B0503020204020204" pitchFamily="34" charset="-122"/>
+                  <a:ea typeface="微软雅黑" panose="020B0503020204020204" pitchFamily="34" charset="-122"/>
+                </a:endParaRPr>
+              </a:p>
+              <a:p>
+                <a:endParaRPr lang="en-US" altLang="zh-CN" dirty="0">
+                  <a:latin typeface="微软雅黑" panose="020B0503020204020204" pitchFamily="34" charset="-122"/>
+                  <a:ea typeface="微软雅黑" panose="020B0503020204020204" pitchFamily="34" charset="-122"/>
+                </a:endParaRPr>
+              </a:p>
+              <a:p>
+                <a:r>
+                  <a:rPr lang="zh-CN" altLang="en-US" dirty="0">
+                    <a:latin typeface="微软雅黑" panose="020B0503020204020204" pitchFamily="34" charset="-122"/>
+                    <a:ea typeface="微软雅黑" panose="020B0503020204020204" pitchFamily="34" charset="-122"/>
+                  </a:rPr>
+                  <a:t>后续将使用</a:t>
+                </a:r>
+                <a:r>
+                  <a:rPr lang="en-US" altLang="zh-CN" dirty="0">
+                    <a:latin typeface="微软雅黑" panose="020B0503020204020204" pitchFamily="34" charset="-122"/>
+                    <a:ea typeface="微软雅黑" panose="020B0503020204020204" pitchFamily="34" charset="-122"/>
+                  </a:rPr>
+                  <a:t>TF-IDF</a:t>
+                </a:r>
+                <a:r>
+                  <a:rPr lang="zh-CN" altLang="en-US" dirty="0">
+                    <a:latin typeface="微软雅黑" panose="020B0503020204020204" pitchFamily="34" charset="-122"/>
+                    <a:ea typeface="微软雅黑" panose="020B0503020204020204" pitchFamily="34" charset="-122"/>
+                  </a:rPr>
+                  <a:t>值高的词作为文档的核心词，来观察该文档在各个词语聚类中的分布情况</a:t>
+                </a:r>
+                <a:endParaRPr lang="en-US" altLang="zh-CN" dirty="0">
+                  <a:latin typeface="微软雅黑" panose="020B0503020204020204" pitchFamily="34" charset="-122"/>
+                  <a:ea typeface="微软雅黑" panose="020B0503020204020204" pitchFamily="34" charset="-122"/>
+                </a:endParaRPr>
+              </a:p>
+              <a:p>
+                <a:endParaRPr lang="en-US" altLang="zh-CN" dirty="0">
+                  <a:latin typeface="微软雅黑" panose="020B0503020204020204" pitchFamily="34" charset="-122"/>
+                  <a:ea typeface="微软雅黑" panose="020B0503020204020204" pitchFamily="34" charset="-122"/>
+                </a:endParaRPr>
+              </a:p>
+              <a:p>
+                <a:r>
+                  <a:rPr lang="zh-CN" altLang="en-US" dirty="0">
+                    <a:latin typeface="微软雅黑" panose="020B0503020204020204" pitchFamily="34" charset="-122"/>
+                    <a:ea typeface="微软雅黑" panose="020B0503020204020204" pitchFamily="34" charset="-122"/>
+                  </a:rPr>
+                  <a:t>后续：重新编写这部分代码，使用新的计算方法</a:t>
+                </a:r>
+                <a:r>
+                  <a:rPr lang="en-US" altLang="zh-CN" dirty="0">
+                    <a:latin typeface="微软雅黑" panose="020B0503020204020204" pitchFamily="34" charset="-122"/>
+                    <a:ea typeface="微软雅黑" panose="020B0503020204020204" pitchFamily="34" charset="-122"/>
+                  </a:rPr>
+                  <a:t>TF-IWF</a:t>
+                </a:r>
+              </a:p>
+              <a:p>
+                <a:endParaRPr lang="en-US" altLang="zh-CN" dirty="0">
+                  <a:latin typeface="微软雅黑" panose="020B0503020204020204" pitchFamily="34" charset="-122"/>
+                  <a:ea typeface="微软雅黑" panose="020B0503020204020204" pitchFamily="34" charset="-122"/>
+                </a:endParaRPr>
+              </a:p>
+              <a:p>
+                <a:r>
+                  <a:rPr lang="zh-CN" altLang="en-US" dirty="0">
+                    <a:latin typeface="微软雅黑" panose="020B0503020204020204" pitchFamily="34" charset="-122"/>
+                    <a:ea typeface="微软雅黑" panose="020B0503020204020204" pitchFamily="34" charset="-122"/>
+                  </a:rPr>
+                  <a:t>在 </a:t>
+                </a:r>
+                <a:r>
+                  <a:rPr lang="en-US" altLang="zh-CN" dirty="0">
+                    <a:latin typeface="微软雅黑" panose="020B0503020204020204" pitchFamily="34" charset="-122"/>
+                    <a:ea typeface="微软雅黑" panose="020B0503020204020204" pitchFamily="34" charset="-122"/>
+                  </a:rPr>
+                  <a:t>TFIDF</a:t>
+                </a:r>
+                <a:r>
+                  <a:rPr lang="zh-CN" altLang="en-US" dirty="0">
+                    <a:latin typeface="微软雅黑" panose="020B0503020204020204" pitchFamily="34" charset="-122"/>
+                    <a:ea typeface="微软雅黑" panose="020B0503020204020204" pitchFamily="34" charset="-122"/>
+                  </a:rPr>
+                  <a:t>基础上，用特征项频率倒数的对数值</a:t>
+                </a:r>
+                <a:r>
+                  <a:rPr lang="en-US" altLang="zh-CN" dirty="0">
+                    <a:latin typeface="微软雅黑" panose="020B0503020204020204" pitchFamily="34" charset="-122"/>
+                    <a:ea typeface="微软雅黑" panose="020B0503020204020204" pitchFamily="34" charset="-122"/>
+                  </a:rPr>
+                  <a:t>IWF</a:t>
+                </a:r>
+                <a:r>
+                  <a:rPr lang="zh-CN" altLang="en-US" dirty="0">
+                    <a:latin typeface="微软雅黑" panose="020B0503020204020204" pitchFamily="34" charset="-122"/>
+                    <a:ea typeface="微软雅黑" panose="020B0503020204020204" pitchFamily="34" charset="-122"/>
+                  </a:rPr>
+                  <a:t>代替</a:t>
+                </a:r>
+                <a:r>
+                  <a:rPr lang="en-US" altLang="zh-CN" dirty="0">
+                    <a:latin typeface="微软雅黑" panose="020B0503020204020204" pitchFamily="34" charset="-122"/>
+                    <a:ea typeface="微软雅黑" panose="020B0503020204020204" pitchFamily="34" charset="-122"/>
+                  </a:rPr>
+                  <a:t>IDF</a:t>
+                </a:r>
+                <a:r>
+                  <a:rPr lang="zh-CN" altLang="en-US" dirty="0">
+                    <a:latin typeface="微软雅黑" panose="020B0503020204020204" pitchFamily="34" charset="-122"/>
+                    <a:ea typeface="微软雅黑" panose="020B0503020204020204" pitchFamily="34" charset="-122"/>
+                  </a:rPr>
+                  <a:t>，并用</a:t>
+                </a:r>
+                <a:r>
+                  <a:rPr lang="en-US" altLang="zh-CN" dirty="0">
+                    <a:latin typeface="微软雅黑" panose="020B0503020204020204" pitchFamily="34" charset="-122"/>
+                    <a:ea typeface="微软雅黑" panose="020B0503020204020204" pitchFamily="34" charset="-122"/>
+                  </a:rPr>
+                  <a:t>IWF</a:t>
+                </a:r>
+                <a:r>
+                  <a:rPr lang="zh-CN" altLang="en-US" dirty="0">
+                    <a:latin typeface="微软雅黑" panose="020B0503020204020204" pitchFamily="34" charset="-122"/>
+                    <a:ea typeface="微软雅黑" panose="020B0503020204020204" pitchFamily="34" charset="-122"/>
+                  </a:rPr>
+                  <a:t>的平方平衡权重值对于特征项频度的倚重</a:t>
+                </a:r>
+                <a:endParaRPr lang="en-US" altLang="zh-CN" dirty="0">
+                  <a:latin typeface="微软雅黑" panose="020B0503020204020204" pitchFamily="34" charset="-122"/>
+                  <a:ea typeface="微软雅黑" panose="020B0503020204020204" pitchFamily="34" charset="-122"/>
+                </a:endParaRPr>
+              </a:p>
+            </p:txBody>
+          </p:sp>
+        </mc:Choice>
+        <mc:Fallback>
+          <p:sp>
+            <p:nvSpPr>
+              <p:cNvPr id="6" name="文本框 5">
+                <a:extLst>
+                  <a:ext uri="{FF2B5EF4-FFF2-40B4-BE49-F238E27FC236}">
+                    <a16:creationId xmlns:a16="http://schemas.microsoft.com/office/drawing/2014/main" id="{19F661B6-5ED9-423E-9188-CB8471D102B3}"/>
+                  </a:ext>
+                </a:extLst>
+              </p:cNvPr>
+              <p:cNvSpPr txBox="1">
+                <a:spLocks noRot="1" noChangeAspect="1" noMove="1" noResize="1" noEditPoints="1" noAdjustHandles="1" noChangeArrowheads="1" noChangeShapeType="1" noTextEdit="1"/>
+              </p:cNvSpPr>
+              <p:nvPr/>
+            </p:nvSpPr>
+            <p:spPr>
+              <a:xfrm>
+                <a:off x="448823" y="1202929"/>
+                <a:ext cx="10475089" cy="5175840"/>
+              </a:xfrm>
+              <a:prstGeom prst="rect">
+                <a:avLst/>
+              </a:prstGeom>
+              <a:blipFill>
+                <a:blip r:embed="rId2"/>
+                <a:stretch>
+                  <a:fillRect l="-524" t="-589" b="-942"/>
+                </a:stretch>
+              </a:blipFill>
+            </p:spPr>
+            <p:txBody>
+              <a:bodyPr/>
+              <a:lstStyle/>
+              <a:p>
+                <a:r>
+                  <a:rPr lang="zh-CN" altLang="en-US">
+                    <a:noFill/>
+                  </a:rPr>
+                  <a:t> </a:t>
+                </a:r>
+              </a:p>
+            </p:txBody>
+          </p:sp>
+        </mc:Fallback>
+      </mc:AlternateContent>
+    </p:spTree>
+    <p:extLst>
+      <p:ext uri="{BB962C8B-B14F-4D97-AF65-F5344CB8AC3E}">
+        <p14:creationId xmlns:p14="http://schemas.microsoft.com/office/powerpoint/2010/main" val="2222779851"/>
+      </p:ext>
+    </p:extLst>
+  </p:cSld>
+  <p:clrMapOvr>
+    <a:masterClrMapping/>
+  </p:clrMapOvr>
+</p:sld>
+</file>
+
+<file path=ppt/slides/slide11.xml><?xml version="1.0" encoding="utf-8"?>
+<p:sld xmlns:a="http://schemas.openxmlformats.org/drawingml/2006/main" xmlns:r="http://schemas.openxmlformats.org/officeDocument/2006/relationships" xmlns:p="http://schemas.openxmlformats.org/presentationml/2006/main">
+  <p:cSld>
+    <p:spTree>
+      <p:nvGrpSpPr>
+        <p:cNvPr id="1" name=""/>
+        <p:cNvGrpSpPr/>
+        <p:nvPr/>
+      </p:nvGrpSpPr>
+      <p:grpSpPr>
+        <a:xfrm>
+          <a:off x="0" y="0"/>
+          <a:ext cx="0" cy="0"/>
+          <a:chOff x="0" y="0"/>
+          <a:chExt cx="0" cy="0"/>
+        </a:xfrm>
+      </p:grpSpPr>
+      <p:sp>
+        <p:nvSpPr>
+          <p:cNvPr id="5" name="矩形 4">
+            <a:extLst>
+              <a:ext uri="{FF2B5EF4-FFF2-40B4-BE49-F238E27FC236}">
+                <a16:creationId xmlns:a16="http://schemas.microsoft.com/office/drawing/2014/main" id="{EDB04720-1763-4B0B-84E0-4939B05496D3}"/>
+              </a:ext>
+            </a:extLst>
+          </p:cNvPr>
+          <p:cNvSpPr/>
+          <p:nvPr/>
+        </p:nvSpPr>
+        <p:spPr>
+          <a:xfrm>
+            <a:off x="502891" y="547433"/>
+            <a:ext cx="1370889" cy="523220"/>
+          </a:xfrm>
+          <a:prstGeom prst="rect">
+            <a:avLst/>
+          </a:prstGeom>
+        </p:spPr>
+        <p:txBody>
+          <a:bodyPr wrap="none">
+            <a:spAutoFit/>
+          </a:bodyPr>
+          <a:lstStyle/>
+          <a:p>
+            <a:pPr algn="ctr"/>
+            <a:r>
+              <a:rPr lang="en-US" altLang="zh-CN" sz="2800" b="1" dirty="0">
+                <a:latin typeface="微软雅黑" panose="020B0503020204020204" pitchFamily="34" charset="-122"/>
+                <a:ea typeface="微软雅黑" panose="020B0503020204020204" pitchFamily="34" charset="-122"/>
+              </a:rPr>
+              <a:t>TF-IDF</a:t>
+            </a:r>
+            <a:endParaRPr lang="zh-CN" altLang="en-US" sz="2800" b="1" dirty="0">
+              <a:latin typeface="微软雅黑" panose="020B0503020204020204" pitchFamily="34" charset="-122"/>
+              <a:ea typeface="微软雅黑" panose="020B0503020204020204" pitchFamily="34" charset="-122"/>
+            </a:endParaRPr>
+          </a:p>
+        </p:txBody>
+      </p:sp>
+      <p:sp>
+        <p:nvSpPr>
+          <p:cNvPr id="6" name="文本框 5">
+            <a:extLst>
+              <a:ext uri="{FF2B5EF4-FFF2-40B4-BE49-F238E27FC236}">
+                <a16:creationId xmlns:a16="http://schemas.microsoft.com/office/drawing/2014/main" id="{19F661B6-5ED9-423E-9188-CB8471D102B3}"/>
+              </a:ext>
+            </a:extLst>
+          </p:cNvPr>
+          <p:cNvSpPr txBox="1"/>
+          <p:nvPr/>
+        </p:nvSpPr>
+        <p:spPr>
+          <a:xfrm>
+            <a:off x="448823" y="1202929"/>
+            <a:ext cx="10475089" cy="3693319"/>
+          </a:xfrm>
+          <a:prstGeom prst="rect">
+            <a:avLst/>
+          </a:prstGeom>
+          <a:noFill/>
+        </p:spPr>
+        <p:txBody>
+          <a:bodyPr wrap="square" rtlCol="0">
+            <a:spAutoFit/>
+          </a:bodyPr>
+          <a:lstStyle/>
+          <a:p>
+            <a:r>
+              <a:rPr lang="zh-CN" altLang="en-US" dirty="0">
+                <a:latin typeface="微软雅黑" panose="020B0503020204020204" pitchFamily="34" charset="-122"/>
+                <a:ea typeface="微软雅黑" panose="020B0503020204020204" pitchFamily="34" charset="-122"/>
+              </a:rPr>
+              <a:t>以下为部分结果展示</a:t>
+            </a:r>
+            <a:endParaRPr lang="en-US" altLang="zh-CN" dirty="0">
+              <a:latin typeface="微软雅黑" panose="020B0503020204020204" pitchFamily="34" charset="-122"/>
+              <a:ea typeface="微软雅黑" panose="020B0503020204020204" pitchFamily="34" charset="-122"/>
+            </a:endParaRPr>
+          </a:p>
+          <a:p>
+            <a:endParaRPr lang="en-US" altLang="zh-CN" dirty="0">
+              <a:latin typeface="微软雅黑" panose="020B0503020204020204" pitchFamily="34" charset="-122"/>
+              <a:ea typeface="微软雅黑" panose="020B0503020204020204" pitchFamily="34" charset="-122"/>
+            </a:endParaRPr>
+          </a:p>
+          <a:p>
+            <a:r>
+              <a:rPr lang="zh-CN" altLang="en-US" dirty="0">
+                <a:latin typeface="微软雅黑" panose="020B0503020204020204" pitchFamily="34" charset="-122"/>
+                <a:ea typeface="微软雅黑" panose="020B0503020204020204" pitchFamily="34" charset="-122"/>
+              </a:rPr>
+              <a:t>文档名：</a:t>
+            </a:r>
+            <a:r>
+              <a:rPr lang="en-US" altLang="zh-CN" dirty="0">
+                <a:latin typeface="微软雅黑" panose="020B0503020204020204" pitchFamily="34" charset="-122"/>
+                <a:ea typeface="微软雅黑" panose="020B0503020204020204" pitchFamily="34" charset="-122"/>
+              </a:rPr>
+              <a:t> Beijing City</a:t>
+            </a:r>
+            <a:r>
+              <a:rPr lang="zh-CN" altLang="en-US" dirty="0">
+                <a:latin typeface="微软雅黑" panose="020B0503020204020204" pitchFamily="34" charset="-122"/>
+                <a:ea typeface="微软雅黑" panose="020B0503020204020204" pitchFamily="34" charset="-122"/>
+              </a:rPr>
+              <a:t>石油和天然气中国石油天然气股份有限公司</a:t>
+            </a:r>
+            <a:endParaRPr lang="en-US" altLang="zh-CN" dirty="0">
+              <a:latin typeface="微软雅黑" panose="020B0503020204020204" pitchFamily="34" charset="-122"/>
+              <a:ea typeface="微软雅黑" panose="020B0503020204020204" pitchFamily="34" charset="-122"/>
+            </a:endParaRPr>
+          </a:p>
+          <a:p>
+            <a:endParaRPr lang="en-US" altLang="zh-CN" dirty="0">
+              <a:latin typeface="微软雅黑" panose="020B0503020204020204" pitchFamily="34" charset="-122"/>
+              <a:ea typeface="微软雅黑" panose="020B0503020204020204" pitchFamily="34" charset="-122"/>
+            </a:endParaRPr>
+          </a:p>
+          <a:p>
+            <a:endParaRPr lang="en-US" altLang="zh-CN" dirty="0">
+              <a:latin typeface="微软雅黑" panose="020B0503020204020204" pitchFamily="34" charset="-122"/>
+              <a:ea typeface="微软雅黑" panose="020B0503020204020204" pitchFamily="34" charset="-122"/>
+            </a:endParaRPr>
+          </a:p>
+          <a:p>
+            <a:endParaRPr lang="en-US" altLang="zh-CN" dirty="0">
+              <a:latin typeface="微软雅黑" panose="020B0503020204020204" pitchFamily="34" charset="-122"/>
+              <a:ea typeface="微软雅黑" panose="020B0503020204020204" pitchFamily="34" charset="-122"/>
+            </a:endParaRPr>
+          </a:p>
+          <a:p>
+            <a:endParaRPr lang="en-US" altLang="zh-CN" dirty="0">
+              <a:latin typeface="微软雅黑" panose="020B0503020204020204" pitchFamily="34" charset="-122"/>
+              <a:ea typeface="微软雅黑" panose="020B0503020204020204" pitchFamily="34" charset="-122"/>
+            </a:endParaRPr>
+          </a:p>
+          <a:p>
+            <a:endParaRPr lang="en-US" altLang="zh-CN" dirty="0">
+              <a:latin typeface="微软雅黑" panose="020B0503020204020204" pitchFamily="34" charset="-122"/>
+              <a:ea typeface="微软雅黑" panose="020B0503020204020204" pitchFamily="34" charset="-122"/>
+            </a:endParaRPr>
+          </a:p>
+          <a:p>
+            <a:endParaRPr lang="en-US" altLang="zh-CN" dirty="0">
+              <a:latin typeface="微软雅黑" panose="020B0503020204020204" pitchFamily="34" charset="-122"/>
+              <a:ea typeface="微软雅黑" panose="020B0503020204020204" pitchFamily="34" charset="-122"/>
+            </a:endParaRPr>
+          </a:p>
+          <a:p>
+            <a:endParaRPr lang="en-US" altLang="zh-CN" dirty="0">
+              <a:latin typeface="微软雅黑" panose="020B0503020204020204" pitchFamily="34" charset="-122"/>
+              <a:ea typeface="微软雅黑" panose="020B0503020204020204" pitchFamily="34" charset="-122"/>
+            </a:endParaRPr>
+          </a:p>
+          <a:p>
+            <a:endParaRPr lang="en-US" altLang="zh-CN" dirty="0">
+              <a:latin typeface="微软雅黑" panose="020B0503020204020204" pitchFamily="34" charset="-122"/>
+              <a:ea typeface="微软雅黑" panose="020B0503020204020204" pitchFamily="34" charset="-122"/>
+            </a:endParaRPr>
+          </a:p>
+          <a:p>
+            <a:r>
+              <a:rPr lang="zh-CN" altLang="en-US" dirty="0">
+                <a:latin typeface="微软雅黑" panose="020B0503020204020204" pitchFamily="34" charset="-122"/>
+                <a:ea typeface="微软雅黑" panose="020B0503020204020204" pitchFamily="34" charset="-122"/>
+              </a:rPr>
+              <a:t>文档名：</a:t>
+            </a:r>
+            <a:r>
+              <a:rPr lang="en-US" altLang="zh-CN" dirty="0">
+                <a:latin typeface="微软雅黑" panose="020B0503020204020204" pitchFamily="34" charset="-122"/>
+                <a:ea typeface="微软雅黑" panose="020B0503020204020204" pitchFamily="34" charset="-122"/>
+              </a:rPr>
+              <a:t> Beijing City</a:t>
+            </a:r>
+            <a:r>
+              <a:rPr lang="zh-CN" altLang="en-US" dirty="0">
+                <a:latin typeface="微软雅黑" panose="020B0503020204020204" pitchFamily="34" charset="-122"/>
+                <a:ea typeface="微软雅黑" panose="020B0503020204020204" pitchFamily="34" charset="-122"/>
+              </a:rPr>
+              <a:t>金融中国人寿保险股份有限公司</a:t>
+            </a:r>
+            <a:endParaRPr lang="en-US" altLang="zh-CN" dirty="0">
+              <a:latin typeface="微软雅黑" panose="020B0503020204020204" pitchFamily="34" charset="-122"/>
+              <a:ea typeface="微软雅黑" panose="020B0503020204020204" pitchFamily="34" charset="-122"/>
+            </a:endParaRPr>
+          </a:p>
+          <a:p>
+            <a:endParaRPr lang="en-US" altLang="zh-CN" dirty="0">
+              <a:latin typeface="微软雅黑" panose="020B0503020204020204" pitchFamily="34" charset="-122"/>
+              <a:ea typeface="微软雅黑" panose="020B0503020204020204" pitchFamily="34" charset="-122"/>
+            </a:endParaRPr>
+          </a:p>
+        </p:txBody>
+      </p:sp>
+      <p:pic>
+        <p:nvPicPr>
+          <p:cNvPr id="2" name="图片 1">
+            <a:extLst>
+              <a:ext uri="{FF2B5EF4-FFF2-40B4-BE49-F238E27FC236}">
+                <a16:creationId xmlns:a16="http://schemas.microsoft.com/office/drawing/2014/main" id="{4874AE1F-FCDC-473F-B357-0ECCF1B88E87}"/>
+              </a:ext>
+            </a:extLst>
+          </p:cNvPr>
+          <p:cNvPicPr>
+            <a:picLocks noChangeAspect="1"/>
+          </p:cNvPicPr>
+          <p:nvPr/>
+        </p:nvPicPr>
+        <p:blipFill>
+          <a:blip r:embed="rId2"/>
+          <a:stretch>
+            <a:fillRect/>
+          </a:stretch>
+        </p:blipFill>
+        <p:spPr>
+          <a:xfrm>
+            <a:off x="590550" y="2258535"/>
+            <a:ext cx="3048000" cy="1733550"/>
+          </a:xfrm>
+          <a:prstGeom prst="rect">
+            <a:avLst/>
+          </a:prstGeom>
+        </p:spPr>
+      </p:pic>
+      <p:pic>
+        <p:nvPicPr>
+          <p:cNvPr id="3" name="图片 2">
+            <a:extLst>
+              <a:ext uri="{FF2B5EF4-FFF2-40B4-BE49-F238E27FC236}">
+                <a16:creationId xmlns:a16="http://schemas.microsoft.com/office/drawing/2014/main" id="{4A18A2F1-1357-4BF1-A129-C3430BFC0E4E}"/>
+              </a:ext>
+            </a:extLst>
+          </p:cNvPr>
+          <p:cNvPicPr>
+            <a:picLocks noChangeAspect="1"/>
+          </p:cNvPicPr>
+          <p:nvPr/>
+        </p:nvPicPr>
+        <p:blipFill>
+          <a:blip r:embed="rId3"/>
+          <a:stretch>
+            <a:fillRect/>
+          </a:stretch>
+        </p:blipFill>
+        <p:spPr>
+          <a:xfrm>
+            <a:off x="590550" y="4719892"/>
+            <a:ext cx="4324350" cy="1590675"/>
+          </a:xfrm>
+          <a:prstGeom prst="rect">
+            <a:avLst/>
+          </a:prstGeom>
+        </p:spPr>
+      </p:pic>
+    </p:spTree>
+    <p:extLst>
+      <p:ext uri="{BB962C8B-B14F-4D97-AF65-F5344CB8AC3E}">
+        <p14:creationId xmlns:p14="http://schemas.microsoft.com/office/powerpoint/2010/main" val="473984852"/>
+      </p:ext>
+    </p:extLst>
+  </p:cSld>
+  <p:clrMapOvr>
+    <a:masterClrMapping/>
+  </p:clrMapOvr>
+</p:sld>
+</file>
+
+<file path=ppt/slides/slide12.xml><?xml version="1.0" encoding="utf-8"?>
+<p:sld xmlns:a="http://schemas.openxmlformats.org/drawingml/2006/main" xmlns:r="http://schemas.openxmlformats.org/officeDocument/2006/relationships" xmlns:p="http://schemas.openxmlformats.org/presentationml/2006/main">
+  <p:cSld>
+    <p:spTree>
+      <p:nvGrpSpPr>
+        <p:cNvPr id="1" name=""/>
+        <p:cNvGrpSpPr/>
+        <p:nvPr/>
+      </p:nvGrpSpPr>
+      <p:grpSpPr>
+        <a:xfrm>
+          <a:off x="0" y="0"/>
+          <a:ext cx="0" cy="0"/>
+          <a:chOff x="0" y="0"/>
+          <a:chExt cx="0" cy="0"/>
+        </a:xfrm>
+      </p:grpSpPr>
+      <p:sp>
+        <p:nvSpPr>
+          <p:cNvPr id="5" name="矩形 4">
+            <a:extLst>
+              <a:ext uri="{FF2B5EF4-FFF2-40B4-BE49-F238E27FC236}">
+                <a16:creationId xmlns:a16="http://schemas.microsoft.com/office/drawing/2014/main" id="{EDB04720-1763-4B0B-84E0-4939B05496D3}"/>
+              </a:ext>
+            </a:extLst>
+          </p:cNvPr>
+          <p:cNvSpPr/>
+          <p:nvPr/>
+        </p:nvSpPr>
+        <p:spPr>
+          <a:xfrm>
+            <a:off x="171936" y="547433"/>
+            <a:ext cx="2032801" cy="523220"/>
+          </a:xfrm>
+          <a:prstGeom prst="rect">
+            <a:avLst/>
+          </a:prstGeom>
+        </p:spPr>
+        <p:txBody>
+          <a:bodyPr wrap="none">
+            <a:spAutoFit/>
+          </a:bodyPr>
+          <a:lstStyle/>
+          <a:p>
+            <a:pPr algn="ctr"/>
+            <a:r>
+              <a:rPr lang="en-US" altLang="zh-CN" sz="2800" b="1" dirty="0">
+                <a:latin typeface="微软雅黑" panose="020B0503020204020204" pitchFamily="34" charset="-122"/>
+                <a:ea typeface="微软雅黑" panose="020B0503020204020204" pitchFamily="34" charset="-122"/>
+              </a:rPr>
+              <a:t>Word2Vec</a:t>
+            </a:r>
+            <a:endParaRPr lang="zh-CN" altLang="en-US" sz="2800" b="1" dirty="0">
+              <a:latin typeface="微软雅黑" panose="020B0503020204020204" pitchFamily="34" charset="-122"/>
+              <a:ea typeface="微软雅黑" panose="020B0503020204020204" pitchFamily="34" charset="-122"/>
+            </a:endParaRPr>
+          </a:p>
+        </p:txBody>
+      </p:sp>
+      <p:sp>
+        <p:nvSpPr>
+          <p:cNvPr id="3" name="矩形 2">
+            <a:extLst>
+              <a:ext uri="{FF2B5EF4-FFF2-40B4-BE49-F238E27FC236}">
+                <a16:creationId xmlns:a16="http://schemas.microsoft.com/office/drawing/2014/main" id="{01E57D4E-C71D-4C16-B82A-063FBB3CE777}"/>
+              </a:ext>
+            </a:extLst>
+          </p:cNvPr>
+          <p:cNvSpPr/>
+          <p:nvPr/>
+        </p:nvSpPr>
+        <p:spPr>
+          <a:xfrm>
+            <a:off x="771525" y="1523911"/>
+            <a:ext cx="10382250" cy="2585323"/>
+          </a:xfrm>
+          <a:prstGeom prst="rect">
+            <a:avLst/>
+          </a:prstGeom>
+        </p:spPr>
+        <p:txBody>
+          <a:bodyPr wrap="square">
+            <a:spAutoFit/>
+          </a:bodyPr>
+          <a:lstStyle/>
+          <a:p>
+            <a:r>
+              <a:rPr lang="zh-CN" altLang="en-US" dirty="0">
+                <a:solidFill>
+                  <a:srgbClr val="000000"/>
+                </a:solidFill>
+                <a:latin typeface="微软雅黑" panose="020B0503020204020204" pitchFamily="34" charset="-122"/>
+                <a:ea typeface="微软雅黑" panose="020B0503020204020204" pitchFamily="34" charset="-122"/>
+              </a:rPr>
+              <a:t>词向量可以理解为，将一段文本的语义分散在一个低维空间的不同维度上。它是文本的一种表示形式，具体为稠密、低维、连续的向量。文本的某种潜在的语法或语义特征在不同维度上体现</a:t>
+            </a:r>
+            <a:endParaRPr lang="en-US" altLang="zh-CN" dirty="0">
+              <a:solidFill>
+                <a:srgbClr val="000000"/>
+              </a:solidFill>
+              <a:latin typeface="微软雅黑" panose="020B0503020204020204" pitchFamily="34" charset="-122"/>
+              <a:ea typeface="微软雅黑" panose="020B0503020204020204" pitchFamily="34" charset="-122"/>
+            </a:endParaRPr>
+          </a:p>
+          <a:p>
+            <a:endParaRPr lang="en-US" altLang="zh-CN" dirty="0">
+              <a:solidFill>
+                <a:srgbClr val="000000"/>
+              </a:solidFill>
+              <a:latin typeface="微软雅黑" panose="020B0503020204020204" pitchFamily="34" charset="-122"/>
+              <a:ea typeface="微软雅黑" panose="020B0503020204020204" pitchFamily="34" charset="-122"/>
+            </a:endParaRPr>
+          </a:p>
+          <a:p>
+            <a:r>
+              <a:rPr lang="zh-CN" altLang="en-US" dirty="0">
+                <a:solidFill>
+                  <a:srgbClr val="000000"/>
+                </a:solidFill>
+                <a:latin typeface="微软雅黑" panose="020B0503020204020204" pitchFamily="34" charset="-122"/>
+                <a:ea typeface="微软雅黑" panose="020B0503020204020204" pitchFamily="34" charset="-122"/>
+              </a:rPr>
+              <a:t>常见的词向量算法有：</a:t>
+            </a:r>
+            <a:endParaRPr lang="en-US" altLang="zh-CN" dirty="0">
+              <a:solidFill>
+                <a:srgbClr val="000000"/>
+              </a:solidFill>
+              <a:latin typeface="微软雅黑" panose="020B0503020204020204" pitchFamily="34" charset="-122"/>
+              <a:ea typeface="微软雅黑" panose="020B0503020204020204" pitchFamily="34" charset="-122"/>
+            </a:endParaRPr>
+          </a:p>
+          <a:p>
+            <a:pPr marL="742950" lvl="1" indent="-285750">
+              <a:buFont typeface="Arial" panose="020B0604020202020204" pitchFamily="34" charset="0"/>
+              <a:buChar char="•"/>
+            </a:pPr>
+            <a:r>
+              <a:rPr lang="en-US" altLang="zh-CN" dirty="0">
+                <a:solidFill>
+                  <a:srgbClr val="000000"/>
+                </a:solidFill>
+                <a:latin typeface="微软雅黑" panose="020B0503020204020204" pitchFamily="34" charset="-122"/>
+                <a:ea typeface="微软雅黑" panose="020B0503020204020204" pitchFamily="34" charset="-122"/>
+              </a:rPr>
+              <a:t>Word2vec</a:t>
+            </a:r>
+            <a:r>
+              <a:rPr lang="zh-CN" altLang="en-US" dirty="0">
+                <a:solidFill>
+                  <a:srgbClr val="000000"/>
+                </a:solidFill>
+                <a:latin typeface="微软雅黑" panose="020B0503020204020204" pitchFamily="34" charset="-122"/>
+                <a:ea typeface="微软雅黑" panose="020B0503020204020204" pitchFamily="34" charset="-122"/>
+              </a:rPr>
+              <a:t>的</a:t>
+            </a:r>
+            <a:r>
+              <a:rPr lang="en-US" altLang="zh-CN" dirty="0">
+                <a:solidFill>
+                  <a:srgbClr val="000000"/>
+                </a:solidFill>
+                <a:latin typeface="微软雅黑" panose="020B0503020204020204" pitchFamily="34" charset="-122"/>
+                <a:ea typeface="微软雅黑" panose="020B0503020204020204" pitchFamily="34" charset="-122"/>
+              </a:rPr>
+              <a:t>CBOW</a:t>
+            </a:r>
+            <a:r>
+              <a:rPr lang="zh-CN" altLang="en-US" dirty="0">
+                <a:solidFill>
+                  <a:srgbClr val="000000"/>
+                </a:solidFill>
+                <a:latin typeface="微软雅黑" panose="020B0503020204020204" pitchFamily="34" charset="-122"/>
+                <a:ea typeface="微软雅黑" panose="020B0503020204020204" pitchFamily="34" charset="-122"/>
+              </a:rPr>
+              <a:t>模型和</a:t>
+            </a:r>
+            <a:r>
+              <a:rPr lang="en-US" altLang="zh-CN" dirty="0">
+                <a:solidFill>
+                  <a:srgbClr val="000000"/>
+                </a:solidFill>
+                <a:latin typeface="微软雅黑" panose="020B0503020204020204" pitchFamily="34" charset="-122"/>
+                <a:ea typeface="微软雅黑" panose="020B0503020204020204" pitchFamily="34" charset="-122"/>
+              </a:rPr>
+              <a:t>skip-gram</a:t>
+            </a:r>
+            <a:r>
+              <a:rPr lang="zh-CN" altLang="en-US" dirty="0">
+                <a:solidFill>
+                  <a:srgbClr val="000000"/>
+                </a:solidFill>
+                <a:latin typeface="微软雅黑" panose="020B0503020204020204" pitchFamily="34" charset="-122"/>
+                <a:ea typeface="微软雅黑" panose="020B0503020204020204" pitchFamily="34" charset="-122"/>
+              </a:rPr>
+              <a:t>模型：用一个词来预测它在文本序列周围的词</a:t>
+            </a:r>
+            <a:endParaRPr lang="en-US" altLang="zh-CN" dirty="0">
+              <a:solidFill>
+                <a:srgbClr val="000000"/>
+              </a:solidFill>
+              <a:latin typeface="微软雅黑" panose="020B0503020204020204" pitchFamily="34" charset="-122"/>
+              <a:ea typeface="微软雅黑" panose="020B0503020204020204" pitchFamily="34" charset="-122"/>
+            </a:endParaRPr>
+          </a:p>
+          <a:p>
+            <a:pPr marL="742950" lvl="1" indent="-285750">
+              <a:buFont typeface="Arial" panose="020B0604020202020204" pitchFamily="34" charset="0"/>
+              <a:buChar char="•"/>
+            </a:pPr>
+            <a:r>
+              <a:rPr lang="en-US" altLang="zh-CN" dirty="0">
+                <a:latin typeface="微软雅黑" panose="020B0503020204020204" pitchFamily="34" charset="-122"/>
+                <a:ea typeface="微软雅黑" panose="020B0503020204020204" pitchFamily="34" charset="-122"/>
+              </a:rPr>
+              <a:t>Glove</a:t>
+            </a:r>
+            <a:r>
+              <a:rPr lang="zh-CN" altLang="en-US" dirty="0">
+                <a:latin typeface="微软雅黑" panose="020B0503020204020204" pitchFamily="34" charset="-122"/>
+                <a:ea typeface="微软雅黑" panose="020B0503020204020204" pitchFamily="34" charset="-122"/>
+              </a:rPr>
+              <a:t>：使用了词与词之间的共现信息</a:t>
+            </a:r>
+          </a:p>
+          <a:p>
+            <a:pPr marL="742950" lvl="1" indent="-285750">
+              <a:buFont typeface="Arial" panose="020B0604020202020204" pitchFamily="34" charset="0"/>
+              <a:buChar char="•"/>
+            </a:pPr>
+            <a:r>
+              <a:rPr lang="en-US" altLang="zh-CN" dirty="0" err="1">
+                <a:latin typeface="微软雅黑" panose="020B0503020204020204" pitchFamily="34" charset="-122"/>
+                <a:ea typeface="微软雅黑" panose="020B0503020204020204" pitchFamily="34" charset="-122"/>
+              </a:rPr>
+              <a:t>fastText</a:t>
+            </a:r>
+            <a:r>
+              <a:rPr lang="zh-CN" altLang="en-US" dirty="0">
+                <a:latin typeface="微软雅黑" panose="020B0503020204020204" pitchFamily="34" charset="-122"/>
+                <a:ea typeface="微软雅黑" panose="020B0503020204020204" pitchFamily="34" charset="-122"/>
+              </a:rPr>
+              <a:t>：在使用负采样的</a:t>
+            </a:r>
+            <a:r>
+              <a:rPr lang="en-US" altLang="zh-CN" dirty="0">
+                <a:solidFill>
+                  <a:srgbClr val="000000"/>
+                </a:solidFill>
+                <a:latin typeface="微软雅黑" panose="020B0503020204020204" pitchFamily="34" charset="-122"/>
+                <a:ea typeface="微软雅黑" panose="020B0503020204020204" pitchFamily="34" charset="-122"/>
+              </a:rPr>
+              <a:t>skip-gram</a:t>
+            </a:r>
+            <a:r>
+              <a:rPr lang="zh-CN" altLang="en-US" dirty="0">
+                <a:latin typeface="微软雅黑" panose="020B0503020204020204" pitchFamily="34" charset="-122"/>
+                <a:ea typeface="微软雅黑" panose="020B0503020204020204" pitchFamily="34" charset="-122"/>
+              </a:rPr>
+              <a:t>模型基础上，将每个中心词视为子词的集合，并学习子词的词向量</a:t>
+            </a:r>
+          </a:p>
+          <a:p>
+            <a:pPr marL="742950" lvl="1" indent="-285750">
+              <a:buFont typeface="Arial" panose="020B0604020202020204" pitchFamily="34" charset="0"/>
+              <a:buChar char="•"/>
+            </a:pPr>
+            <a:r>
+              <a:rPr lang="en-US" altLang="zh-CN" dirty="0">
+                <a:latin typeface="微软雅黑" panose="020B0503020204020204" pitchFamily="34" charset="-122"/>
+                <a:ea typeface="微软雅黑" panose="020B0503020204020204" pitchFamily="34" charset="-122"/>
+              </a:rPr>
+              <a:t>cw2vec</a:t>
+            </a:r>
+            <a:r>
+              <a:rPr lang="zh-CN" altLang="en-US" dirty="0">
+                <a:latin typeface="微软雅黑" panose="020B0503020204020204" pitchFamily="34" charset="-122"/>
+                <a:ea typeface="微软雅黑" panose="020B0503020204020204" pitchFamily="34" charset="-122"/>
+              </a:rPr>
+              <a:t>：汉字笔画代替词或字</a:t>
+            </a:r>
+          </a:p>
+        </p:txBody>
+      </p:sp>
+    </p:spTree>
+    <p:extLst>
+      <p:ext uri="{BB962C8B-B14F-4D97-AF65-F5344CB8AC3E}">
+        <p14:creationId xmlns:p14="http://schemas.microsoft.com/office/powerpoint/2010/main" val="2520753653"/>
+      </p:ext>
+    </p:extLst>
+  </p:cSld>
+  <p:clrMapOvr>
+    <a:masterClrMapping/>
+  </p:clrMapOvr>
+</p:sld>
+</file>
+
+<file path=ppt/slides/slide13.xml><?xml version="1.0" encoding="utf-8"?>
+<p:sld xmlns:a="http://schemas.openxmlformats.org/drawingml/2006/main" xmlns:r="http://schemas.openxmlformats.org/officeDocument/2006/relationships" xmlns:p="http://schemas.openxmlformats.org/presentationml/2006/main">
+  <p:cSld>
+    <p:spTree>
+      <p:nvGrpSpPr>
+        <p:cNvPr id="1" name=""/>
+        <p:cNvGrpSpPr/>
+        <p:nvPr/>
+      </p:nvGrpSpPr>
+      <p:grpSpPr>
+        <a:xfrm>
+          <a:off x="0" y="0"/>
+          <a:ext cx="0" cy="0"/>
+          <a:chOff x="0" y="0"/>
+          <a:chExt cx="0" cy="0"/>
+        </a:xfrm>
+      </p:grpSpPr>
+      <p:sp>
+        <p:nvSpPr>
+          <p:cNvPr id="5" name="矩形 4">
+            <a:extLst>
+              <a:ext uri="{FF2B5EF4-FFF2-40B4-BE49-F238E27FC236}">
+                <a16:creationId xmlns:a16="http://schemas.microsoft.com/office/drawing/2014/main" id="{EDB04720-1763-4B0B-84E0-4939B05496D3}"/>
+              </a:ext>
+            </a:extLst>
+          </p:cNvPr>
+          <p:cNvSpPr/>
+          <p:nvPr/>
+        </p:nvSpPr>
+        <p:spPr>
+          <a:xfrm>
+            <a:off x="171936" y="547433"/>
+            <a:ext cx="2032801" cy="523220"/>
+          </a:xfrm>
+          <a:prstGeom prst="rect">
+            <a:avLst/>
+          </a:prstGeom>
+        </p:spPr>
+        <p:txBody>
+          <a:bodyPr wrap="none">
+            <a:spAutoFit/>
+          </a:bodyPr>
+          <a:lstStyle/>
+          <a:p>
+            <a:pPr algn="ctr"/>
+            <a:r>
+              <a:rPr lang="en-US" altLang="zh-CN" sz="2800" b="1" dirty="0">
+                <a:latin typeface="微软雅黑" panose="020B0503020204020204" pitchFamily="34" charset="-122"/>
+                <a:ea typeface="微软雅黑" panose="020B0503020204020204" pitchFamily="34" charset="-122"/>
+              </a:rPr>
+              <a:t>Word2Vec</a:t>
+            </a:r>
+            <a:endParaRPr lang="zh-CN" altLang="en-US" sz="2800" b="1" dirty="0">
+              <a:latin typeface="微软雅黑" panose="020B0503020204020204" pitchFamily="34" charset="-122"/>
+              <a:ea typeface="微软雅黑" panose="020B0503020204020204" pitchFamily="34" charset="-122"/>
+            </a:endParaRPr>
+          </a:p>
+        </p:txBody>
+      </p:sp>
+      <p:sp>
+        <p:nvSpPr>
+          <p:cNvPr id="6" name="文本框 5">
+            <a:extLst>
+              <a:ext uri="{FF2B5EF4-FFF2-40B4-BE49-F238E27FC236}">
+                <a16:creationId xmlns:a16="http://schemas.microsoft.com/office/drawing/2014/main" id="{19F661B6-5ED9-423E-9188-CB8471D102B3}"/>
+              </a:ext>
+            </a:extLst>
+          </p:cNvPr>
+          <p:cNvSpPr txBox="1"/>
+          <p:nvPr/>
+        </p:nvSpPr>
+        <p:spPr>
+          <a:xfrm>
+            <a:off x="821801" y="1377387"/>
+            <a:ext cx="10475089" cy="2585323"/>
+          </a:xfrm>
+          <a:prstGeom prst="rect">
+            <a:avLst/>
+          </a:prstGeom>
+          <a:noFill/>
+        </p:spPr>
+        <p:txBody>
+          <a:bodyPr wrap="square" rtlCol="0">
+            <a:spAutoFit/>
+          </a:bodyPr>
+          <a:lstStyle/>
+          <a:p>
+            <a:r>
+              <a:rPr lang="zh-CN" altLang="en-US" dirty="0">
+                <a:latin typeface="微软雅黑" panose="020B0503020204020204" pitchFamily="34" charset="-122"/>
+                <a:ea typeface="微软雅黑" panose="020B0503020204020204" pitchFamily="34" charset="-122"/>
+              </a:rPr>
+              <a:t>以全部</a:t>
+            </a:r>
+            <a:r>
+              <a:rPr lang="en-US" altLang="zh-CN" dirty="0">
+                <a:latin typeface="微软雅黑" panose="020B0503020204020204" pitchFamily="34" charset="-122"/>
+                <a:ea typeface="微软雅黑" panose="020B0503020204020204" pitchFamily="34" charset="-122"/>
+              </a:rPr>
+              <a:t>CSR</a:t>
+            </a:r>
+            <a:r>
+              <a:rPr lang="zh-CN" altLang="en-US" dirty="0">
+                <a:latin typeface="微软雅黑" panose="020B0503020204020204" pitchFamily="34" charset="-122"/>
+                <a:ea typeface="微软雅黑" panose="020B0503020204020204" pitchFamily="34" charset="-122"/>
+              </a:rPr>
+              <a:t>报告的分词结果作为语料，使用</a:t>
+            </a:r>
+            <a:r>
+              <a:rPr lang="en-US" altLang="zh-CN" dirty="0">
+                <a:latin typeface="微软雅黑" panose="020B0503020204020204" pitchFamily="34" charset="-122"/>
+                <a:ea typeface="微软雅黑" panose="020B0503020204020204" pitchFamily="34" charset="-122"/>
+              </a:rPr>
+              <a:t>Gensim</a:t>
+            </a:r>
+            <a:r>
+              <a:rPr lang="zh-CN" altLang="en-US" dirty="0">
+                <a:latin typeface="微软雅黑" panose="020B0503020204020204" pitchFamily="34" charset="-122"/>
+                <a:ea typeface="微软雅黑" panose="020B0503020204020204" pitchFamily="34" charset="-122"/>
+              </a:rPr>
+              <a:t>工具包来训练词向量，其中过滤掉了停用词，保留标点符号。（因为标点是天然的分隔符，去除可能会影响词向量结果）</a:t>
+            </a:r>
+            <a:endParaRPr lang="en-US" altLang="zh-CN" dirty="0">
+              <a:latin typeface="微软雅黑" panose="020B0503020204020204" pitchFamily="34" charset="-122"/>
+              <a:ea typeface="微软雅黑" panose="020B0503020204020204" pitchFamily="34" charset="-122"/>
+            </a:endParaRPr>
+          </a:p>
+          <a:p>
+            <a:endParaRPr lang="en-US" altLang="zh-CN" dirty="0">
+              <a:latin typeface="微软雅黑" panose="020B0503020204020204" pitchFamily="34" charset="-122"/>
+              <a:ea typeface="微软雅黑" panose="020B0503020204020204" pitchFamily="34" charset="-122"/>
+            </a:endParaRPr>
+          </a:p>
+          <a:p>
+            <a:r>
+              <a:rPr lang="zh-CN" altLang="en-US" dirty="0">
+                <a:latin typeface="微软雅黑" panose="020B0503020204020204" pitchFamily="34" charset="-122"/>
+                <a:ea typeface="微软雅黑" panose="020B0503020204020204" pitchFamily="34" charset="-122"/>
+              </a:rPr>
+              <a:t>一共得到</a:t>
+            </a:r>
+            <a:r>
+              <a:rPr lang="en-US" altLang="zh-CN" dirty="0">
+                <a:latin typeface="微软雅黑" panose="020B0503020204020204" pitchFamily="34" charset="-122"/>
+                <a:ea typeface="微软雅黑" panose="020B0503020204020204" pitchFamily="34" charset="-122"/>
+              </a:rPr>
+              <a:t>38669</a:t>
+            </a:r>
+            <a:r>
+              <a:rPr lang="zh-CN" altLang="en-US" dirty="0">
+                <a:latin typeface="微软雅黑" panose="020B0503020204020204" pitchFamily="34" charset="-122"/>
+                <a:ea typeface="微软雅黑" panose="020B0503020204020204" pitchFamily="34" charset="-122"/>
+              </a:rPr>
+              <a:t>个不同的词的词向量结果</a:t>
+            </a:r>
+            <a:endParaRPr lang="en-US" altLang="zh-CN" dirty="0">
+              <a:latin typeface="微软雅黑" panose="020B0503020204020204" pitchFamily="34" charset="-122"/>
+              <a:ea typeface="微软雅黑" panose="020B0503020204020204" pitchFamily="34" charset="-122"/>
+            </a:endParaRPr>
+          </a:p>
+          <a:p>
+            <a:endParaRPr lang="en-US" altLang="zh-CN" dirty="0">
+              <a:latin typeface="微软雅黑" panose="020B0503020204020204" pitchFamily="34" charset="-122"/>
+              <a:ea typeface="微软雅黑" panose="020B0503020204020204" pitchFamily="34" charset="-122"/>
+            </a:endParaRPr>
+          </a:p>
+          <a:p>
+            <a:r>
+              <a:rPr lang="zh-CN" altLang="en-US" dirty="0">
+                <a:latin typeface="微软雅黑" panose="020B0503020204020204" pitchFamily="34" charset="-122"/>
+                <a:ea typeface="微软雅黑" panose="020B0503020204020204" pitchFamily="34" charset="-122"/>
+              </a:rPr>
+              <a:t>词向量训练参数：</a:t>
+            </a:r>
+            <a:endParaRPr lang="en-US" altLang="zh-CN" dirty="0">
+              <a:latin typeface="微软雅黑" panose="020B0503020204020204" pitchFamily="34" charset="-122"/>
+              <a:ea typeface="微软雅黑" panose="020B0503020204020204" pitchFamily="34" charset="-122"/>
+            </a:endParaRPr>
+          </a:p>
+          <a:p>
+            <a:pPr marL="742950" lvl="1" indent="-285750">
+              <a:buFont typeface="Arial" panose="020B0604020202020204" pitchFamily="34" charset="0"/>
+              <a:buChar char="•"/>
+            </a:pPr>
+            <a:r>
+              <a:rPr lang="zh-CN" altLang="en-US" dirty="0">
+                <a:latin typeface="微软雅黑" panose="020B0503020204020204" pitchFamily="34" charset="-122"/>
+                <a:ea typeface="微软雅黑" panose="020B0503020204020204" pitchFamily="34" charset="-122"/>
+              </a:rPr>
+              <a:t>词窗大小：</a:t>
+            </a:r>
+            <a:r>
+              <a:rPr lang="en-US" altLang="zh-CN" dirty="0">
+                <a:latin typeface="微软雅黑" panose="020B0503020204020204" pitchFamily="34" charset="-122"/>
+                <a:ea typeface="微软雅黑" panose="020B0503020204020204" pitchFamily="34" charset="-122"/>
+              </a:rPr>
+              <a:t>5</a:t>
+            </a:r>
+          </a:p>
+          <a:p>
+            <a:pPr marL="742950" lvl="1" indent="-285750">
+              <a:buFont typeface="Arial" panose="020B0604020202020204" pitchFamily="34" charset="0"/>
+              <a:buChar char="•"/>
+            </a:pPr>
+            <a:r>
+              <a:rPr lang="zh-CN" altLang="en-US" dirty="0">
+                <a:latin typeface="微软雅黑" panose="020B0503020204020204" pitchFamily="34" charset="-122"/>
+                <a:ea typeface="微软雅黑" panose="020B0503020204020204" pitchFamily="34" charset="-122"/>
+              </a:rPr>
+              <a:t>词频过滤：</a:t>
+            </a:r>
+            <a:r>
+              <a:rPr lang="en-US" altLang="zh-CN" dirty="0">
+                <a:latin typeface="微软雅黑" panose="020B0503020204020204" pitchFamily="34" charset="-122"/>
+                <a:ea typeface="微软雅黑" panose="020B0503020204020204" pitchFamily="34" charset="-122"/>
+              </a:rPr>
+              <a:t>10</a:t>
+            </a:r>
+          </a:p>
+          <a:p>
+            <a:pPr marL="742950" lvl="1" indent="-285750">
+              <a:buFont typeface="Arial" panose="020B0604020202020204" pitchFamily="34" charset="0"/>
+              <a:buChar char="•"/>
+            </a:pPr>
+            <a:r>
+              <a:rPr lang="zh-CN" altLang="en-US" dirty="0">
+                <a:latin typeface="微软雅黑" panose="020B0503020204020204" pitchFamily="34" charset="-122"/>
+                <a:ea typeface="微软雅黑" panose="020B0503020204020204" pitchFamily="34" charset="-122"/>
+              </a:rPr>
+              <a:t>词向量维度：</a:t>
+            </a:r>
+            <a:r>
+              <a:rPr lang="en-US" altLang="zh-CN" dirty="0">
+                <a:latin typeface="微软雅黑" panose="020B0503020204020204" pitchFamily="34" charset="-122"/>
+                <a:ea typeface="微软雅黑" panose="020B0503020204020204" pitchFamily="34" charset="-122"/>
+              </a:rPr>
+              <a:t>100, 200, 300</a:t>
+            </a:r>
+          </a:p>
+        </p:txBody>
+      </p:sp>
+      <p:pic>
+        <p:nvPicPr>
+          <p:cNvPr id="2" name="图片 1">
+            <a:extLst>
+              <a:ext uri="{FF2B5EF4-FFF2-40B4-BE49-F238E27FC236}">
+                <a16:creationId xmlns:a16="http://schemas.microsoft.com/office/drawing/2014/main" id="{A5A7E27A-92D5-4BB7-B8B5-041B245A656F}"/>
+              </a:ext>
+            </a:extLst>
+          </p:cNvPr>
+          <p:cNvPicPr>
+            <a:picLocks noChangeAspect="1"/>
+          </p:cNvPicPr>
+          <p:nvPr/>
+        </p:nvPicPr>
+        <p:blipFill>
+          <a:blip r:embed="rId3"/>
+          <a:stretch>
+            <a:fillRect/>
+          </a:stretch>
+        </p:blipFill>
+        <p:spPr>
+          <a:xfrm>
+            <a:off x="581025" y="4298269"/>
+            <a:ext cx="11163300" cy="1907523"/>
+          </a:xfrm>
+          <a:prstGeom prst="rect">
+            <a:avLst/>
+          </a:prstGeom>
+        </p:spPr>
+      </p:pic>
+      <p:sp>
+        <p:nvSpPr>
+          <p:cNvPr id="7" name="文本框 6">
+            <a:extLst>
+              <a:ext uri="{FF2B5EF4-FFF2-40B4-BE49-F238E27FC236}">
+                <a16:creationId xmlns:a16="http://schemas.microsoft.com/office/drawing/2014/main" id="{2D58DDCD-F6CB-40AB-A289-73D49EFC85EF}"/>
+              </a:ext>
+            </a:extLst>
+          </p:cNvPr>
+          <p:cNvSpPr txBox="1"/>
+          <p:nvPr/>
+        </p:nvSpPr>
+        <p:spPr>
+          <a:xfrm>
+            <a:off x="4618672" y="6356685"/>
+            <a:ext cx="2690160" cy="369332"/>
+          </a:xfrm>
+          <a:prstGeom prst="rect">
+            <a:avLst/>
+          </a:prstGeom>
+          <a:noFill/>
+        </p:spPr>
+        <p:txBody>
+          <a:bodyPr wrap="none" rtlCol="0">
+            <a:spAutoFit/>
+          </a:bodyPr>
+          <a:lstStyle/>
+          <a:p>
+            <a:r>
+              <a:rPr lang="en-US" altLang="zh-CN" b="1" dirty="0">
+                <a:solidFill>
+                  <a:srgbClr val="FF0000"/>
+                </a:solidFill>
+                <a:latin typeface="微软雅黑" panose="020B0503020204020204" pitchFamily="34" charset="-122"/>
+                <a:ea typeface="微软雅黑" panose="020B0503020204020204" pitchFamily="34" charset="-122"/>
+              </a:rPr>
+              <a:t>100</a:t>
+            </a:r>
+            <a:r>
+              <a:rPr lang="zh-CN" altLang="en-US" b="1" dirty="0">
+                <a:solidFill>
+                  <a:srgbClr val="FF0000"/>
+                </a:solidFill>
+                <a:latin typeface="微软雅黑" panose="020B0503020204020204" pitchFamily="34" charset="-122"/>
+                <a:ea typeface="微软雅黑" panose="020B0503020204020204" pitchFamily="34" charset="-122"/>
+              </a:rPr>
+              <a:t>维的词向量结果展示</a:t>
+            </a:r>
+          </a:p>
+        </p:txBody>
+      </p:sp>
+    </p:spTree>
+    <p:extLst>
+      <p:ext uri="{BB962C8B-B14F-4D97-AF65-F5344CB8AC3E}">
+        <p14:creationId xmlns:p14="http://schemas.microsoft.com/office/powerpoint/2010/main" val="3379556080"/>
+      </p:ext>
+    </p:extLst>
+  </p:cSld>
+  <p:clrMapOvr>
+    <a:masterClrMapping/>
+  </p:clrMapOvr>
+</p:sld>
+</file>
+
+<file path=ppt/slides/slide14.xml><?xml version="1.0" encoding="utf-8"?>
+<p:sld xmlns:a="http://schemas.openxmlformats.org/drawingml/2006/main" xmlns:r="http://schemas.openxmlformats.org/officeDocument/2006/relationships" xmlns:p="http://schemas.openxmlformats.org/presentationml/2006/main">
+  <p:cSld>
+    <p:spTree>
+      <p:nvGrpSpPr>
+        <p:cNvPr id="1" name=""/>
+        <p:cNvGrpSpPr/>
+        <p:nvPr/>
+      </p:nvGrpSpPr>
+      <p:grpSpPr>
+        <a:xfrm>
+          <a:off x="0" y="0"/>
+          <a:ext cx="0" cy="0"/>
+          <a:chOff x="0" y="0"/>
+          <a:chExt cx="0" cy="0"/>
+        </a:xfrm>
+      </p:grpSpPr>
+      <p:sp>
+        <p:nvSpPr>
+          <p:cNvPr id="5" name="矩形 4">
+            <a:extLst>
+              <a:ext uri="{FF2B5EF4-FFF2-40B4-BE49-F238E27FC236}">
+                <a16:creationId xmlns:a16="http://schemas.microsoft.com/office/drawing/2014/main" id="{EDB04720-1763-4B0B-84E0-4939B05496D3}"/>
+              </a:ext>
+            </a:extLst>
+          </p:cNvPr>
+          <p:cNvSpPr/>
+          <p:nvPr/>
+        </p:nvSpPr>
+        <p:spPr>
+          <a:xfrm>
+            <a:off x="382667" y="547433"/>
+            <a:ext cx="1611340" cy="523220"/>
+          </a:xfrm>
+          <a:prstGeom prst="rect">
+            <a:avLst/>
+          </a:prstGeom>
+        </p:spPr>
+        <p:txBody>
+          <a:bodyPr wrap="none">
+            <a:spAutoFit/>
+          </a:bodyPr>
+          <a:lstStyle/>
+          <a:p>
+            <a:pPr algn="ctr"/>
+            <a:r>
+              <a:rPr lang="en-US" altLang="zh-CN" sz="2800" b="1" dirty="0" err="1">
+                <a:latin typeface="微软雅黑" panose="020B0503020204020204" pitchFamily="34" charset="-122"/>
+                <a:ea typeface="微软雅黑" panose="020B0503020204020204" pitchFamily="34" charset="-122"/>
+              </a:rPr>
+              <a:t>Kmeans</a:t>
+            </a:r>
+            <a:endParaRPr lang="zh-CN" altLang="en-US" sz="2800" b="1" dirty="0">
+              <a:latin typeface="微软雅黑" panose="020B0503020204020204" pitchFamily="34" charset="-122"/>
+              <a:ea typeface="微软雅黑" panose="020B0503020204020204" pitchFamily="34" charset="-122"/>
+            </a:endParaRPr>
+          </a:p>
+        </p:txBody>
+      </p:sp>
+      <p:sp>
+        <p:nvSpPr>
+          <p:cNvPr id="6" name="文本框 5">
+            <a:extLst>
+              <a:ext uri="{FF2B5EF4-FFF2-40B4-BE49-F238E27FC236}">
+                <a16:creationId xmlns:a16="http://schemas.microsoft.com/office/drawing/2014/main" id="{19F661B6-5ED9-423E-9188-CB8471D102B3}"/>
+              </a:ext>
+            </a:extLst>
+          </p:cNvPr>
+          <p:cNvSpPr txBox="1"/>
+          <p:nvPr/>
+        </p:nvSpPr>
+        <p:spPr>
+          <a:xfrm>
+            <a:off x="821801" y="1377387"/>
+            <a:ext cx="10475089" cy="2031325"/>
+          </a:xfrm>
+          <a:prstGeom prst="rect">
+            <a:avLst/>
+          </a:prstGeom>
+          <a:noFill/>
+        </p:spPr>
+        <p:txBody>
+          <a:bodyPr wrap="square" rtlCol="0">
+            <a:spAutoFit/>
+          </a:bodyPr>
+          <a:lstStyle/>
+          <a:p>
+            <a:r>
+              <a:rPr lang="zh-CN" altLang="en-US" dirty="0">
+                <a:latin typeface="微软雅黑" panose="020B0503020204020204" pitchFamily="34" charset="-122"/>
+                <a:ea typeface="微软雅黑" panose="020B0503020204020204" pitchFamily="34" charset="-122"/>
+              </a:rPr>
+              <a:t>通过对词向量进行</a:t>
+            </a:r>
+            <a:r>
+              <a:rPr lang="en-US" altLang="zh-CN" dirty="0" err="1">
+                <a:latin typeface="微软雅黑" panose="020B0503020204020204" pitchFamily="34" charset="-122"/>
+                <a:ea typeface="微软雅黑" panose="020B0503020204020204" pitchFamily="34" charset="-122"/>
+              </a:rPr>
+              <a:t>kmeans</a:t>
+            </a:r>
+            <a:r>
+              <a:rPr lang="zh-CN" altLang="en-US" dirty="0">
+                <a:latin typeface="微软雅黑" panose="020B0503020204020204" pitchFamily="34" charset="-122"/>
+                <a:ea typeface="微软雅黑" panose="020B0503020204020204" pitchFamily="34" charset="-122"/>
+              </a:rPr>
+              <a:t>聚类，将</a:t>
+            </a:r>
+            <a:r>
+              <a:rPr lang="en-US" altLang="zh-CN" dirty="0">
+                <a:latin typeface="微软雅黑" panose="020B0503020204020204" pitchFamily="34" charset="-122"/>
+                <a:ea typeface="微软雅黑" panose="020B0503020204020204" pitchFamily="34" charset="-122"/>
+              </a:rPr>
+              <a:t>CSR</a:t>
+            </a:r>
+            <a:r>
+              <a:rPr lang="zh-CN" altLang="en-US" dirty="0">
+                <a:latin typeface="微软雅黑" panose="020B0503020204020204" pitchFamily="34" charset="-122"/>
+                <a:ea typeface="微软雅黑" panose="020B0503020204020204" pitchFamily="34" charset="-122"/>
+              </a:rPr>
+              <a:t>报告中呈现出的词语进行归类为</a:t>
+            </a:r>
+            <a:r>
+              <a:rPr lang="en-US" altLang="zh-CN" dirty="0">
+                <a:latin typeface="微软雅黑" panose="020B0503020204020204" pitchFamily="34" charset="-122"/>
+                <a:ea typeface="微软雅黑" panose="020B0503020204020204" pitchFamily="34" charset="-122"/>
+              </a:rPr>
+              <a:t>200</a:t>
+            </a:r>
+            <a:r>
+              <a:rPr lang="zh-CN" altLang="en-US" dirty="0">
+                <a:latin typeface="微软雅黑" panose="020B0503020204020204" pitchFamily="34" charset="-122"/>
+                <a:ea typeface="微软雅黑" panose="020B0503020204020204" pitchFamily="34" charset="-122"/>
+              </a:rPr>
+              <a:t>个类别，并进行人工筛选</a:t>
+            </a:r>
+            <a:endParaRPr lang="en-US" altLang="zh-CN" dirty="0">
+              <a:latin typeface="微软雅黑" panose="020B0503020204020204" pitchFamily="34" charset="-122"/>
+              <a:ea typeface="微软雅黑" panose="020B0503020204020204" pitchFamily="34" charset="-122"/>
+            </a:endParaRPr>
+          </a:p>
+          <a:p>
+            <a:endParaRPr lang="en-US" altLang="zh-CN" dirty="0">
+              <a:latin typeface="微软雅黑" panose="020B0503020204020204" pitchFamily="34" charset="-122"/>
+              <a:ea typeface="微软雅黑" panose="020B0503020204020204" pitchFamily="34" charset="-122"/>
+            </a:endParaRPr>
+          </a:p>
+          <a:p>
+            <a:r>
+              <a:rPr lang="zh-CN" altLang="en-US" dirty="0">
+                <a:latin typeface="微软雅黑" panose="020B0503020204020204" pitchFamily="34" charset="-122"/>
+                <a:ea typeface="微软雅黑" panose="020B0503020204020204" pitchFamily="34" charset="-122"/>
+              </a:rPr>
+              <a:t>第一版是以全部词语进行训练的，发现其中掺杂着很多噪音，且我们想要的结果大多数是名词</a:t>
+            </a:r>
+            <a:endParaRPr lang="en-US" altLang="zh-CN" dirty="0">
+              <a:latin typeface="微软雅黑" panose="020B0503020204020204" pitchFamily="34" charset="-122"/>
+              <a:ea typeface="微软雅黑" panose="020B0503020204020204" pitchFamily="34" charset="-122"/>
+            </a:endParaRPr>
+          </a:p>
+          <a:p>
+            <a:endParaRPr lang="en-US" altLang="zh-CN" dirty="0">
+              <a:latin typeface="微软雅黑" panose="020B0503020204020204" pitchFamily="34" charset="-122"/>
+              <a:ea typeface="微软雅黑" panose="020B0503020204020204" pitchFamily="34" charset="-122"/>
+            </a:endParaRPr>
+          </a:p>
+          <a:p>
+            <a:r>
+              <a:rPr lang="zh-CN" altLang="en-US" dirty="0">
+                <a:latin typeface="微软雅黑" panose="020B0503020204020204" pitchFamily="34" charset="-122"/>
+                <a:ea typeface="微软雅黑" panose="020B0503020204020204" pitchFamily="34" charset="-122"/>
+              </a:rPr>
+              <a:t>第二版只选取名词、动名词和形名词作为聚类对象，得到相对更加纯净的聚类结果，一共是</a:t>
+            </a:r>
+            <a:r>
+              <a:rPr lang="en-US" altLang="zh-CN" dirty="0">
+                <a:latin typeface="微软雅黑" panose="020B0503020204020204" pitchFamily="34" charset="-122"/>
+                <a:ea typeface="微软雅黑" panose="020B0503020204020204" pitchFamily="34" charset="-122"/>
+              </a:rPr>
+              <a:t>38585</a:t>
+            </a:r>
+            <a:r>
+              <a:rPr lang="zh-CN" altLang="en-US" dirty="0">
+                <a:latin typeface="微软雅黑" panose="020B0503020204020204" pitchFamily="34" charset="-122"/>
+                <a:ea typeface="微软雅黑" panose="020B0503020204020204" pitchFamily="34" charset="-122"/>
+              </a:rPr>
+              <a:t>个词</a:t>
+            </a:r>
+            <a:endParaRPr lang="en-US" altLang="zh-CN" dirty="0">
+              <a:latin typeface="微软雅黑" panose="020B0503020204020204" pitchFamily="34" charset="-122"/>
+              <a:ea typeface="微软雅黑" panose="020B0503020204020204" pitchFamily="34" charset="-122"/>
+            </a:endParaRPr>
+          </a:p>
+          <a:p>
+            <a:endParaRPr lang="en-US" altLang="zh-CN" dirty="0">
+              <a:latin typeface="微软雅黑" panose="020B0503020204020204" pitchFamily="34" charset="-122"/>
+              <a:ea typeface="微软雅黑" panose="020B0503020204020204" pitchFamily="34" charset="-122"/>
+            </a:endParaRPr>
+          </a:p>
+          <a:p>
+            <a:r>
+              <a:rPr lang="zh-CN" altLang="en-US" dirty="0">
+                <a:latin typeface="微软雅黑" panose="020B0503020204020204" pitchFamily="34" charset="-122"/>
+                <a:ea typeface="微软雅黑" panose="020B0503020204020204" pitchFamily="34" charset="-122"/>
+              </a:rPr>
+              <a:t>以下为部分聚类结果</a:t>
+            </a:r>
+            <a:endParaRPr lang="en-US" altLang="zh-CN" dirty="0">
+              <a:latin typeface="微软雅黑" panose="020B0503020204020204" pitchFamily="34" charset="-122"/>
+              <a:ea typeface="微软雅黑" panose="020B0503020204020204" pitchFamily="34" charset="-122"/>
+            </a:endParaRPr>
+          </a:p>
+        </p:txBody>
+      </p:sp>
+      <p:pic>
+        <p:nvPicPr>
+          <p:cNvPr id="2" name="图片 1">
+            <a:extLst>
+              <a:ext uri="{FF2B5EF4-FFF2-40B4-BE49-F238E27FC236}">
+                <a16:creationId xmlns:a16="http://schemas.microsoft.com/office/drawing/2014/main" id="{CB306183-7706-4331-8C09-60E5804848FA}"/>
+              </a:ext>
+            </a:extLst>
+          </p:cNvPr>
+          <p:cNvPicPr>
+            <a:picLocks noChangeAspect="1"/>
+          </p:cNvPicPr>
+          <p:nvPr/>
+        </p:nvPicPr>
+        <p:blipFill rotWithShape="1">
+          <a:blip r:embed="rId2"/>
+          <a:srcRect b="40744"/>
+          <a:stretch/>
+        </p:blipFill>
+        <p:spPr>
+          <a:xfrm>
+            <a:off x="821801" y="3581400"/>
+            <a:ext cx="3267075" cy="2967038"/>
+          </a:xfrm>
+          <a:prstGeom prst="rect">
+            <a:avLst/>
+          </a:prstGeom>
+        </p:spPr>
+      </p:pic>
+      <p:pic>
+        <p:nvPicPr>
+          <p:cNvPr id="3" name="图片 2">
+            <a:extLst>
+              <a:ext uri="{FF2B5EF4-FFF2-40B4-BE49-F238E27FC236}">
+                <a16:creationId xmlns:a16="http://schemas.microsoft.com/office/drawing/2014/main" id="{D9EC14D7-DD0D-4184-8FE4-0C1A9C3B824A}"/>
+              </a:ext>
+            </a:extLst>
+          </p:cNvPr>
+          <p:cNvPicPr>
+            <a:picLocks noChangeAspect="1"/>
+          </p:cNvPicPr>
+          <p:nvPr/>
+        </p:nvPicPr>
+        <p:blipFill>
+          <a:blip r:embed="rId3"/>
+          <a:stretch>
+            <a:fillRect/>
+          </a:stretch>
+        </p:blipFill>
+        <p:spPr>
+          <a:xfrm>
+            <a:off x="4691062" y="3581400"/>
+            <a:ext cx="2352675" cy="2971800"/>
+          </a:xfrm>
+          <a:prstGeom prst="rect">
+            <a:avLst/>
+          </a:prstGeom>
+        </p:spPr>
+      </p:pic>
+      <p:pic>
+        <p:nvPicPr>
+          <p:cNvPr id="4" name="图片 3">
+            <a:extLst>
+              <a:ext uri="{FF2B5EF4-FFF2-40B4-BE49-F238E27FC236}">
+                <a16:creationId xmlns:a16="http://schemas.microsoft.com/office/drawing/2014/main" id="{A81C175F-3ACF-4D14-B400-CAA4B8727679}"/>
+              </a:ext>
+            </a:extLst>
+          </p:cNvPr>
+          <p:cNvPicPr>
+            <a:picLocks noChangeAspect="1"/>
+          </p:cNvPicPr>
+          <p:nvPr/>
+        </p:nvPicPr>
+        <p:blipFill>
+          <a:blip r:embed="rId4"/>
+          <a:stretch>
+            <a:fillRect/>
+          </a:stretch>
+        </p:blipFill>
+        <p:spPr>
+          <a:xfrm>
+            <a:off x="7986712" y="3553521"/>
+            <a:ext cx="2466975" cy="2333625"/>
+          </a:xfrm>
+          <a:prstGeom prst="rect">
+            <a:avLst/>
+          </a:prstGeom>
+        </p:spPr>
+      </p:pic>
+    </p:spTree>
+    <p:extLst>
+      <p:ext uri="{BB962C8B-B14F-4D97-AF65-F5344CB8AC3E}">
+        <p14:creationId xmlns:p14="http://schemas.microsoft.com/office/powerpoint/2010/main" val="2777865318"/>
+      </p:ext>
+    </p:extLst>
+  </p:cSld>
+  <p:clrMapOvr>
+    <a:masterClrMapping/>
+  </p:clrMapOvr>
+</p:sld>
+</file>
+
+<file path=ppt/slides/slide15.xml><?xml version="1.0" encoding="utf-8"?>
+<p:sld xmlns:a="http://schemas.openxmlformats.org/drawingml/2006/main" xmlns:r="http://schemas.openxmlformats.org/officeDocument/2006/relationships" xmlns:p="http://schemas.openxmlformats.org/presentationml/2006/main">
+  <p:cSld>
+    <p:spTree>
+      <p:nvGrpSpPr>
+        <p:cNvPr id="1" name=""/>
+        <p:cNvGrpSpPr/>
+        <p:nvPr/>
+      </p:nvGrpSpPr>
+      <p:grpSpPr>
+        <a:xfrm>
+          <a:off x="0" y="0"/>
+          <a:ext cx="0" cy="0"/>
+          <a:chOff x="0" y="0"/>
+          <a:chExt cx="0" cy="0"/>
+        </a:xfrm>
+      </p:grpSpPr>
+      <p:sp>
+        <p:nvSpPr>
+          <p:cNvPr id="5" name="矩形 4">
+            <a:extLst>
+              <a:ext uri="{FF2B5EF4-FFF2-40B4-BE49-F238E27FC236}">
+                <a16:creationId xmlns:a16="http://schemas.microsoft.com/office/drawing/2014/main" id="{EDB04720-1763-4B0B-84E0-4939B05496D3}"/>
+              </a:ext>
+            </a:extLst>
+          </p:cNvPr>
+          <p:cNvSpPr/>
+          <p:nvPr/>
+        </p:nvSpPr>
+        <p:spPr>
+          <a:xfrm>
+            <a:off x="222982" y="547433"/>
+            <a:ext cx="2496197" cy="523220"/>
+          </a:xfrm>
+          <a:prstGeom prst="rect">
+            <a:avLst/>
+          </a:prstGeom>
+        </p:spPr>
+        <p:txBody>
+          <a:bodyPr wrap="none">
+            <a:spAutoFit/>
+          </a:bodyPr>
+          <a:lstStyle/>
+          <a:p>
+            <a:pPr algn="ctr"/>
+            <a:r>
+              <a:rPr lang="zh-CN" altLang="en-US" sz="2800" b="1" dirty="0">
+                <a:latin typeface="微软雅黑" panose="020B0503020204020204" pitchFamily="34" charset="-122"/>
+                <a:ea typeface="微软雅黑" panose="020B0503020204020204" pitchFamily="34" charset="-122"/>
+              </a:rPr>
+              <a:t>文档</a:t>
+            </a:r>
+            <a:r>
+              <a:rPr lang="en-US" altLang="zh-CN" sz="2800" b="1" dirty="0">
+                <a:latin typeface="微软雅黑" panose="020B0503020204020204" pitchFamily="34" charset="-122"/>
+                <a:ea typeface="微软雅黑" panose="020B0503020204020204" pitchFamily="34" charset="-122"/>
+              </a:rPr>
+              <a:t>-</a:t>
+            </a:r>
+            <a:r>
+              <a:rPr lang="zh-CN" altLang="en-US" sz="2800" b="1" dirty="0">
+                <a:latin typeface="微软雅黑" panose="020B0503020204020204" pitchFamily="34" charset="-122"/>
+                <a:ea typeface="微软雅黑" panose="020B0503020204020204" pitchFamily="34" charset="-122"/>
+              </a:rPr>
+              <a:t>主题分布</a:t>
+            </a:r>
+          </a:p>
+        </p:txBody>
+      </p:sp>
+      <p:sp>
+        <p:nvSpPr>
+          <p:cNvPr id="6" name="文本框 5">
+            <a:extLst>
+              <a:ext uri="{FF2B5EF4-FFF2-40B4-BE49-F238E27FC236}">
+                <a16:creationId xmlns:a16="http://schemas.microsoft.com/office/drawing/2014/main" id="{19F661B6-5ED9-423E-9188-CB8471D102B3}"/>
+              </a:ext>
+            </a:extLst>
+          </p:cNvPr>
+          <p:cNvSpPr txBox="1"/>
+          <p:nvPr/>
+        </p:nvSpPr>
+        <p:spPr>
+          <a:xfrm>
+            <a:off x="821801" y="1377387"/>
+            <a:ext cx="10475089" cy="2031325"/>
+          </a:xfrm>
+          <a:prstGeom prst="rect">
+            <a:avLst/>
+          </a:prstGeom>
+          <a:noFill/>
+        </p:spPr>
+        <p:txBody>
+          <a:bodyPr wrap="square" rtlCol="0">
+            <a:spAutoFit/>
+          </a:bodyPr>
+          <a:lstStyle/>
+          <a:p>
+            <a:r>
+              <a:rPr lang="zh-CN" altLang="en-US" dirty="0">
+                <a:latin typeface="微软雅黑" panose="020B0503020204020204" pitchFamily="34" charset="-122"/>
+                <a:ea typeface="微软雅黑" panose="020B0503020204020204" pitchFamily="34" charset="-122"/>
+              </a:rPr>
+              <a:t>接下来的工作重点：</a:t>
+            </a:r>
+            <a:endParaRPr lang="en-US" altLang="zh-CN" dirty="0">
+              <a:latin typeface="微软雅黑" panose="020B0503020204020204" pitchFamily="34" charset="-122"/>
+              <a:ea typeface="微软雅黑" panose="020B0503020204020204" pitchFamily="34" charset="-122"/>
+            </a:endParaRPr>
+          </a:p>
+          <a:p>
+            <a:endParaRPr lang="en-US" altLang="zh-CN" dirty="0">
+              <a:latin typeface="微软雅黑" panose="020B0503020204020204" pitchFamily="34" charset="-122"/>
+              <a:ea typeface="微软雅黑" panose="020B0503020204020204" pitchFamily="34" charset="-122"/>
+            </a:endParaRPr>
+          </a:p>
+          <a:p>
+            <a:pPr marL="742950" lvl="1" indent="-285750">
+              <a:buFont typeface="Arial" panose="020B0604020202020204" pitchFamily="34" charset="0"/>
+              <a:buChar char="•"/>
+            </a:pPr>
+            <a:r>
+              <a:rPr lang="zh-CN" altLang="en-US">
+                <a:latin typeface="微软雅黑" panose="020B0503020204020204" pitchFamily="34" charset="-122"/>
+                <a:ea typeface="微软雅黑" panose="020B0503020204020204" pitchFamily="34" charset="-122"/>
+              </a:rPr>
+              <a:t>根据命名好的</a:t>
+            </a:r>
+            <a:r>
+              <a:rPr lang="zh-CN" altLang="en-US" dirty="0">
+                <a:latin typeface="微软雅黑" panose="020B0503020204020204" pitchFamily="34" charset="-122"/>
+                <a:ea typeface="微软雅黑" panose="020B0503020204020204" pitchFamily="34" charset="-122"/>
+              </a:rPr>
+              <a:t>词语类别，计算每个文档的主题分布情况</a:t>
+            </a:r>
+            <a:endParaRPr lang="en-US" altLang="zh-CN" dirty="0">
+              <a:latin typeface="微软雅黑" panose="020B0503020204020204" pitchFamily="34" charset="-122"/>
+              <a:ea typeface="微软雅黑" panose="020B0503020204020204" pitchFamily="34" charset="-122"/>
+            </a:endParaRPr>
+          </a:p>
+          <a:p>
+            <a:pPr marL="742950" lvl="1" indent="-285750">
+              <a:buFont typeface="Arial" panose="020B0604020202020204" pitchFamily="34" charset="0"/>
+              <a:buChar char="•"/>
+            </a:pPr>
+            <a:endParaRPr lang="en-US" altLang="zh-CN" dirty="0">
+              <a:latin typeface="微软雅黑" panose="020B0503020204020204" pitchFamily="34" charset="-122"/>
+              <a:ea typeface="微软雅黑" panose="020B0503020204020204" pitchFamily="34" charset="-122"/>
+            </a:endParaRPr>
+          </a:p>
+          <a:p>
+            <a:pPr marL="742950" lvl="1" indent="-285750">
+              <a:buFont typeface="Arial" panose="020B0604020202020204" pitchFamily="34" charset="0"/>
+              <a:buChar char="•"/>
+            </a:pPr>
+            <a:r>
+              <a:rPr lang="zh-CN" altLang="en-US" dirty="0">
+                <a:latin typeface="微软雅黑" panose="020B0503020204020204" pitchFamily="34" charset="-122"/>
+                <a:ea typeface="微软雅黑" panose="020B0503020204020204" pitchFamily="34" charset="-122"/>
+              </a:rPr>
+              <a:t>与</a:t>
+            </a:r>
+            <a:r>
+              <a:rPr lang="en-US" altLang="zh-CN" dirty="0">
+                <a:latin typeface="微软雅黑" panose="020B0503020204020204" pitchFamily="34" charset="-122"/>
+                <a:ea typeface="微软雅黑" panose="020B0503020204020204" pitchFamily="34" charset="-122"/>
+              </a:rPr>
+              <a:t>LDA</a:t>
+            </a:r>
+            <a:r>
+              <a:rPr lang="zh-CN" altLang="en-US" dirty="0">
+                <a:latin typeface="微软雅黑" panose="020B0503020204020204" pitchFamily="34" charset="-122"/>
+                <a:ea typeface="微软雅黑" panose="020B0503020204020204" pitchFamily="34" charset="-122"/>
+              </a:rPr>
+              <a:t>方法进行比较（可能会做）</a:t>
+            </a:r>
+            <a:endParaRPr lang="en-US" altLang="zh-CN" dirty="0">
+              <a:latin typeface="微软雅黑" panose="020B0503020204020204" pitchFamily="34" charset="-122"/>
+              <a:ea typeface="微软雅黑" panose="020B0503020204020204" pitchFamily="34" charset="-122"/>
+            </a:endParaRPr>
+          </a:p>
+          <a:p>
+            <a:pPr marL="742950" lvl="1" indent="-285750">
+              <a:buFont typeface="Arial" panose="020B0604020202020204" pitchFamily="34" charset="0"/>
+              <a:buChar char="•"/>
+            </a:pPr>
+            <a:endParaRPr lang="en-US" altLang="zh-CN" dirty="0">
+              <a:latin typeface="微软雅黑" panose="020B0503020204020204" pitchFamily="34" charset="-122"/>
+              <a:ea typeface="微软雅黑" panose="020B0503020204020204" pitchFamily="34" charset="-122"/>
+            </a:endParaRPr>
+          </a:p>
+          <a:p>
+            <a:pPr lvl="1"/>
+            <a:endParaRPr lang="en-US" altLang="zh-CN" dirty="0">
+              <a:latin typeface="微软雅黑" panose="020B0503020204020204" pitchFamily="34" charset="-122"/>
+              <a:ea typeface="微软雅黑" panose="020B0503020204020204" pitchFamily="34" charset="-122"/>
+            </a:endParaRPr>
+          </a:p>
+        </p:txBody>
+      </p:sp>
+    </p:spTree>
+    <p:extLst>
+      <p:ext uri="{BB962C8B-B14F-4D97-AF65-F5344CB8AC3E}">
+        <p14:creationId xmlns:p14="http://schemas.microsoft.com/office/powerpoint/2010/main" val="3444844739"/>
+      </p:ext>
+    </p:extLst>
+  </p:cSld>
+  <p:clrMapOvr>
+    <a:masterClrMapping/>
+  </p:clrMapOvr>
+</p:sld>
+</file>
+
 <file path=ppt/slides/slide2.xml><?xml version="1.0" encoding="utf-8"?>
 <p:sld xmlns:a="http://schemas.openxmlformats.org/drawingml/2006/main" xmlns:r="http://schemas.openxmlformats.org/officeDocument/2006/relationships" xmlns:p="http://schemas.openxmlformats.org/presentationml/2006/main">
   <p:cSld>
@@ -5345,8 +8539,8 @@
         </p:nvSpPr>
         <p:spPr>
           <a:xfrm>
-            <a:off x="736930" y="547433"/>
-            <a:ext cx="902811" cy="523220"/>
+            <a:off x="286228" y="535076"/>
+            <a:ext cx="2496197" cy="523220"/>
           </a:xfrm>
           <a:prstGeom prst="rect">
             <a:avLst/>
@@ -5364,17 +8558,334 @@
                 <a:latin typeface="微软雅黑" panose="020B0503020204020204" pitchFamily="34" charset="-122"/>
                 <a:ea typeface="微软雅黑" panose="020B0503020204020204" pitchFamily="34" charset="-122"/>
               </a:rPr>
-              <a:t>分词</a:t>
-            </a:r>
-          </a:p>
-        </p:txBody>
-      </p:sp>
-      <p:sp>
-        <p:nvSpPr>
-          <p:cNvPr id="6" name="文本框 5">
-            <a:extLst>
-              <a:ext uri="{FF2B5EF4-FFF2-40B4-BE49-F238E27FC236}">
-                <a16:creationId xmlns:a16="http://schemas.microsoft.com/office/drawing/2014/main" id="{19F661B6-5ED9-423E-9188-CB8471D102B3}"/>
+              <a:t>清理逻辑</a:t>
+            </a:r>
+            <a:r>
+              <a:rPr lang="en-US" altLang="zh-CN" sz="2800" b="1" dirty="0">
+                <a:latin typeface="微软雅黑" panose="020B0503020204020204" pitchFamily="34" charset="-122"/>
+                <a:ea typeface="微软雅黑" panose="020B0503020204020204" pitchFamily="34" charset="-122"/>
+              </a:rPr>
+              <a:t>-</a:t>
+            </a:r>
+            <a:r>
+              <a:rPr lang="zh-CN" altLang="en-US" sz="2800" b="1" dirty="0">
+                <a:latin typeface="微软雅黑" panose="020B0503020204020204" pitchFamily="34" charset="-122"/>
+                <a:ea typeface="微软雅黑" panose="020B0503020204020204" pitchFamily="34" charset="-122"/>
+              </a:rPr>
+              <a:t>示例</a:t>
+            </a:r>
+          </a:p>
+        </p:txBody>
+      </p:sp>
+      <p:sp>
+        <p:nvSpPr>
+          <p:cNvPr id="2" name="矩形 1">
+            <a:extLst>
+              <a:ext uri="{FF2B5EF4-FFF2-40B4-BE49-F238E27FC236}">
+                <a16:creationId xmlns:a16="http://schemas.microsoft.com/office/drawing/2014/main" id="{0F924D6C-5C1B-4F85-B15D-AC1B688088E9}"/>
+              </a:ext>
+            </a:extLst>
+          </p:cNvPr>
+          <p:cNvSpPr/>
+          <p:nvPr/>
+        </p:nvSpPr>
+        <p:spPr>
+          <a:xfrm>
+            <a:off x="453083" y="1443841"/>
+            <a:ext cx="5045675" cy="4647426"/>
+          </a:xfrm>
+          <a:prstGeom prst="rect">
+            <a:avLst/>
+          </a:prstGeom>
+        </p:spPr>
+        <p:txBody>
+          <a:bodyPr wrap="square">
+            <a:spAutoFit/>
+          </a:bodyPr>
+          <a:lstStyle/>
+          <a:p>
+            <a:r>
+              <a:rPr lang="zh-TW" altLang="en-US" sz="1600" dirty="0">
+                <a:latin typeface="微软雅黑" panose="020B0503020204020204" pitchFamily="34" charset="-122"/>
+                <a:ea typeface="微软雅黑" panose="020B0503020204020204" pitchFamily="34" charset="-122"/>
+              </a:rPr>
+              <a:t>我們的企業社會責任督導委員會，由來自十八</a:t>
+            </a:r>
+          </a:p>
+          <a:p>
+            <a:r>
+              <a:rPr lang="zh-TW" altLang="en-US" sz="1600" dirty="0">
+                <a:latin typeface="微软雅黑" panose="020B0503020204020204" pitchFamily="34" charset="-122"/>
+                <a:ea typeface="微软雅黑" panose="020B0503020204020204" pitchFamily="34" charset="-122"/>
+              </a:rPr>
+              <a:t>個部門（包括港龍航空）的代表所組成，各代表</a:t>
+            </a:r>
+          </a:p>
+          <a:p>
+            <a:r>
+              <a:rPr lang="zh-TW" altLang="en-US" sz="1600" dirty="0">
+                <a:latin typeface="微软雅黑" panose="020B0503020204020204" pitchFamily="34" charset="-122"/>
+                <a:ea typeface="微软雅黑" panose="020B0503020204020204" pitchFamily="34" charset="-122"/>
+              </a:rPr>
+              <a:t>均為部門的高級管理人員，他們定期開會討論</a:t>
+            </a:r>
+          </a:p>
+          <a:p>
+            <a:r>
+              <a:rPr lang="zh-TW" altLang="en-US" sz="1600" dirty="0">
+                <a:latin typeface="微软雅黑" panose="020B0503020204020204" pitchFamily="34" charset="-122"/>
+                <a:ea typeface="微软雅黑" panose="020B0503020204020204" pitchFamily="34" charset="-122"/>
+              </a:rPr>
+              <a:t>公司在企業社會責任方面的表現。本報吿將論</a:t>
+            </a:r>
+          </a:p>
+          <a:p>
+            <a:r>
+              <a:rPr lang="zh-TW" altLang="en-US" sz="1600" dirty="0">
+                <a:latin typeface="微软雅黑" panose="020B0503020204020204" pitchFamily="34" charset="-122"/>
+                <a:ea typeface="微软雅黑" panose="020B0503020204020204" pitchFamily="34" charset="-122"/>
+              </a:rPr>
+              <a:t>及與持份者保持聯繋、合規、健康及安全表</a:t>
+            </a:r>
+          </a:p>
+          <a:p>
+            <a:r>
+              <a:rPr lang="zh-TW" altLang="en-US" sz="1600" dirty="0">
+                <a:latin typeface="微软雅黑" panose="020B0503020204020204" pitchFamily="34" charset="-122"/>
+                <a:ea typeface="微软雅黑" panose="020B0503020204020204" pitchFamily="34" charset="-122"/>
+              </a:rPr>
+              <a:t>現、環保行動、僱員及供應商關係等不同議</a:t>
+            </a:r>
+          </a:p>
+          <a:p>
+            <a:r>
+              <a:rPr lang="zh-TW" altLang="en-US" sz="1600" dirty="0">
+                <a:latin typeface="微软雅黑" panose="020B0503020204020204" pitchFamily="34" charset="-122"/>
+                <a:ea typeface="微软雅黑" panose="020B0503020204020204" pitchFamily="34" charset="-122"/>
+              </a:rPr>
+              <a:t>題，以及其對業務策略所起的重要作用。</a:t>
+            </a:r>
+          </a:p>
+          <a:p>
+            <a:endParaRPr lang="zh-TW" altLang="en-US" sz="1600" dirty="0">
+              <a:latin typeface="微软雅黑" panose="020B0503020204020204" pitchFamily="34" charset="-122"/>
+              <a:ea typeface="微软雅黑" panose="020B0503020204020204" pitchFamily="34" charset="-122"/>
+            </a:endParaRPr>
+          </a:p>
+          <a:p>
+            <a:r>
+              <a:rPr lang="zh-TW" altLang="en-US" sz="1600" dirty="0">
+                <a:latin typeface="微软雅黑" panose="020B0503020204020204" pitchFamily="34" charset="-122"/>
+                <a:ea typeface="微软雅黑" panose="020B0503020204020204" pitchFamily="34" charset="-122"/>
+              </a:rPr>
+              <a:t>確保作業模式完全遵守適用的法律及條例之</a:t>
+            </a:r>
+          </a:p>
+          <a:p>
+            <a:r>
+              <a:rPr lang="zh-TW" altLang="en-US" sz="1600" dirty="0">
+                <a:latin typeface="微软雅黑" panose="020B0503020204020204" pitchFamily="34" charset="-122"/>
+                <a:ea typeface="微软雅黑" panose="020B0503020204020204" pitchFamily="34" charset="-122"/>
+              </a:rPr>
+              <a:t>餘，我們亦制定有關個人資料處理及私穩、市</a:t>
+            </a:r>
+          </a:p>
+          <a:p>
+            <a:endParaRPr lang="zh-TW" altLang="en-US" sz="1600" dirty="0">
+              <a:latin typeface="微软雅黑" panose="020B0503020204020204" pitchFamily="34" charset="-122"/>
+              <a:ea typeface="微软雅黑" panose="020B0503020204020204" pitchFamily="34" charset="-122"/>
+            </a:endParaRPr>
+          </a:p>
+          <a:p>
+            <a:r>
+              <a:rPr lang="zh-TW" altLang="en-US" sz="1600" dirty="0">
+                <a:latin typeface="微软雅黑" panose="020B0503020204020204" pitchFamily="34" charset="-122"/>
+                <a:ea typeface="微软雅黑" panose="020B0503020204020204" pitchFamily="34" charset="-122"/>
+              </a:rPr>
+              <a:t>場推廣通訊、公共政策、反貪污及反壟斷等合</a:t>
+            </a:r>
+          </a:p>
+          <a:p>
+            <a:r>
+              <a:rPr lang="zh-TW" altLang="en-US" sz="1600" dirty="0">
+                <a:latin typeface="微软雅黑" panose="020B0503020204020204" pitchFamily="34" charset="-122"/>
+                <a:ea typeface="微软雅黑" panose="020B0503020204020204" pitchFamily="34" charset="-122"/>
+              </a:rPr>
+              <a:t>規的政策及計劃，務求公司符合有關法規的同</a:t>
+            </a:r>
+          </a:p>
+          <a:p>
+            <a:r>
+              <a:rPr lang="zh-TW" altLang="en-US" sz="1600" dirty="0">
+                <a:latin typeface="微软雅黑" panose="020B0503020204020204" pitchFamily="34" charset="-122"/>
+                <a:ea typeface="微软雅黑" panose="020B0503020204020204" pitchFamily="34" charset="-122"/>
+              </a:rPr>
+              <a:t>時，亦能為業界訂立更高的標準。</a:t>
+            </a:r>
+            <a:endParaRPr lang="en-US" altLang="zh-TW" sz="1600" dirty="0">
+              <a:latin typeface="微软雅黑" panose="020B0503020204020204" pitchFamily="34" charset="-122"/>
+              <a:ea typeface="微软雅黑" panose="020B0503020204020204" pitchFamily="34" charset="-122"/>
+            </a:endParaRPr>
+          </a:p>
+          <a:p>
+            <a:endParaRPr lang="en-US" altLang="zh-CN" sz="1600" dirty="0">
+              <a:latin typeface="微软雅黑" panose="020B0503020204020204" pitchFamily="34" charset="-122"/>
+              <a:ea typeface="微软雅黑" panose="020B0503020204020204" pitchFamily="34" charset="-122"/>
+            </a:endParaRPr>
+          </a:p>
+          <a:p>
+            <a:r>
+              <a:rPr lang="en-US" altLang="zh-CN" sz="1600" dirty="0">
+                <a:latin typeface="微软雅黑" panose="020B0503020204020204" pitchFamily="34" charset="-122"/>
+                <a:ea typeface="微软雅黑" panose="020B0503020204020204" pitchFamily="34" charset="-122"/>
+              </a:rPr>
+              <a:t>We strive for developing harmonious local</a:t>
+            </a:r>
+          </a:p>
+          <a:p>
+            <a:r>
+              <a:rPr lang="en-US" altLang="zh-CN" sz="1600" dirty="0">
+                <a:latin typeface="微软雅黑" panose="020B0503020204020204" pitchFamily="34" charset="-122"/>
+                <a:ea typeface="微软雅黑" panose="020B0503020204020204" pitchFamily="34" charset="-122"/>
+              </a:rPr>
+              <a:t>communities and creating better living</a:t>
+            </a:r>
+          </a:p>
+          <a:p>
+            <a:r>
+              <a:rPr lang="en-US" altLang="zh-CN" sz="1600" dirty="0">
+                <a:latin typeface="微软雅黑" panose="020B0503020204020204" pitchFamily="34" charset="-122"/>
+                <a:ea typeface="微软雅黑" panose="020B0503020204020204" pitchFamily="34" charset="-122"/>
+              </a:rPr>
+              <a:t>environment for local residents.</a:t>
+            </a:r>
+            <a:endParaRPr lang="zh-CN" altLang="en-US" sz="1600" dirty="0">
+              <a:latin typeface="微软雅黑" panose="020B0503020204020204" pitchFamily="34" charset="-122"/>
+              <a:ea typeface="微软雅黑" panose="020B0503020204020204" pitchFamily="34" charset="-122"/>
+            </a:endParaRPr>
+          </a:p>
+        </p:txBody>
+      </p:sp>
+      <p:pic>
+        <p:nvPicPr>
+          <p:cNvPr id="4" name="图形 3" descr="箭头: 轻微弯曲">
+            <a:extLst>
+              <a:ext uri="{FF2B5EF4-FFF2-40B4-BE49-F238E27FC236}">
+                <a16:creationId xmlns:a16="http://schemas.microsoft.com/office/drawing/2014/main" id="{240CED3D-083D-4A3E-9EDA-C280E14074B8}"/>
+              </a:ext>
+            </a:extLst>
+          </p:cNvPr>
+          <p:cNvPicPr>
+            <a:picLocks noChangeAspect="1"/>
+          </p:cNvPicPr>
+          <p:nvPr/>
+        </p:nvPicPr>
+        <p:blipFill>
+          <a:blip r:embed="rId2">
+            <a:extLst>
+              <a:ext uri="{28A0092B-C50C-407E-A947-70E740481C1C}">
+                <a14:useLocalDpi xmlns:a14="http://schemas.microsoft.com/office/drawing/2010/main" val="0"/>
+              </a:ext>
+              <a:ext uri="{96DAC541-7B7A-43D3-8B79-37D633B846F1}">
+                <asvg:svgBlip xmlns:asvg="http://schemas.microsoft.com/office/drawing/2016/SVG/main" r:embed="rId3"/>
+              </a:ext>
+            </a:extLst>
+          </a:blip>
+          <a:stretch>
+            <a:fillRect/>
+          </a:stretch>
+        </p:blipFill>
+        <p:spPr>
+          <a:xfrm>
+            <a:off x="5330316" y="2718324"/>
+            <a:ext cx="914400" cy="914400"/>
+          </a:xfrm>
+          <a:prstGeom prst="rect">
+            <a:avLst/>
+          </a:prstGeom>
+        </p:spPr>
+      </p:pic>
+      <p:sp>
+        <p:nvSpPr>
+          <p:cNvPr id="7" name="矩形 6">
+            <a:extLst>
+              <a:ext uri="{FF2B5EF4-FFF2-40B4-BE49-F238E27FC236}">
+                <a16:creationId xmlns:a16="http://schemas.microsoft.com/office/drawing/2014/main" id="{75CC6507-00DD-4E15-BE44-4FF35038EF6D}"/>
+              </a:ext>
+            </a:extLst>
+          </p:cNvPr>
+          <p:cNvSpPr/>
+          <p:nvPr/>
+        </p:nvSpPr>
+        <p:spPr>
+          <a:xfrm>
+            <a:off x="6651131" y="1443841"/>
+            <a:ext cx="5139815" cy="3293209"/>
+          </a:xfrm>
+          <a:prstGeom prst="rect">
+            <a:avLst/>
+          </a:prstGeom>
+        </p:spPr>
+        <p:txBody>
+          <a:bodyPr wrap="square">
+            <a:spAutoFit/>
+          </a:bodyPr>
+          <a:lstStyle/>
+          <a:p>
+            <a:r>
+              <a:rPr lang="zh-CN" altLang="en-US" sz="1600" dirty="0">
+                <a:latin typeface="微软雅黑" panose="020B0503020204020204" pitchFamily="34" charset="-122"/>
+                <a:ea typeface="微软雅黑" panose="020B0503020204020204" pitchFamily="34" charset="-122"/>
+              </a:rPr>
+              <a:t>我们的企业社会责任督导委员会，由来自十八个部门（包括港龙航空）的代表所组成，各代表均为部门的高级管理人员，他们定期开会讨论公司在企业社会责任方面的表现。</a:t>
+            </a:r>
+            <a:endParaRPr lang="en-US" altLang="zh-CN" sz="1600" dirty="0">
+              <a:latin typeface="微软雅黑" panose="020B0503020204020204" pitchFamily="34" charset="-122"/>
+              <a:ea typeface="微软雅黑" panose="020B0503020204020204" pitchFamily="34" charset="-122"/>
+            </a:endParaRPr>
+          </a:p>
+          <a:p>
+            <a:endParaRPr lang="en-US" altLang="zh-CN" sz="1600" dirty="0">
+              <a:latin typeface="微软雅黑" panose="020B0503020204020204" pitchFamily="34" charset="-122"/>
+              <a:ea typeface="微软雅黑" panose="020B0503020204020204" pitchFamily="34" charset="-122"/>
+            </a:endParaRPr>
+          </a:p>
+          <a:p>
+            <a:r>
+              <a:rPr lang="zh-CN" altLang="en-US" sz="1600" dirty="0">
+                <a:latin typeface="微软雅黑" panose="020B0503020204020204" pitchFamily="34" charset="-122"/>
+                <a:ea typeface="微软雅黑" panose="020B0503020204020204" pitchFamily="34" charset="-122"/>
+              </a:rPr>
+              <a:t>本报告将论及与持份者保持联系、合规、健康及安全表现、环保行动、雇员及供应商关系等不同议题，以及其对业务策略所起的重要作用。</a:t>
+            </a:r>
+            <a:endParaRPr lang="en-US" altLang="zh-CN" sz="1600" dirty="0">
+              <a:latin typeface="微软雅黑" panose="020B0503020204020204" pitchFamily="34" charset="-122"/>
+              <a:ea typeface="微软雅黑" panose="020B0503020204020204" pitchFamily="34" charset="-122"/>
+            </a:endParaRPr>
+          </a:p>
+          <a:p>
+            <a:endParaRPr lang="en-US" altLang="zh-CN" sz="1600" dirty="0">
+              <a:latin typeface="微软雅黑" panose="020B0503020204020204" pitchFamily="34" charset="-122"/>
+              <a:ea typeface="微软雅黑" panose="020B0503020204020204" pitchFamily="34" charset="-122"/>
+            </a:endParaRPr>
+          </a:p>
+          <a:p>
+            <a:r>
+              <a:rPr lang="zh-CN" altLang="en-US" sz="1600" dirty="0">
+                <a:latin typeface="微软雅黑" panose="020B0503020204020204" pitchFamily="34" charset="-122"/>
+                <a:ea typeface="微软雅黑" panose="020B0503020204020204" pitchFamily="34" charset="-122"/>
+              </a:rPr>
+              <a:t>确保作业模式完全遵守适用的法律及条例之余，我们亦制定有关个人资料处理及私稳、市场推广通讯、公共政策、反贪污及反垄断等合规的政策及计划，务求公司符合有关法规的同时，亦能为业界订立更高的标准。</a:t>
+            </a:r>
+          </a:p>
+        </p:txBody>
+      </p:sp>
+      <p:sp>
+        <p:nvSpPr>
+          <p:cNvPr id="8" name="文本框 7">
+            <a:extLst>
+              <a:ext uri="{FF2B5EF4-FFF2-40B4-BE49-F238E27FC236}">
+                <a16:creationId xmlns:a16="http://schemas.microsoft.com/office/drawing/2014/main" id="{831AB14F-85B2-44F9-A134-9A75AE94BCA2}"/>
               </a:ext>
             </a:extLst>
           </p:cNvPr>
@@ -5383,8 +8894,8 @@
         </p:nvSpPr>
         <p:spPr>
           <a:xfrm>
-            <a:off x="821801" y="1377387"/>
-            <a:ext cx="10475089" cy="1200329"/>
+            <a:off x="6651131" y="5600700"/>
+            <a:ext cx="3768980" cy="369332"/>
           </a:xfrm>
           <a:prstGeom prst="rect">
             <a:avLst/>
@@ -5392,78 +8903,60 @@
           <a:noFill/>
         </p:spPr>
         <p:txBody>
-          <a:bodyPr wrap="square" rtlCol="0">
+          <a:bodyPr wrap="none" rtlCol="0">
             <a:spAutoFit/>
           </a:bodyPr>
           <a:lstStyle/>
           <a:p>
             <a:r>
-              <a:rPr lang="zh-CN" altLang="en-US" dirty="0">
-                <a:latin typeface="微软雅黑" panose="020B0503020204020204" pitchFamily="34" charset="-122"/>
-                <a:ea typeface="微软雅黑" panose="020B0503020204020204" pitchFamily="34" charset="-122"/>
-              </a:rPr>
-              <a:t>本项目使用</a:t>
-            </a:r>
-            <a:r>
-              <a:rPr lang="en-US" altLang="zh-CN" dirty="0" err="1">
-                <a:latin typeface="微软雅黑" panose="020B0503020204020204" pitchFamily="34" charset="-122"/>
-                <a:ea typeface="微软雅黑" panose="020B0503020204020204" pitchFamily="34" charset="-122"/>
-              </a:rPr>
-              <a:t>HanLP</a:t>
-            </a:r>
-            <a:r>
-              <a:rPr lang="zh-CN" altLang="en-US" dirty="0">
-                <a:latin typeface="微软雅黑" panose="020B0503020204020204" pitchFamily="34" charset="-122"/>
-                <a:ea typeface="微软雅黑" panose="020B0503020204020204" pitchFamily="34" charset="-122"/>
-              </a:rPr>
-              <a:t>工具进行中文分词，经过调研</a:t>
-            </a:r>
-            <a:r>
-              <a:rPr lang="en-US" altLang="zh-CN" dirty="0" err="1">
-                <a:latin typeface="微软雅黑" panose="020B0503020204020204" pitchFamily="34" charset="-122"/>
-                <a:ea typeface="微软雅黑" panose="020B0503020204020204" pitchFamily="34" charset="-122"/>
-              </a:rPr>
-              <a:t>HanLP</a:t>
-            </a:r>
-            <a:r>
-              <a:rPr lang="zh-CN" altLang="en-US" dirty="0">
-                <a:latin typeface="微软雅黑" panose="020B0503020204020204" pitchFamily="34" charset="-122"/>
-                <a:ea typeface="微软雅黑" panose="020B0503020204020204" pitchFamily="34" charset="-122"/>
-              </a:rPr>
-              <a:t>的准确率在现有的中文分词工具中比较不错（这块我在公司工作的时候，做过测评）</a:t>
-            </a:r>
-            <a:endParaRPr lang="en-US" altLang="zh-CN" dirty="0">
-              <a:latin typeface="微软雅黑" panose="020B0503020204020204" pitchFamily="34" charset="-122"/>
-              <a:ea typeface="微软雅黑" panose="020B0503020204020204" pitchFamily="34" charset="-122"/>
-            </a:endParaRPr>
-          </a:p>
-          <a:p>
-            <a:endParaRPr lang="en-US" altLang="zh-CN" dirty="0">
-              <a:latin typeface="微软雅黑" panose="020B0503020204020204" pitchFamily="34" charset="-122"/>
-              <a:ea typeface="微软雅黑" panose="020B0503020204020204" pitchFamily="34" charset="-122"/>
-            </a:endParaRPr>
-          </a:p>
-          <a:p>
-            <a:r>
-              <a:rPr lang="zh-CN" altLang="en-US" dirty="0">
-                <a:latin typeface="微软雅黑" panose="020B0503020204020204" pitchFamily="34" charset="-122"/>
-                <a:ea typeface="微软雅黑" panose="020B0503020204020204" pitchFamily="34" charset="-122"/>
-              </a:rPr>
-              <a:t>本项目使用的是</a:t>
-            </a:r>
-            <a:r>
-              <a:rPr lang="en-US" altLang="zh-CN" dirty="0" err="1">
-                <a:latin typeface="微软雅黑" panose="020B0503020204020204" pitchFamily="34" charset="-122"/>
-                <a:ea typeface="微软雅黑" panose="020B0503020204020204" pitchFamily="34" charset="-122"/>
-              </a:rPr>
-              <a:t>HanLP</a:t>
-            </a:r>
-            <a:r>
-              <a:rPr lang="zh-CN" altLang="en-US" dirty="0">
-                <a:latin typeface="微软雅黑" panose="020B0503020204020204" pitchFamily="34" charset="-122"/>
-                <a:ea typeface="微软雅黑" panose="020B0503020204020204" pitchFamily="34" charset="-122"/>
-              </a:rPr>
-              <a:t>的默认分词器</a:t>
+              <a:rPr lang="zh-CN" altLang="en-US" b="1" dirty="0">
+                <a:solidFill>
+                  <a:srgbClr val="FF0000"/>
+                </a:solidFill>
+                <a:latin typeface="微软雅黑" panose="020B0503020204020204" pitchFamily="34" charset="-122"/>
+                <a:ea typeface="微软雅黑" panose="020B0503020204020204" pitchFamily="34" charset="-122"/>
+              </a:rPr>
+              <a:t>繁转简</a:t>
+            </a:r>
+            <a:r>
+              <a:rPr lang="en-US" altLang="zh-CN" b="1" dirty="0">
+                <a:solidFill>
+                  <a:srgbClr val="FF0000"/>
+                </a:solidFill>
+                <a:latin typeface="微软雅黑" panose="020B0503020204020204" pitchFamily="34" charset="-122"/>
+                <a:ea typeface="微软雅黑" panose="020B0503020204020204" pitchFamily="34" charset="-122"/>
+              </a:rPr>
+              <a:t>+</a:t>
+            </a:r>
+            <a:r>
+              <a:rPr lang="zh-CN" altLang="en-US" b="1" dirty="0">
+                <a:solidFill>
+                  <a:srgbClr val="FF0000"/>
+                </a:solidFill>
+                <a:latin typeface="微软雅黑" panose="020B0503020204020204" pitchFamily="34" charset="-122"/>
+                <a:ea typeface="微软雅黑" panose="020B0503020204020204" pitchFamily="34" charset="-122"/>
+              </a:rPr>
+              <a:t>正确的断句</a:t>
+            </a:r>
+            <a:r>
+              <a:rPr lang="en-US" altLang="zh-CN" b="1" dirty="0">
+                <a:solidFill>
+                  <a:srgbClr val="FF0000"/>
+                </a:solidFill>
+                <a:latin typeface="微软雅黑" panose="020B0503020204020204" pitchFamily="34" charset="-122"/>
+                <a:ea typeface="微软雅黑" panose="020B0503020204020204" pitchFamily="34" charset="-122"/>
+              </a:rPr>
+              <a:t>+</a:t>
+            </a:r>
+            <a:r>
+              <a:rPr lang="zh-CN" altLang="en-US" b="1" dirty="0">
+                <a:solidFill>
+                  <a:srgbClr val="FF0000"/>
+                </a:solidFill>
+                <a:latin typeface="微软雅黑" panose="020B0503020204020204" pitchFamily="34" charset="-122"/>
+                <a:ea typeface="微软雅黑" panose="020B0503020204020204" pitchFamily="34" charset="-122"/>
+              </a:rPr>
+              <a:t>去除英文断落</a:t>
             </a:r>
           </a:p>
         </p:txBody>
@@ -5471,7 +8964,7 @@
     </p:spTree>
     <p:extLst>
       <p:ext uri="{BB962C8B-B14F-4D97-AF65-F5344CB8AC3E}">
-        <p14:creationId xmlns:p14="http://schemas.microsoft.com/office/powerpoint/2010/main" val="3679346587"/>
+        <p14:creationId xmlns:p14="http://schemas.microsoft.com/office/powerpoint/2010/main" val="3573189343"/>
       </p:ext>
     </p:extLst>
   </p:cSld>
@@ -5512,8 +9005,8 @@
         </p:nvSpPr>
         <p:spPr>
           <a:xfrm>
-            <a:off x="377857" y="547433"/>
-            <a:ext cx="1620958" cy="523220"/>
+            <a:off x="286228" y="535076"/>
+            <a:ext cx="2496197" cy="523220"/>
           </a:xfrm>
           <a:prstGeom prst="rect">
             <a:avLst/>
@@ -5531,17 +9024,70 @@
                 <a:latin typeface="微软雅黑" panose="020B0503020204020204" pitchFamily="34" charset="-122"/>
                 <a:ea typeface="微软雅黑" panose="020B0503020204020204" pitchFamily="34" charset="-122"/>
               </a:rPr>
-              <a:t>短语提取</a:t>
-            </a:r>
-          </a:p>
-        </p:txBody>
-      </p:sp>
-      <p:sp>
-        <p:nvSpPr>
-          <p:cNvPr id="6" name="文本框 5">
-            <a:extLst>
-              <a:ext uri="{FF2B5EF4-FFF2-40B4-BE49-F238E27FC236}">
-                <a16:creationId xmlns:a16="http://schemas.microsoft.com/office/drawing/2014/main" id="{19F661B6-5ED9-423E-9188-CB8471D102B3}"/>
+              <a:t>清理逻辑</a:t>
+            </a:r>
+            <a:r>
+              <a:rPr lang="en-US" altLang="zh-CN" sz="2800" b="1" dirty="0">
+                <a:latin typeface="微软雅黑" panose="020B0503020204020204" pitchFamily="34" charset="-122"/>
+                <a:ea typeface="微软雅黑" panose="020B0503020204020204" pitchFamily="34" charset="-122"/>
+              </a:rPr>
+              <a:t>-</a:t>
+            </a:r>
+            <a:r>
+              <a:rPr lang="zh-CN" altLang="en-US" sz="2800" b="1" dirty="0">
+                <a:latin typeface="微软雅黑" panose="020B0503020204020204" pitchFamily="34" charset="-122"/>
+                <a:ea typeface="微软雅黑" panose="020B0503020204020204" pitchFamily="34" charset="-122"/>
+              </a:rPr>
+              <a:t>示例</a:t>
+            </a:r>
+          </a:p>
+        </p:txBody>
+      </p:sp>
+      <p:pic>
+        <p:nvPicPr>
+          <p:cNvPr id="4" name="图形 3" descr="箭头: 轻微弯曲">
+            <a:extLst>
+              <a:ext uri="{FF2B5EF4-FFF2-40B4-BE49-F238E27FC236}">
+                <a16:creationId xmlns:a16="http://schemas.microsoft.com/office/drawing/2014/main" id="{240CED3D-083D-4A3E-9EDA-C280E14074B8}"/>
+              </a:ext>
+            </a:extLst>
+          </p:cNvPr>
+          <p:cNvPicPr>
+            <a:picLocks noChangeAspect="1"/>
+          </p:cNvPicPr>
+          <p:nvPr/>
+        </p:nvPicPr>
+        <p:blipFill>
+          <a:blip r:embed="rId2">
+            <a:extLst>
+              <a:ext uri="{28A0092B-C50C-407E-A947-70E740481C1C}">
+                <a14:useLocalDpi xmlns:a14="http://schemas.microsoft.com/office/drawing/2010/main" val="0"/>
+              </a:ext>
+              <a:ext uri="{96DAC541-7B7A-43D3-8B79-37D633B846F1}">
+                <asvg:svgBlip xmlns:asvg="http://schemas.microsoft.com/office/drawing/2016/SVG/main" r:embed="rId3"/>
+              </a:ext>
+            </a:extLst>
+          </a:blip>
+          <a:stretch>
+            <a:fillRect/>
+          </a:stretch>
+        </p:blipFill>
+        <p:spPr>
+          <a:xfrm>
+            <a:off x="5330316" y="2718324"/>
+            <a:ext cx="914400" cy="914400"/>
+          </a:xfrm>
+          <a:prstGeom prst="rect">
+            <a:avLst/>
+          </a:prstGeom>
+        </p:spPr>
+      </p:pic>
+      <p:sp>
+        <p:nvSpPr>
+          <p:cNvPr id="8" name="文本框 7">
+            <a:extLst>
+              <a:ext uri="{FF2B5EF4-FFF2-40B4-BE49-F238E27FC236}">
+                <a16:creationId xmlns:a16="http://schemas.microsoft.com/office/drawing/2014/main" id="{831AB14F-85B2-44F9-A134-9A75AE94BCA2}"/>
               </a:ext>
             </a:extLst>
           </p:cNvPr>
@@ -5550,8 +9096,8 @@
         </p:nvSpPr>
         <p:spPr>
           <a:xfrm>
-            <a:off x="821801" y="1377387"/>
-            <a:ext cx="10475089" cy="3416320"/>
+            <a:off x="7127381" y="2990858"/>
+            <a:ext cx="2954655" cy="369332"/>
           </a:xfrm>
           <a:prstGeom prst="rect">
             <a:avLst/>
@@ -5559,335 +9105,335 @@
           <a:noFill/>
         </p:spPr>
         <p:txBody>
-          <a:bodyPr wrap="square" rtlCol="0">
+          <a:bodyPr wrap="none" rtlCol="0">
             <a:spAutoFit/>
           </a:bodyPr>
           <a:lstStyle/>
           <a:p>
             <a:r>
-              <a:rPr lang="zh-CN" altLang="en-US" dirty="0">
-                <a:latin typeface="微软雅黑" panose="020B0503020204020204" pitchFamily="34" charset="-122"/>
-                <a:ea typeface="微软雅黑" panose="020B0503020204020204" pitchFamily="34" charset="-122"/>
-              </a:rPr>
-              <a:t>分词器存在切分太散的问题，我们希望实体词以完整的形式保留，能够尽可能表达语义。因此我们需要对一些短语进行合并，主要是名词短语（</a:t>
-            </a:r>
-            <a:r>
-              <a:rPr lang="en-US" altLang="zh-CN" dirty="0">
-                <a:latin typeface="微软雅黑" panose="020B0503020204020204" pitchFamily="34" charset="-122"/>
-                <a:ea typeface="微软雅黑" panose="020B0503020204020204" pitchFamily="34" charset="-122"/>
-              </a:rPr>
-              <a:t>Noun Chunking</a:t>
-            </a:r>
-            <a:r>
-              <a:rPr lang="zh-CN" altLang="en-US" dirty="0">
-                <a:latin typeface="微软雅黑" panose="020B0503020204020204" pitchFamily="34" charset="-122"/>
-                <a:ea typeface="微软雅黑" panose="020B0503020204020204" pitchFamily="34" charset="-122"/>
-              </a:rPr>
-              <a:t>）</a:t>
-            </a:r>
-            <a:endParaRPr lang="en-US" altLang="zh-CN" dirty="0">
+              <a:rPr lang="zh-CN" altLang="en-US" b="1" dirty="0">
+                <a:solidFill>
+                  <a:srgbClr val="FF0000"/>
+                </a:solidFill>
+                <a:latin typeface="微软雅黑" panose="020B0503020204020204" pitchFamily="34" charset="-122"/>
+                <a:ea typeface="微软雅黑" panose="020B0503020204020204" pitchFamily="34" charset="-122"/>
+              </a:rPr>
+              <a:t>去除不同类型的目录和表格</a:t>
+            </a:r>
+          </a:p>
+        </p:txBody>
+      </p:sp>
+      <p:sp>
+        <p:nvSpPr>
+          <p:cNvPr id="9" name="矩形 8">
+            <a:extLst>
+              <a:ext uri="{FF2B5EF4-FFF2-40B4-BE49-F238E27FC236}">
+                <a16:creationId xmlns:a16="http://schemas.microsoft.com/office/drawing/2014/main" id="{FBCECFD3-E781-453D-A818-2097207C134E}"/>
+              </a:ext>
+            </a:extLst>
+          </p:cNvPr>
+          <p:cNvSpPr/>
+          <p:nvPr/>
+        </p:nvSpPr>
+        <p:spPr>
+          <a:xfrm>
+            <a:off x="866775" y="1445716"/>
+            <a:ext cx="6096000" cy="4339650"/>
+          </a:xfrm>
+          <a:prstGeom prst="rect">
+            <a:avLst/>
+          </a:prstGeom>
+        </p:spPr>
+        <p:txBody>
+          <a:bodyPr>
+            <a:spAutoFit/>
+          </a:bodyPr>
+          <a:lstStyle/>
+          <a:p>
+            <a:r>
+              <a:rPr lang="zh-CN" altLang="en-US" sz="1200" dirty="0">
+                <a:latin typeface="微软雅黑" panose="020B0503020204020204" pitchFamily="34" charset="-122"/>
+                <a:ea typeface="微软雅黑" panose="020B0503020204020204" pitchFamily="34" charset="-122"/>
+              </a:rPr>
+              <a:t>目录</a:t>
+            </a:r>
+          </a:p>
+          <a:p>
+            <a:endParaRPr lang="zh-CN" altLang="en-US" sz="1200" dirty="0">
               <a:latin typeface="微软雅黑" panose="020B0503020204020204" pitchFamily="34" charset="-122"/>
               <a:ea typeface="微软雅黑" panose="020B0503020204020204" pitchFamily="34" charset="-122"/>
             </a:endParaRPr>
           </a:p>
           <a:p>
-            <a:endParaRPr lang="en-US" altLang="zh-CN" dirty="0">
+            <a:r>
+              <a:rPr lang="zh-CN" altLang="en-US" sz="1200" dirty="0">
+                <a:latin typeface="微软雅黑" panose="020B0503020204020204" pitchFamily="34" charset="-122"/>
+                <a:ea typeface="微软雅黑" panose="020B0503020204020204" pitchFamily="34" charset="-122"/>
+              </a:rPr>
+              <a:t>前言..................................3</a:t>
+            </a:r>
+          </a:p>
+          <a:p>
+            <a:endParaRPr lang="zh-CN" altLang="en-US" sz="1200" dirty="0">
               <a:latin typeface="微软雅黑" panose="020B0503020204020204" pitchFamily="34" charset="-122"/>
               <a:ea typeface="微软雅黑" panose="020B0503020204020204" pitchFamily="34" charset="-122"/>
             </a:endParaRPr>
           </a:p>
           <a:p>
             <a:r>
-              <a:rPr lang="zh-CN" altLang="en-US" dirty="0">
-                <a:latin typeface="微软雅黑" panose="020B0503020204020204" pitchFamily="34" charset="-122"/>
-                <a:ea typeface="微软雅黑" panose="020B0503020204020204" pitchFamily="34" charset="-122"/>
-              </a:rPr>
-              <a:t>目前采取以下方式来提取合理的短语：</a:t>
-            </a:r>
-          </a:p>
-          <a:p>
-            <a:endParaRPr lang="zh-CN" altLang="en-US" dirty="0">
+              <a:rPr lang="zh-CN" altLang="en-US" sz="1200" dirty="0">
+                <a:latin typeface="微软雅黑" panose="020B0503020204020204" pitchFamily="34" charset="-122"/>
+                <a:ea typeface="微软雅黑" panose="020B0503020204020204" pitchFamily="34" charset="-122"/>
+              </a:rPr>
+              <a:t>关于我们................................4</a:t>
+            </a:r>
+          </a:p>
+          <a:p>
+            <a:endParaRPr lang="zh-CN" altLang="en-US" sz="1200" dirty="0">
               <a:latin typeface="微软雅黑" panose="020B0503020204020204" pitchFamily="34" charset="-122"/>
               <a:ea typeface="微软雅黑" panose="020B0503020204020204" pitchFamily="34" charset="-122"/>
             </a:endParaRPr>
           </a:p>
           <a:p>
-            <a:pPr marL="742950" lvl="1" indent="-285750">
-              <a:buFont typeface="Arial" panose="020B0604020202020204" pitchFamily="34" charset="0"/>
-              <a:buChar char="•"/>
-            </a:pPr>
-            <a:r>
-              <a:rPr lang="en-US" altLang="zh-CN" dirty="0" err="1">
-                <a:latin typeface="微软雅黑" panose="020B0503020204020204" pitchFamily="34" charset="-122"/>
-                <a:ea typeface="微软雅黑" panose="020B0503020204020204" pitchFamily="34" charset="-122"/>
-              </a:rPr>
-              <a:t>n_gram</a:t>
-            </a:r>
-            <a:r>
-              <a:rPr lang="zh-CN" altLang="en-US" dirty="0">
-                <a:latin typeface="微软雅黑" panose="020B0503020204020204" pitchFamily="34" charset="-122"/>
-                <a:ea typeface="微软雅黑" panose="020B0503020204020204" pitchFamily="34" charset="-122"/>
-              </a:rPr>
-              <a:t>的词性过滤提取</a:t>
-            </a:r>
-            <a:r>
-              <a:rPr lang="en-US" altLang="zh-CN" dirty="0">
-                <a:latin typeface="微软雅黑" panose="020B0503020204020204" pitchFamily="34" charset="-122"/>
-                <a:ea typeface="微软雅黑" panose="020B0503020204020204" pitchFamily="34" charset="-122"/>
-              </a:rPr>
-              <a:t>+</a:t>
-            </a:r>
-            <a:r>
-              <a:rPr lang="zh-CN" altLang="en-US" dirty="0">
-                <a:latin typeface="微软雅黑" panose="020B0503020204020204" pitchFamily="34" charset="-122"/>
-                <a:ea typeface="微软雅黑" panose="020B0503020204020204" pitchFamily="34" charset="-122"/>
-              </a:rPr>
-              <a:t>邻词生成</a:t>
-            </a:r>
-          </a:p>
-          <a:p>
-            <a:pPr marL="742950" lvl="1" indent="-285750">
-              <a:buFont typeface="Arial" panose="020B0604020202020204" pitchFamily="34" charset="0"/>
-              <a:buChar char="•"/>
-            </a:pPr>
-            <a:r>
-              <a:rPr lang="zh-CN" altLang="en-US" dirty="0">
-                <a:latin typeface="微软雅黑" panose="020B0503020204020204" pitchFamily="34" charset="-122"/>
-                <a:ea typeface="微软雅黑" panose="020B0503020204020204" pitchFamily="34" charset="-122"/>
-              </a:rPr>
-              <a:t>统计词频（</a:t>
-            </a:r>
-            <a:r>
-              <a:rPr lang="en-US" altLang="zh-CN" dirty="0">
-                <a:latin typeface="微软雅黑" panose="020B0503020204020204" pitchFamily="34" charset="-122"/>
-                <a:ea typeface="微软雅黑" panose="020B0503020204020204" pitchFamily="34" charset="-122"/>
-              </a:rPr>
-              <a:t>gram</a:t>
-            </a:r>
-            <a:r>
-              <a:rPr lang="zh-CN" altLang="en-US" dirty="0">
-                <a:latin typeface="微软雅黑" panose="020B0503020204020204" pitchFamily="34" charset="-122"/>
-                <a:ea typeface="微软雅黑" panose="020B0503020204020204" pitchFamily="34" charset="-122"/>
-              </a:rPr>
-              <a:t>，</a:t>
-            </a:r>
-            <a:r>
-              <a:rPr lang="en-US" altLang="zh-CN" dirty="0">
-                <a:latin typeface="微软雅黑" panose="020B0503020204020204" pitchFamily="34" charset="-122"/>
-                <a:ea typeface="微软雅黑" panose="020B0503020204020204" pitchFamily="34" charset="-122"/>
-              </a:rPr>
-              <a:t>word1</a:t>
-            </a:r>
-            <a:r>
-              <a:rPr lang="zh-CN" altLang="en-US" dirty="0">
-                <a:latin typeface="微软雅黑" panose="020B0503020204020204" pitchFamily="34" charset="-122"/>
-                <a:ea typeface="微软雅黑" panose="020B0503020204020204" pitchFamily="34" charset="-122"/>
-              </a:rPr>
-              <a:t>，</a:t>
-            </a:r>
-            <a:r>
-              <a:rPr lang="en-US" altLang="zh-CN" dirty="0">
-                <a:latin typeface="微软雅黑" panose="020B0503020204020204" pitchFamily="34" charset="-122"/>
-                <a:ea typeface="微软雅黑" panose="020B0503020204020204" pitchFamily="34" charset="-122"/>
-              </a:rPr>
-              <a:t>word2</a:t>
-            </a:r>
-            <a:r>
-              <a:rPr lang="zh-CN" altLang="en-US" dirty="0">
-                <a:latin typeface="微软雅黑" panose="020B0503020204020204" pitchFamily="34" charset="-122"/>
-                <a:ea typeface="微软雅黑" panose="020B0503020204020204" pitchFamily="34" charset="-122"/>
-              </a:rPr>
-              <a:t>，邻词），过滤</a:t>
-            </a:r>
-            <a:r>
-              <a:rPr lang="en-US" altLang="zh-CN" dirty="0">
-                <a:latin typeface="微软雅黑" panose="020B0503020204020204" pitchFamily="34" charset="-122"/>
-                <a:ea typeface="微软雅黑" panose="020B0503020204020204" pitchFamily="34" charset="-122"/>
-              </a:rPr>
-              <a:t>gram</a:t>
-            </a:r>
-            <a:r>
-              <a:rPr lang="zh-CN" altLang="en-US" dirty="0">
-                <a:latin typeface="微软雅黑" panose="020B0503020204020204" pitchFamily="34" charset="-122"/>
-                <a:ea typeface="微软雅黑" panose="020B0503020204020204" pitchFamily="34" charset="-122"/>
-              </a:rPr>
-              <a:t>词频和中心词词频</a:t>
-            </a:r>
-          </a:p>
-          <a:p>
-            <a:pPr marL="742950" lvl="1" indent="-285750">
-              <a:buFont typeface="Arial" panose="020B0604020202020204" pitchFamily="34" charset="0"/>
-              <a:buChar char="•"/>
-            </a:pPr>
-            <a:r>
-              <a:rPr lang="zh-CN" altLang="en-US" dirty="0">
-                <a:latin typeface="微软雅黑" panose="020B0503020204020204" pitchFamily="34" charset="-122"/>
-                <a:ea typeface="微软雅黑" panose="020B0503020204020204" pitchFamily="34" charset="-122"/>
-              </a:rPr>
-              <a:t>计算每个</a:t>
-            </a:r>
-            <a:r>
-              <a:rPr lang="en-US" altLang="zh-CN" dirty="0">
-                <a:latin typeface="微软雅黑" panose="020B0503020204020204" pitchFamily="34" charset="-122"/>
-                <a:ea typeface="微软雅黑" panose="020B0503020204020204" pitchFamily="34" charset="-122"/>
-              </a:rPr>
-              <a:t>gram</a:t>
-            </a:r>
-            <a:r>
-              <a:rPr lang="zh-CN" altLang="en-US" dirty="0">
-                <a:latin typeface="微软雅黑" panose="020B0503020204020204" pitchFamily="34" charset="-122"/>
-                <a:ea typeface="微软雅黑" panose="020B0503020204020204" pitchFamily="34" charset="-122"/>
-              </a:rPr>
-              <a:t>的点间互信息（</a:t>
-            </a:r>
-            <a:r>
-              <a:rPr lang="en-US" altLang="zh-CN" dirty="0">
-                <a:latin typeface="微软雅黑" panose="020B0503020204020204" pitchFamily="34" charset="-122"/>
-                <a:ea typeface="微软雅黑" panose="020B0503020204020204" pitchFamily="34" charset="-122"/>
-              </a:rPr>
-              <a:t>Pointwise Mutual Information</a:t>
-            </a:r>
-            <a:r>
-              <a:rPr lang="zh-CN" altLang="en-US" dirty="0">
-                <a:latin typeface="微软雅黑" panose="020B0503020204020204" pitchFamily="34" charset="-122"/>
-                <a:ea typeface="微软雅黑" panose="020B0503020204020204" pitchFamily="34" charset="-122"/>
-              </a:rPr>
-              <a:t>）</a:t>
-            </a:r>
-          </a:p>
-          <a:p>
-            <a:pPr marL="742950" lvl="1" indent="-285750">
-              <a:buFont typeface="Arial" panose="020B0604020202020204" pitchFamily="34" charset="0"/>
-              <a:buChar char="•"/>
-            </a:pPr>
-            <a:r>
-              <a:rPr lang="zh-CN" altLang="en-US" dirty="0">
-                <a:latin typeface="微软雅黑" panose="020B0503020204020204" pitchFamily="34" charset="-122"/>
-                <a:ea typeface="微软雅黑" panose="020B0503020204020204" pitchFamily="34" charset="-122"/>
-              </a:rPr>
-              <a:t>计算每个</a:t>
-            </a:r>
-            <a:r>
-              <a:rPr lang="en-US" altLang="zh-CN" dirty="0">
-                <a:latin typeface="微软雅黑" panose="020B0503020204020204" pitchFamily="34" charset="-122"/>
-                <a:ea typeface="微软雅黑" panose="020B0503020204020204" pitchFamily="34" charset="-122"/>
-              </a:rPr>
-              <a:t>gram</a:t>
-            </a:r>
-            <a:r>
-              <a:rPr lang="zh-CN" altLang="en-US" dirty="0">
-                <a:latin typeface="微软雅黑" panose="020B0503020204020204" pitchFamily="34" charset="-122"/>
-                <a:ea typeface="微软雅黑" panose="020B0503020204020204" pitchFamily="34" charset="-122"/>
-              </a:rPr>
-              <a:t>的左右词的信息熵</a:t>
-            </a:r>
-          </a:p>
-          <a:p>
-            <a:pPr marL="742950" lvl="1" indent="-285750">
-              <a:buFont typeface="Arial" panose="020B0604020202020204" pitchFamily="34" charset="0"/>
-              <a:buChar char="•"/>
-            </a:pPr>
-            <a:r>
-              <a:rPr lang="zh-CN" altLang="en-US" dirty="0">
-                <a:latin typeface="微软雅黑" panose="020B0503020204020204" pitchFamily="34" charset="-122"/>
-                <a:ea typeface="微软雅黑" panose="020B0503020204020204" pitchFamily="34" charset="-122"/>
-              </a:rPr>
-              <a:t>将词频，互信息，邻词信息熵和放缩到</a:t>
-            </a:r>
-            <a:r>
-              <a:rPr lang="en-US" altLang="zh-CN" dirty="0">
-                <a:latin typeface="微软雅黑" panose="020B0503020204020204" pitchFamily="34" charset="-122"/>
-                <a:ea typeface="微软雅黑" panose="020B0503020204020204" pitchFamily="34" charset="-122"/>
-              </a:rPr>
-              <a:t>[0,1]</a:t>
-            </a:r>
-            <a:r>
-              <a:rPr lang="zh-CN" altLang="en-US" dirty="0">
-                <a:latin typeface="微软雅黑" panose="020B0503020204020204" pitchFamily="34" charset="-122"/>
-                <a:ea typeface="微软雅黑" panose="020B0503020204020204" pitchFamily="34" charset="-122"/>
-              </a:rPr>
-              <a:t>，加权求和，权重系数为</a:t>
-            </a:r>
-            <a:r>
-              <a:rPr lang="en-US" altLang="zh-CN" dirty="0">
-                <a:latin typeface="微软雅黑" panose="020B0503020204020204" pitchFamily="34" charset="-122"/>
-                <a:ea typeface="微软雅黑" panose="020B0503020204020204" pitchFamily="34" charset="-122"/>
-              </a:rPr>
-              <a:t>0.4,0.4,0.2</a:t>
-            </a:r>
-            <a:r>
-              <a:rPr lang="zh-CN" altLang="en-US" dirty="0">
-                <a:latin typeface="微软雅黑" panose="020B0503020204020204" pitchFamily="34" charset="-122"/>
-                <a:ea typeface="微软雅黑" panose="020B0503020204020204" pitchFamily="34" charset="-122"/>
-              </a:rPr>
-              <a:t>，得到每个</a:t>
-            </a:r>
-            <a:r>
-              <a:rPr lang="en-US" altLang="zh-CN" dirty="0">
-                <a:latin typeface="微软雅黑" panose="020B0503020204020204" pitchFamily="34" charset="-122"/>
-                <a:ea typeface="微软雅黑" panose="020B0503020204020204" pitchFamily="34" charset="-122"/>
-              </a:rPr>
-              <a:t>gram</a:t>
-            </a:r>
-            <a:r>
-              <a:rPr lang="zh-CN" altLang="en-US" dirty="0">
-                <a:latin typeface="微软雅黑" panose="020B0503020204020204" pitchFamily="34" charset="-122"/>
-                <a:ea typeface="微软雅黑" panose="020B0503020204020204" pitchFamily="34" charset="-122"/>
-              </a:rPr>
-              <a:t>的分数</a:t>
-            </a:r>
-            <a:endParaRPr lang="en-US" altLang="zh-CN" dirty="0">
+            <a:r>
+              <a:rPr lang="zh-CN" altLang="en-US" sz="1200" dirty="0">
+                <a:latin typeface="微软雅黑" panose="020B0503020204020204" pitchFamily="34" charset="-122"/>
+                <a:ea typeface="微软雅黑" panose="020B0503020204020204" pitchFamily="34" charset="-122"/>
+              </a:rPr>
+              <a:t>第一节公司简介...........................4</a:t>
+            </a:r>
+          </a:p>
+          <a:p>
+            <a:endParaRPr lang="zh-CN" altLang="en-US" sz="1200" dirty="0">
               <a:latin typeface="微软雅黑" panose="020B0503020204020204" pitchFamily="34" charset="-122"/>
               <a:ea typeface="微软雅黑" panose="020B0503020204020204" pitchFamily="34" charset="-122"/>
             </a:endParaRPr>
           </a:p>
           <a:p>
-            <a:pPr marL="742950" lvl="1" indent="-285750">
-              <a:buFont typeface="Arial" panose="020B0604020202020204" pitchFamily="34" charset="0"/>
-              <a:buChar char="•"/>
-            </a:pPr>
-            <a:r>
-              <a:rPr lang="zh-CN" altLang="en-US" dirty="0">
-                <a:latin typeface="微软雅黑" panose="020B0503020204020204" pitchFamily="34" charset="-122"/>
-                <a:ea typeface="微软雅黑" panose="020B0503020204020204" pitchFamily="34" charset="-122"/>
-              </a:rPr>
-              <a:t>取分数靠前的前</a:t>
-            </a:r>
-            <a:r>
-              <a:rPr lang="en-US" altLang="zh-CN" dirty="0">
-                <a:latin typeface="微软雅黑" panose="020B0503020204020204" pitchFamily="34" charset="-122"/>
-                <a:ea typeface="微软雅黑" panose="020B0503020204020204" pitchFamily="34" charset="-122"/>
-              </a:rPr>
-              <a:t>50%</a:t>
-            </a:r>
-            <a:r>
-              <a:rPr lang="zh-CN" altLang="en-US" dirty="0">
-                <a:latin typeface="微软雅黑" panose="020B0503020204020204" pitchFamily="34" charset="-122"/>
-                <a:ea typeface="微软雅黑" panose="020B0503020204020204" pitchFamily="34" charset="-122"/>
-              </a:rPr>
-              <a:t>的</a:t>
-            </a:r>
-            <a:r>
-              <a:rPr lang="en-US" altLang="zh-CN" dirty="0">
-                <a:latin typeface="微软雅黑" panose="020B0503020204020204" pitchFamily="34" charset="-122"/>
-                <a:ea typeface="微软雅黑" panose="020B0503020204020204" pitchFamily="34" charset="-122"/>
-              </a:rPr>
-              <a:t>gram</a:t>
-            </a:r>
-            <a:r>
-              <a:rPr lang="zh-CN" altLang="en-US" dirty="0">
-                <a:latin typeface="微软雅黑" panose="020B0503020204020204" pitchFamily="34" charset="-122"/>
-                <a:ea typeface="微软雅黑" panose="020B0503020204020204" pitchFamily="34" charset="-122"/>
-              </a:rPr>
-              <a:t>，再经过人工过滤，得到短语集合，加入到分词器的自定义字典中</a:t>
-            </a:r>
+            <a:r>
+              <a:rPr lang="zh-CN" altLang="en-US" sz="1200" dirty="0">
+                <a:latin typeface="微软雅黑" panose="020B0503020204020204" pitchFamily="34" charset="-122"/>
+                <a:ea typeface="微软雅黑" panose="020B0503020204020204" pitchFamily="34" charset="-122"/>
+              </a:rPr>
+              <a:t>第二节董事长致辞..........................6</a:t>
+            </a:r>
+          </a:p>
+          <a:p>
+            <a:endParaRPr lang="zh-CN" altLang="en-US" sz="1200" dirty="0">
+              <a:latin typeface="微软雅黑" panose="020B0503020204020204" pitchFamily="34" charset="-122"/>
+              <a:ea typeface="微软雅黑" panose="020B0503020204020204" pitchFamily="34" charset="-122"/>
+            </a:endParaRPr>
+          </a:p>
+          <a:p>
+            <a:r>
+              <a:rPr lang="zh-CN" altLang="en-US" sz="1200" dirty="0">
+                <a:latin typeface="微软雅黑" panose="020B0503020204020204" pitchFamily="34" charset="-122"/>
+                <a:ea typeface="微软雅黑" panose="020B0503020204020204" pitchFamily="34" charset="-122"/>
+              </a:rPr>
+              <a:t>第三节业务板块...........................8</a:t>
+            </a:r>
+          </a:p>
+          <a:p>
+            <a:endParaRPr lang="zh-CN" altLang="en-US" sz="1200" dirty="0">
+              <a:latin typeface="微软雅黑" panose="020B0503020204020204" pitchFamily="34" charset="-122"/>
+              <a:ea typeface="微软雅黑" panose="020B0503020204020204" pitchFamily="34" charset="-122"/>
+            </a:endParaRPr>
+          </a:p>
+          <a:p>
+            <a:r>
+              <a:rPr lang="zh-CN" altLang="en-US" sz="1200" dirty="0">
+                <a:latin typeface="微软雅黑" panose="020B0503020204020204" pitchFamily="34" charset="-122"/>
+                <a:ea typeface="微软雅黑" panose="020B0503020204020204" pitchFamily="34" charset="-122"/>
+              </a:rPr>
+              <a:t>第四节转型升级..........................16</a:t>
+            </a:r>
+          </a:p>
+          <a:p>
+            <a:endParaRPr lang="zh-CN" altLang="en-US" sz="1200" dirty="0">
+              <a:latin typeface="微软雅黑" panose="020B0503020204020204" pitchFamily="34" charset="-122"/>
+              <a:ea typeface="微软雅黑" panose="020B0503020204020204" pitchFamily="34" charset="-122"/>
+            </a:endParaRPr>
+          </a:p>
+          <a:p>
+            <a:r>
+              <a:rPr lang="zh-CN" altLang="en-US" sz="1200" dirty="0">
+                <a:latin typeface="微软雅黑" panose="020B0503020204020204" pitchFamily="34" charset="-122"/>
+                <a:ea typeface="微软雅黑" panose="020B0503020204020204" pitchFamily="34" charset="-122"/>
+              </a:rPr>
+              <a:t>第五节治理结构..........................17</a:t>
+            </a:r>
+            <a:endParaRPr lang="en-US" altLang="zh-CN" sz="1200" dirty="0">
+              <a:latin typeface="微软雅黑" panose="020B0503020204020204" pitchFamily="34" charset="-122"/>
+              <a:ea typeface="微软雅黑" panose="020B0503020204020204" pitchFamily="34" charset="-122"/>
+            </a:endParaRPr>
+          </a:p>
+          <a:p>
+            <a:endParaRPr lang="en-US" altLang="zh-CN" sz="1200" dirty="0">
+              <a:latin typeface="微软雅黑" panose="020B0503020204020204" pitchFamily="34" charset="-122"/>
+              <a:ea typeface="微软雅黑" panose="020B0503020204020204" pitchFamily="34" charset="-122"/>
+            </a:endParaRPr>
+          </a:p>
+          <a:p>
+            <a:r>
+              <a:rPr lang="zh-CN" altLang="en-US" sz="1200" dirty="0">
+                <a:latin typeface="微软雅黑" panose="020B0503020204020204" pitchFamily="34" charset="-122"/>
+                <a:ea typeface="微软雅黑" panose="020B0503020204020204" pitchFamily="34" charset="-122"/>
+              </a:rPr>
+              <a:t>第七节关键绩效表</a:t>
+            </a:r>
+          </a:p>
+          <a:p>
+            <a:endParaRPr lang="zh-CN" altLang="en-US" sz="1200" dirty="0">
+              <a:latin typeface="微软雅黑" panose="020B0503020204020204" pitchFamily="34" charset="-122"/>
+              <a:ea typeface="微软雅黑" panose="020B0503020204020204" pitchFamily="34" charset="-122"/>
+            </a:endParaRPr>
+          </a:p>
+          <a:p>
+            <a:r>
+              <a:rPr lang="zh-CN" altLang="en-US" sz="1200" dirty="0">
+                <a:latin typeface="微软雅黑" panose="020B0503020204020204" pitchFamily="34" charset="-122"/>
+                <a:ea typeface="微软雅黑" panose="020B0503020204020204" pitchFamily="34" charset="-122"/>
+              </a:rPr>
+              <a:t>一级指标	二级指标	</a:t>
+            </a:r>
+            <a:r>
+              <a:rPr lang="en-US" altLang="zh-CN" sz="1200" dirty="0">
+                <a:latin typeface="微软雅黑" panose="020B0503020204020204" pitchFamily="34" charset="-122"/>
+                <a:ea typeface="微软雅黑" panose="020B0503020204020204" pitchFamily="34" charset="-122"/>
+              </a:rPr>
+              <a:t>2015 </a:t>
+            </a:r>
+            <a:r>
+              <a:rPr lang="zh-CN" altLang="en-US" sz="1200" dirty="0">
+                <a:latin typeface="微软雅黑" panose="020B0503020204020204" pitchFamily="34" charset="-122"/>
+                <a:ea typeface="微软雅黑" panose="020B0503020204020204" pitchFamily="34" charset="-122"/>
+              </a:rPr>
+              <a:t>年	</a:t>
+            </a:r>
+            <a:r>
+              <a:rPr lang="en-US" altLang="zh-CN" sz="1200" dirty="0">
+                <a:latin typeface="微软雅黑" panose="020B0503020204020204" pitchFamily="34" charset="-122"/>
+                <a:ea typeface="微软雅黑" panose="020B0503020204020204" pitchFamily="34" charset="-122"/>
+              </a:rPr>
+              <a:t>2014 </a:t>
+            </a:r>
+            <a:r>
+              <a:rPr lang="zh-CN" altLang="en-US" sz="1200" dirty="0">
+                <a:latin typeface="微软雅黑" panose="020B0503020204020204" pitchFamily="34" charset="-122"/>
+                <a:ea typeface="微软雅黑" panose="020B0503020204020204" pitchFamily="34" charset="-122"/>
+              </a:rPr>
+              <a:t>年	</a:t>
+            </a:r>
+            <a:r>
+              <a:rPr lang="en-US" altLang="zh-CN" sz="1200" dirty="0">
+                <a:latin typeface="微软雅黑" panose="020B0503020204020204" pitchFamily="34" charset="-122"/>
+                <a:ea typeface="微软雅黑" panose="020B0503020204020204" pitchFamily="34" charset="-122"/>
+              </a:rPr>
+              <a:t>2013 </a:t>
+            </a:r>
+            <a:r>
+              <a:rPr lang="zh-CN" altLang="en-US" sz="1200" dirty="0">
+                <a:latin typeface="微软雅黑" panose="020B0503020204020204" pitchFamily="34" charset="-122"/>
+                <a:ea typeface="微软雅黑" panose="020B0503020204020204" pitchFamily="34" charset="-122"/>
+              </a:rPr>
+              <a:t>年</a:t>
+            </a:r>
+          </a:p>
+          <a:p>
+            <a:r>
+              <a:rPr lang="zh-CN" altLang="en-US" sz="1200" dirty="0">
+                <a:latin typeface="微软雅黑" panose="020B0503020204020204" pitchFamily="34" charset="-122"/>
+                <a:ea typeface="微软雅黑" panose="020B0503020204020204" pitchFamily="34" charset="-122"/>
+              </a:rPr>
+              <a:t>	总资产	</a:t>
+            </a:r>
+            <a:r>
+              <a:rPr lang="en-US" altLang="zh-CN" sz="1200" dirty="0">
+                <a:latin typeface="微软雅黑" panose="020B0503020204020204" pitchFamily="34" charset="-122"/>
+                <a:ea typeface="微软雅黑" panose="020B0503020204020204" pitchFamily="34" charset="-122"/>
+              </a:rPr>
+              <a:t>1,276.3	1,049.0	863.3</a:t>
+            </a:r>
+          </a:p>
+          <a:p>
+            <a:r>
+              <a:rPr lang="en-US" altLang="zh-CN" sz="1200" dirty="0">
+                <a:latin typeface="微软雅黑" panose="020B0503020204020204" pitchFamily="34" charset="-122"/>
+                <a:ea typeface="微软雅黑" panose="020B0503020204020204" pitchFamily="34" charset="-122"/>
+              </a:rPr>
+              <a:t>	</a:t>
+            </a:r>
+            <a:r>
+              <a:rPr lang="zh-CN" altLang="en-US" sz="1200" dirty="0">
+                <a:latin typeface="微软雅黑" panose="020B0503020204020204" pitchFamily="34" charset="-122"/>
+                <a:ea typeface="微软雅黑" panose="020B0503020204020204" pitchFamily="34" charset="-122"/>
+              </a:rPr>
+              <a:t>销售收入	</a:t>
+            </a:r>
+            <a:r>
+              <a:rPr lang="en-US" altLang="zh-CN" sz="1200" dirty="0">
+                <a:latin typeface="微软雅黑" panose="020B0503020204020204" pitchFamily="34" charset="-122"/>
+                <a:ea typeface="微软雅黑" panose="020B0503020204020204" pitchFamily="34" charset="-122"/>
+              </a:rPr>
+              <a:t>822.7	716.1	595.3</a:t>
+            </a:r>
+          </a:p>
+          <a:p>
+            <a:r>
+              <a:rPr lang="en-US" altLang="zh-CN" sz="1200" dirty="0">
+                <a:latin typeface="微软雅黑" panose="020B0503020204020204" pitchFamily="34" charset="-122"/>
+                <a:ea typeface="微软雅黑" panose="020B0503020204020204" pitchFamily="34" charset="-122"/>
+              </a:rPr>
+              <a:t>	</a:t>
+            </a:r>
+            <a:r>
+              <a:rPr lang="zh-CN" altLang="en-US" sz="1200" dirty="0">
+                <a:latin typeface="微软雅黑" panose="020B0503020204020204" pitchFamily="34" charset="-122"/>
+                <a:ea typeface="微软雅黑" panose="020B0503020204020204" pitchFamily="34" charset="-122"/>
+              </a:rPr>
+              <a:t>净利润	</a:t>
+            </a:r>
+            <a:r>
+              <a:rPr lang="en-US" altLang="zh-CN" sz="1200" dirty="0">
+                <a:latin typeface="微软雅黑" panose="020B0503020204020204" pitchFamily="34" charset="-122"/>
+                <a:ea typeface="微软雅黑" panose="020B0503020204020204" pitchFamily="34" charset="-122"/>
+              </a:rPr>
+              <a:t>34.3	28.0	19.6</a:t>
+            </a:r>
+          </a:p>
+          <a:p>
+            <a:r>
+              <a:rPr lang="en-US" altLang="zh-CN" sz="1200" dirty="0">
+                <a:latin typeface="微软雅黑" panose="020B0503020204020204" pitchFamily="34" charset="-122"/>
+                <a:ea typeface="微软雅黑" panose="020B0503020204020204" pitchFamily="34" charset="-122"/>
+              </a:rPr>
+              <a:t>	</a:t>
+            </a:r>
+            <a:r>
+              <a:rPr lang="zh-CN" altLang="en-US" sz="1200" dirty="0">
+                <a:latin typeface="微软雅黑" panose="020B0503020204020204" pitchFamily="34" charset="-122"/>
+                <a:ea typeface="微软雅黑" panose="020B0503020204020204" pitchFamily="34" charset="-122"/>
+              </a:rPr>
+              <a:t>资产负债率	</a:t>
+            </a:r>
+            <a:r>
+              <a:rPr lang="en-US" altLang="zh-CN" sz="1200" dirty="0">
+                <a:latin typeface="微软雅黑" panose="020B0503020204020204" pitchFamily="34" charset="-122"/>
+                <a:ea typeface="微软雅黑" panose="020B0503020204020204" pitchFamily="34" charset="-122"/>
+              </a:rPr>
+              <a:t>77.9%	77.0%	79.4%</a:t>
+            </a:r>
+            <a:endParaRPr lang="zh-CN" altLang="en-US" sz="1200" dirty="0">
+              <a:latin typeface="微软雅黑" panose="020B0503020204020204" pitchFamily="34" charset="-122"/>
+              <a:ea typeface="微软雅黑" panose="020B0503020204020204" pitchFamily="34" charset="-122"/>
+            </a:endParaRPr>
           </a:p>
         </p:txBody>
       </p:sp>
     </p:spTree>
     <p:extLst>
       <p:ext uri="{BB962C8B-B14F-4D97-AF65-F5344CB8AC3E}">
-        <p14:creationId xmlns:p14="http://schemas.microsoft.com/office/powerpoint/2010/main" val="443795654"/>
+        <p14:creationId xmlns:p14="http://schemas.microsoft.com/office/powerpoint/2010/main" val="887732635"/>
       </p:ext>
     </p:extLst>
   </p:cSld>
@@ -5928,8 +9474,8 @@
         </p:nvSpPr>
         <p:spPr>
           <a:xfrm>
-            <a:off x="377856" y="547433"/>
-            <a:ext cx="1620958" cy="523220"/>
+            <a:off x="286228" y="535076"/>
+            <a:ext cx="2496197" cy="523220"/>
           </a:xfrm>
           <a:prstGeom prst="rect">
             <a:avLst/>
@@ -5947,17 +9493,130 @@
                 <a:latin typeface="微软雅黑" panose="020B0503020204020204" pitchFamily="34" charset="-122"/>
                 <a:ea typeface="微软雅黑" panose="020B0503020204020204" pitchFamily="34" charset="-122"/>
               </a:rPr>
-              <a:t>过滤逻辑</a:t>
-            </a:r>
-          </a:p>
-        </p:txBody>
-      </p:sp>
-      <p:sp>
-        <p:nvSpPr>
-          <p:cNvPr id="6" name="文本框 5">
-            <a:extLst>
-              <a:ext uri="{FF2B5EF4-FFF2-40B4-BE49-F238E27FC236}">
-                <a16:creationId xmlns:a16="http://schemas.microsoft.com/office/drawing/2014/main" id="{19F661B6-5ED9-423E-9188-CB8471D102B3}"/>
+              <a:t>清理逻辑</a:t>
+            </a:r>
+            <a:r>
+              <a:rPr lang="en-US" altLang="zh-CN" sz="2800" b="1" dirty="0">
+                <a:latin typeface="微软雅黑" panose="020B0503020204020204" pitchFamily="34" charset="-122"/>
+                <a:ea typeface="微软雅黑" panose="020B0503020204020204" pitchFamily="34" charset="-122"/>
+              </a:rPr>
+              <a:t>-</a:t>
+            </a:r>
+            <a:r>
+              <a:rPr lang="zh-CN" altLang="en-US" sz="2800" b="1" dirty="0">
+                <a:latin typeface="微软雅黑" panose="020B0503020204020204" pitchFamily="34" charset="-122"/>
+                <a:ea typeface="微软雅黑" panose="020B0503020204020204" pitchFamily="34" charset="-122"/>
+              </a:rPr>
+              <a:t>示例</a:t>
+            </a:r>
+          </a:p>
+        </p:txBody>
+      </p:sp>
+      <p:pic>
+        <p:nvPicPr>
+          <p:cNvPr id="2" name="图片 1">
+            <a:extLst>
+              <a:ext uri="{FF2B5EF4-FFF2-40B4-BE49-F238E27FC236}">
+                <a16:creationId xmlns:a16="http://schemas.microsoft.com/office/drawing/2014/main" id="{713D5274-B371-4BE6-B9AD-FB0246800B39}"/>
+              </a:ext>
+            </a:extLst>
+          </p:cNvPr>
+          <p:cNvPicPr>
+            <a:picLocks noChangeAspect="1"/>
+          </p:cNvPicPr>
+          <p:nvPr/>
+        </p:nvPicPr>
+        <p:blipFill>
+          <a:blip r:embed="rId2"/>
+          <a:stretch>
+            <a:fillRect/>
+          </a:stretch>
+        </p:blipFill>
+        <p:spPr>
+          <a:xfrm>
+            <a:off x="542925" y="1490100"/>
+            <a:ext cx="10496550" cy="1157850"/>
+          </a:xfrm>
+          <a:prstGeom prst="rect">
+            <a:avLst/>
+          </a:prstGeom>
+        </p:spPr>
+      </p:pic>
+      <p:pic>
+        <p:nvPicPr>
+          <p:cNvPr id="7" name="图形 6" descr="箭头: 轻微弯曲">
+            <a:extLst>
+              <a:ext uri="{FF2B5EF4-FFF2-40B4-BE49-F238E27FC236}">
+                <a16:creationId xmlns:a16="http://schemas.microsoft.com/office/drawing/2014/main" id="{6F4E94CE-1098-492C-8A2C-91DBB4808E72}"/>
+              </a:ext>
+            </a:extLst>
+          </p:cNvPr>
+          <p:cNvPicPr>
+            <a:picLocks noChangeAspect="1"/>
+          </p:cNvPicPr>
+          <p:nvPr/>
+        </p:nvPicPr>
+        <p:blipFill>
+          <a:blip r:embed="rId3">
+            <a:extLst>
+              <a:ext uri="{28A0092B-C50C-407E-A947-70E740481C1C}">
+                <a14:useLocalDpi xmlns:a14="http://schemas.microsoft.com/office/drawing/2010/main" val="0"/>
+              </a:ext>
+              <a:ext uri="{96DAC541-7B7A-43D3-8B79-37D633B846F1}">
+                <asvg:svgBlip xmlns:asvg="http://schemas.microsoft.com/office/drawing/2016/SVG/main" r:embed="rId4"/>
+              </a:ext>
+            </a:extLst>
+          </a:blip>
+          <a:stretch>
+            <a:fillRect/>
+          </a:stretch>
+        </p:blipFill>
+        <p:spPr>
+          <a:xfrm rot="5400000">
+            <a:off x="5330316" y="2718324"/>
+            <a:ext cx="914400" cy="914400"/>
+          </a:xfrm>
+          <a:prstGeom prst="rect">
+            <a:avLst/>
+          </a:prstGeom>
+        </p:spPr>
+      </p:pic>
+      <p:pic>
+        <p:nvPicPr>
+          <p:cNvPr id="3" name="图片 2">
+            <a:extLst>
+              <a:ext uri="{FF2B5EF4-FFF2-40B4-BE49-F238E27FC236}">
+                <a16:creationId xmlns:a16="http://schemas.microsoft.com/office/drawing/2014/main" id="{EDEC289C-1EA9-4C7F-B25C-B708BFC71D29}"/>
+              </a:ext>
+            </a:extLst>
+          </p:cNvPr>
+          <p:cNvPicPr>
+            <a:picLocks noChangeAspect="1"/>
+          </p:cNvPicPr>
+          <p:nvPr/>
+        </p:nvPicPr>
+        <p:blipFill>
+          <a:blip r:embed="rId5"/>
+          <a:stretch>
+            <a:fillRect/>
+          </a:stretch>
+        </p:blipFill>
+        <p:spPr>
+          <a:xfrm>
+            <a:off x="542925" y="3993291"/>
+            <a:ext cx="10801350" cy="2081255"/>
+          </a:xfrm>
+          <a:prstGeom prst="rect">
+            <a:avLst/>
+          </a:prstGeom>
+        </p:spPr>
+      </p:pic>
+      <p:sp>
+        <p:nvSpPr>
+          <p:cNvPr id="10" name="文本框 9">
+            <a:extLst>
+              <a:ext uri="{FF2B5EF4-FFF2-40B4-BE49-F238E27FC236}">
+                <a16:creationId xmlns:a16="http://schemas.microsoft.com/office/drawing/2014/main" id="{CAAB3FA7-4F85-472B-B40E-FDA6D9B776F2}"/>
               </a:ext>
             </a:extLst>
           </p:cNvPr>
@@ -5966,8 +9625,8 @@
         </p:nvSpPr>
         <p:spPr>
           <a:xfrm>
-            <a:off x="821801" y="1377387"/>
-            <a:ext cx="10475089" cy="1477328"/>
+            <a:off x="7127381" y="2990858"/>
+            <a:ext cx="1338828" cy="369332"/>
           </a:xfrm>
           <a:prstGeom prst="rect">
             <a:avLst/>
@@ -5975,92 +9634,20 @@
           <a:noFill/>
         </p:spPr>
         <p:txBody>
-          <a:bodyPr wrap="square" rtlCol="0">
+          <a:bodyPr wrap="none" rtlCol="0">
             <a:spAutoFit/>
           </a:bodyPr>
           <a:lstStyle/>
           <a:p>
             <a:r>
-              <a:rPr lang="zh-CN" altLang="en-US" dirty="0">
-                <a:latin typeface="微软雅黑" panose="020B0503020204020204" pitchFamily="34" charset="-122"/>
-                <a:ea typeface="微软雅黑" panose="020B0503020204020204" pitchFamily="34" charset="-122"/>
-              </a:rPr>
-              <a:t>有一些文档出现了严重的转化错误，在分词后结果很差，因此我们需要舍弃这些文档，去除错误句子数的比例超过</a:t>
-            </a:r>
-            <a:r>
-              <a:rPr lang="en-US" altLang="zh-CN" dirty="0">
-                <a:latin typeface="微软雅黑" panose="020B0503020204020204" pitchFamily="34" charset="-122"/>
-                <a:ea typeface="微软雅黑" panose="020B0503020204020204" pitchFamily="34" charset="-122"/>
-              </a:rPr>
-              <a:t>20%</a:t>
-            </a:r>
-            <a:r>
-              <a:rPr lang="zh-CN" altLang="en-US" dirty="0">
-                <a:latin typeface="微软雅黑" panose="020B0503020204020204" pitchFamily="34" charset="-122"/>
-                <a:ea typeface="微软雅黑" panose="020B0503020204020204" pitchFamily="34" charset="-122"/>
-              </a:rPr>
-              <a:t>的文档</a:t>
-            </a:r>
-            <a:endParaRPr lang="en-US" altLang="zh-CN" dirty="0">
-              <a:latin typeface="微软雅黑" panose="020B0503020204020204" pitchFamily="34" charset="-122"/>
-              <a:ea typeface="微软雅黑" panose="020B0503020204020204" pitchFamily="34" charset="-122"/>
-            </a:endParaRPr>
-          </a:p>
-          <a:p>
-            <a:endParaRPr lang="en-US" altLang="zh-CN" dirty="0">
-              <a:latin typeface="微软雅黑" panose="020B0503020204020204" pitchFamily="34" charset="-122"/>
-              <a:ea typeface="微软雅黑" panose="020B0503020204020204" pitchFamily="34" charset="-122"/>
-            </a:endParaRPr>
-          </a:p>
-          <a:p>
-            <a:r>
-              <a:rPr lang="zh-CN" altLang="en-US" dirty="0">
-                <a:latin typeface="微软雅黑" panose="020B0503020204020204" pitchFamily="34" charset="-122"/>
-                <a:ea typeface="微软雅黑" panose="020B0503020204020204" pitchFamily="34" charset="-122"/>
-              </a:rPr>
-              <a:t>错误句子定义为切词数目过多的句子，即切完词的词数占总字数的比例不能超过</a:t>
-            </a:r>
-            <a:r>
-              <a:rPr lang="en-US" altLang="zh-CN" dirty="0">
-                <a:latin typeface="微软雅黑" panose="020B0503020204020204" pitchFamily="34" charset="-122"/>
-                <a:ea typeface="微软雅黑" panose="020B0503020204020204" pitchFamily="34" charset="-122"/>
-              </a:rPr>
-              <a:t>70%</a:t>
-            </a:r>
-            <a:r>
-              <a:rPr lang="zh-CN" altLang="en-US" dirty="0">
-                <a:latin typeface="微软雅黑" panose="020B0503020204020204" pitchFamily="34" charset="-122"/>
-                <a:ea typeface="微软雅黑" panose="020B0503020204020204" pitchFamily="34" charset="-122"/>
-              </a:rPr>
-              <a:t>，于是去除了</a:t>
-            </a:r>
-            <a:r>
-              <a:rPr lang="en-US" altLang="zh-CN" dirty="0">
-                <a:latin typeface="微软雅黑" panose="020B0503020204020204" pitchFamily="34" charset="-122"/>
-                <a:ea typeface="微软雅黑" panose="020B0503020204020204" pitchFamily="34" charset="-122"/>
-              </a:rPr>
-              <a:t>36</a:t>
-            </a:r>
-            <a:r>
-              <a:rPr lang="zh-CN" altLang="en-US" dirty="0">
-                <a:latin typeface="微软雅黑" panose="020B0503020204020204" pitchFamily="34" charset="-122"/>
-                <a:ea typeface="微软雅黑" panose="020B0503020204020204" pitchFamily="34" charset="-122"/>
-              </a:rPr>
-              <a:t>份无效文档后，我们得到了相对干净的</a:t>
-            </a:r>
-            <a:r>
-              <a:rPr lang="en-US" altLang="zh-CN" dirty="0">
-                <a:latin typeface="微软雅黑" panose="020B0503020204020204" pitchFamily="34" charset="-122"/>
-                <a:ea typeface="微软雅黑" panose="020B0503020204020204" pitchFamily="34" charset="-122"/>
-              </a:rPr>
-              <a:t>5639</a:t>
-            </a:r>
-            <a:r>
-              <a:rPr lang="zh-CN" altLang="en-US" dirty="0">
-                <a:latin typeface="微软雅黑" panose="020B0503020204020204" pitchFamily="34" charset="-122"/>
-                <a:ea typeface="微软雅黑" panose="020B0503020204020204" pitchFamily="34" charset="-122"/>
-              </a:rPr>
-              <a:t>份分词后的文档集合</a:t>
+              <a:rPr lang="zh-CN" altLang="en-US" b="1" dirty="0">
+                <a:solidFill>
+                  <a:srgbClr val="FF0000"/>
+                </a:solidFill>
+                <a:latin typeface="微软雅黑" panose="020B0503020204020204" pitchFamily="34" charset="-122"/>
+                <a:ea typeface="微软雅黑" panose="020B0503020204020204" pitchFamily="34" charset="-122"/>
+              </a:rPr>
+              <a:t>修正过长行</a:t>
             </a:r>
           </a:p>
         </p:txBody>
@@ -6068,7 +9655,7 @@
     </p:spTree>
     <p:extLst>
       <p:ext uri="{BB962C8B-B14F-4D97-AF65-F5344CB8AC3E}">
-        <p14:creationId xmlns:p14="http://schemas.microsoft.com/office/powerpoint/2010/main" val="4081602529"/>
+        <p14:creationId xmlns:p14="http://schemas.microsoft.com/office/powerpoint/2010/main" val="2012669246"/>
       </p:ext>
     </p:extLst>
   </p:cSld>
@@ -6109,8 +9696,8 @@
         </p:nvSpPr>
         <p:spPr>
           <a:xfrm>
-            <a:off x="502891" y="547433"/>
-            <a:ext cx="1370889" cy="523220"/>
+            <a:off x="736930" y="547433"/>
+            <a:ext cx="902811" cy="523220"/>
           </a:xfrm>
           <a:prstGeom prst="rect">
             <a:avLst/>
@@ -6124,16 +9711,12 @@
           <a:p>
             <a:pPr algn="ctr"/>
             <a:r>
-              <a:rPr lang="en-US" altLang="zh-CN" sz="2800" b="1" dirty="0">
-                <a:latin typeface="微软雅黑" panose="020B0503020204020204" pitchFamily="34" charset="-122"/>
-                <a:ea typeface="微软雅黑" panose="020B0503020204020204" pitchFamily="34" charset="-122"/>
-              </a:rPr>
-              <a:t>TF-IDF</a:t>
-            </a:r>
-            <a:endParaRPr lang="zh-CN" altLang="en-US" sz="2800" b="1" dirty="0">
-              <a:latin typeface="微软雅黑" panose="020B0503020204020204" pitchFamily="34" charset="-122"/>
-              <a:ea typeface="微软雅黑" panose="020B0503020204020204" pitchFamily="34" charset="-122"/>
-            </a:endParaRPr>
+              <a:rPr lang="zh-CN" altLang="en-US" sz="2800" b="1" dirty="0">
+                <a:latin typeface="微软雅黑" panose="020B0503020204020204" pitchFamily="34" charset="-122"/>
+                <a:ea typeface="微软雅黑" panose="020B0503020204020204" pitchFamily="34" charset="-122"/>
+              </a:rPr>
+              <a:t>分词</a:t>
+            </a:r>
           </a:p>
         </p:txBody>
       </p:sp>
@@ -6152,7 +9735,7 @@
         <p:spPr>
           <a:xfrm>
             <a:off x="821801" y="1377387"/>
-            <a:ext cx="10475089" cy="923330"/>
+            <a:ext cx="10475089" cy="1477328"/>
           </a:xfrm>
           <a:prstGeom prst="rect">
             <a:avLst/>
@@ -6170,21 +9753,35 @@
                 <a:latin typeface="微软雅黑" panose="020B0503020204020204" pitchFamily="34" charset="-122"/>
                 <a:ea typeface="微软雅黑" panose="020B0503020204020204" pitchFamily="34" charset="-122"/>
               </a:rPr>
-              <a:t>通过计算每个词的</a:t>
-            </a:r>
-            <a:r>
-              <a:rPr lang="en-US" altLang="zh-CN" dirty="0">
-                <a:latin typeface="微软雅黑" panose="020B0503020204020204" pitchFamily="34" charset="-122"/>
-                <a:ea typeface="微软雅黑" panose="020B0503020204020204" pitchFamily="34" charset="-122"/>
-              </a:rPr>
-              <a:t>TF-IDF</a:t>
+              <a:t>本项目使用</a:t>
+            </a:r>
+            <a:r>
+              <a:rPr lang="en-US" altLang="zh-CN" dirty="0" err="1">
+                <a:latin typeface="微软雅黑" panose="020B0503020204020204" pitchFamily="34" charset="-122"/>
+                <a:ea typeface="微软雅黑" panose="020B0503020204020204" pitchFamily="34" charset="-122"/>
+              </a:rPr>
+              <a:t>HanLP</a:t>
             </a:r>
             <a:r>
               <a:rPr lang="zh-CN" altLang="en-US" dirty="0">
                 <a:latin typeface="微软雅黑" panose="020B0503020204020204" pitchFamily="34" charset="-122"/>
                 <a:ea typeface="微软雅黑" panose="020B0503020204020204" pitchFamily="34" charset="-122"/>
               </a:rPr>
-              <a:t>值，来得到该文档中相对重要的词，其中过滤掉了停用词</a:t>
+              <a:t>工具进行中文分词，经过调研</a:t>
+            </a:r>
+            <a:r>
+              <a:rPr lang="en-US" altLang="zh-CN" dirty="0" err="1">
+                <a:latin typeface="微软雅黑" panose="020B0503020204020204" pitchFamily="34" charset="-122"/>
+                <a:ea typeface="微软雅黑" panose="020B0503020204020204" pitchFamily="34" charset="-122"/>
+              </a:rPr>
+              <a:t>HanLP</a:t>
+            </a:r>
+            <a:r>
+              <a:rPr lang="zh-CN" altLang="en-US" dirty="0">
+                <a:latin typeface="微软雅黑" panose="020B0503020204020204" pitchFamily="34" charset="-122"/>
+                <a:ea typeface="微软雅黑" panose="020B0503020204020204" pitchFamily="34" charset="-122"/>
+              </a:rPr>
+              <a:t>的准确率在现有的中文分词工具中比较不错</a:t>
             </a:r>
             <a:endParaRPr lang="en-US" altLang="zh-CN" dirty="0">
               <a:latin typeface="微软雅黑" panose="020B0503020204020204" pitchFamily="34" charset="-122"/>
@@ -6203,33 +9800,48 @@
                 <a:latin typeface="微软雅黑" panose="020B0503020204020204" pitchFamily="34" charset="-122"/>
                 <a:ea typeface="微软雅黑" panose="020B0503020204020204" pitchFamily="34" charset="-122"/>
               </a:rPr>
-              <a:t>后续将使用</a:t>
-            </a:r>
-            <a:r>
-              <a:rPr lang="en-US" altLang="zh-CN" dirty="0">
-                <a:latin typeface="微软雅黑" panose="020B0503020204020204" pitchFamily="34" charset="-122"/>
-                <a:ea typeface="微软雅黑" panose="020B0503020204020204" pitchFamily="34" charset="-122"/>
-              </a:rPr>
-              <a:t>TF-IDF</a:t>
+              <a:t>本项目使用的是</a:t>
+            </a:r>
+            <a:r>
+              <a:rPr lang="en-US" altLang="zh-CN" dirty="0" err="1">
+                <a:latin typeface="微软雅黑" panose="020B0503020204020204" pitchFamily="34" charset="-122"/>
+                <a:ea typeface="微软雅黑" panose="020B0503020204020204" pitchFamily="34" charset="-122"/>
+              </a:rPr>
+              <a:t>HanLP</a:t>
             </a:r>
             <a:r>
               <a:rPr lang="zh-CN" altLang="en-US" dirty="0">
                 <a:latin typeface="微软雅黑" panose="020B0503020204020204" pitchFamily="34" charset="-122"/>
                 <a:ea typeface="微软雅黑" panose="020B0503020204020204" pitchFamily="34" charset="-122"/>
               </a:rPr>
-              <a:t>值高的词作为文档的核心词，来观察该文档在各个词语聚类中的分布情况</a:t>
+              <a:t>的默认分词器</a:t>
             </a:r>
             <a:endParaRPr lang="en-US" altLang="zh-CN" dirty="0">
               <a:latin typeface="微软雅黑" panose="020B0503020204020204" pitchFamily="34" charset="-122"/>
               <a:ea typeface="微软雅黑" panose="020B0503020204020204" pitchFamily="34" charset="-122"/>
             </a:endParaRPr>
           </a:p>
+          <a:p>
+            <a:endParaRPr lang="en-US" altLang="zh-CN" dirty="0">
+              <a:latin typeface="微软雅黑" panose="020B0503020204020204" pitchFamily="34" charset="-122"/>
+              <a:ea typeface="微软雅黑" panose="020B0503020204020204" pitchFamily="34" charset="-122"/>
+            </a:endParaRPr>
+          </a:p>
+          <a:p>
+            <a:r>
+              <a:rPr lang="zh-CN" altLang="en-US" dirty="0">
+                <a:latin typeface="微软雅黑" panose="020B0503020204020204" pitchFamily="34" charset="-122"/>
+                <a:ea typeface="微软雅黑" panose="020B0503020204020204" pitchFamily="34" charset="-122"/>
+              </a:rPr>
+              <a:t>通过增加搜狗的行业字典（这部分有一些问题，需要再过滤）和报告中的公司名来提升分词效果</a:t>
+            </a:r>
+          </a:p>
         </p:txBody>
       </p:sp>
     </p:spTree>
     <p:extLst>
       <p:ext uri="{BB962C8B-B14F-4D97-AF65-F5344CB8AC3E}">
-        <p14:creationId xmlns:p14="http://schemas.microsoft.com/office/powerpoint/2010/main" val="2222779851"/>
+        <p14:creationId xmlns:p14="http://schemas.microsoft.com/office/powerpoint/2010/main" val="3679346587"/>
       </p:ext>
     </p:extLst>
   </p:cSld>
@@ -6270,8 +9882,8 @@
         </p:nvSpPr>
         <p:spPr>
           <a:xfrm>
-            <a:off x="171936" y="547433"/>
-            <a:ext cx="2032801" cy="523220"/>
+            <a:off x="377857" y="547433"/>
+            <a:ext cx="1620958" cy="523220"/>
           </a:xfrm>
           <a:prstGeom prst="rect">
             <a:avLst/>
@@ -6285,16 +9897,12 @@
           <a:p>
             <a:pPr algn="ctr"/>
             <a:r>
-              <a:rPr lang="en-US" altLang="zh-CN" sz="2800" b="1" dirty="0">
-                <a:latin typeface="微软雅黑" panose="020B0503020204020204" pitchFamily="34" charset="-122"/>
-                <a:ea typeface="微软雅黑" panose="020B0503020204020204" pitchFamily="34" charset="-122"/>
-              </a:rPr>
-              <a:t>Word2Vec</a:t>
-            </a:r>
-            <a:endParaRPr lang="zh-CN" altLang="en-US" sz="2800" b="1" dirty="0">
-              <a:latin typeface="微软雅黑" panose="020B0503020204020204" pitchFamily="34" charset="-122"/>
-              <a:ea typeface="微软雅黑" panose="020B0503020204020204" pitchFamily="34" charset="-122"/>
-            </a:endParaRPr>
+              <a:rPr lang="zh-CN" altLang="en-US" sz="2800" b="1" dirty="0">
+                <a:latin typeface="微软雅黑" panose="020B0503020204020204" pitchFamily="34" charset="-122"/>
+                <a:ea typeface="微软雅黑" panose="020B0503020204020204" pitchFamily="34" charset="-122"/>
+              </a:rPr>
+              <a:t>短语提取</a:t>
+            </a:r>
           </a:p>
         </p:txBody>
       </p:sp>
@@ -6313,7 +9921,7 @@
         <p:spPr>
           <a:xfrm>
             <a:off x="821801" y="1377387"/>
-            <a:ext cx="10475089" cy="4247317"/>
+            <a:ext cx="10475089" cy="3416320"/>
           </a:xfrm>
           <a:prstGeom prst="rect">
             <a:avLst/>
@@ -6331,35 +9939,21 @@
                 <a:latin typeface="微软雅黑" panose="020B0503020204020204" pitchFamily="34" charset="-122"/>
                 <a:ea typeface="微软雅黑" panose="020B0503020204020204" pitchFamily="34" charset="-122"/>
               </a:rPr>
-              <a:t>以全部</a:t>
+              <a:t>分词器存在切分太散的问题，我们希望实体词以完整的形式保留，能够尽可能表达语义。因此我们需要对一些短语进行合并，主要是名词短语（</a:t>
             </a:r>
             <a:r>
               <a:rPr lang="en-US" altLang="zh-CN" dirty="0">
                 <a:latin typeface="微软雅黑" panose="020B0503020204020204" pitchFamily="34" charset="-122"/>
                 <a:ea typeface="微软雅黑" panose="020B0503020204020204" pitchFamily="34" charset="-122"/>
               </a:rPr>
-              <a:t>CSR</a:t>
+              <a:t>Noun Chunking</a:t>
             </a:r>
             <a:r>
               <a:rPr lang="zh-CN" altLang="en-US" dirty="0">
                 <a:latin typeface="微软雅黑" panose="020B0503020204020204" pitchFamily="34" charset="-122"/>
                 <a:ea typeface="微软雅黑" panose="020B0503020204020204" pitchFamily="34" charset="-122"/>
               </a:rPr>
-              <a:t>报告的分词结果作为语料，使用</a:t>
-            </a:r>
-            <a:r>
-              <a:rPr lang="en-US" altLang="zh-CN" dirty="0">
-                <a:latin typeface="微软雅黑" panose="020B0503020204020204" pitchFamily="34" charset="-122"/>
-                <a:ea typeface="微软雅黑" panose="020B0503020204020204" pitchFamily="34" charset="-122"/>
-              </a:rPr>
-              <a:t>Gensim</a:t>
-            </a:r>
-            <a:r>
-              <a:rPr lang="zh-CN" altLang="en-US" dirty="0">
-                <a:latin typeface="微软雅黑" panose="020B0503020204020204" pitchFamily="34" charset="-122"/>
-                <a:ea typeface="微软雅黑" panose="020B0503020204020204" pitchFamily="34" charset="-122"/>
-              </a:rPr>
-              <a:t>工具包来训练词向量，其中过滤掉了停用词，保留标点符号。（因为标点是天然的分隔符，去除可能会影响词向量结果）</a:t>
+              <a:t>）</a:t>
             </a:r>
             <a:endParaRPr lang="en-US" altLang="zh-CN" dirty="0">
               <a:latin typeface="微软雅黑" panose="020B0503020204020204" pitchFamily="34" charset="-122"/>
@@ -6378,21 +9972,239 @@
                 <a:latin typeface="微软雅黑" panose="020B0503020204020204" pitchFamily="34" charset="-122"/>
                 <a:ea typeface="微软雅黑" panose="020B0503020204020204" pitchFamily="34" charset="-122"/>
               </a:rPr>
-              <a:t>一共得到</a:t>
+              <a:t>目前采取以下方式来提取合理的短语：</a:t>
+            </a:r>
+          </a:p>
+          <a:p>
+            <a:endParaRPr lang="zh-CN" altLang="en-US" dirty="0">
+              <a:latin typeface="微软雅黑" panose="020B0503020204020204" pitchFamily="34" charset="-122"/>
+              <a:ea typeface="微软雅黑" panose="020B0503020204020204" pitchFamily="34" charset="-122"/>
+            </a:endParaRPr>
+          </a:p>
+          <a:p>
+            <a:pPr marL="742950" lvl="1" indent="-285750">
+              <a:buFont typeface="Arial" panose="020B0604020202020204" pitchFamily="34" charset="0"/>
+              <a:buChar char="•"/>
+            </a:pPr>
+            <a:r>
+              <a:rPr lang="en-US" altLang="zh-CN" dirty="0" err="1">
+                <a:latin typeface="微软雅黑" panose="020B0503020204020204" pitchFamily="34" charset="-122"/>
+                <a:ea typeface="微软雅黑" panose="020B0503020204020204" pitchFamily="34" charset="-122"/>
+              </a:rPr>
+              <a:t>n_gram</a:t>
+            </a:r>
+            <a:r>
+              <a:rPr lang="zh-CN" altLang="en-US" dirty="0">
+                <a:latin typeface="微软雅黑" panose="020B0503020204020204" pitchFamily="34" charset="-122"/>
+                <a:ea typeface="微软雅黑" panose="020B0503020204020204" pitchFamily="34" charset="-122"/>
+              </a:rPr>
+              <a:t>的词性过滤提取</a:t>
             </a:r>
             <a:r>
               <a:rPr lang="en-US" altLang="zh-CN" dirty="0">
                 <a:latin typeface="微软雅黑" panose="020B0503020204020204" pitchFamily="34" charset="-122"/>
                 <a:ea typeface="微软雅黑" panose="020B0503020204020204" pitchFamily="34" charset="-122"/>
               </a:rPr>
-              <a:t>38669</a:t>
+              <a:t>+</a:t>
             </a:r>
             <a:r>
               <a:rPr lang="zh-CN" altLang="en-US" dirty="0">
                 <a:latin typeface="微软雅黑" panose="020B0503020204020204" pitchFamily="34" charset="-122"/>
                 <a:ea typeface="微软雅黑" panose="020B0503020204020204" pitchFamily="34" charset="-122"/>
               </a:rPr>
-              <a:t>个不同的词的词向量结果</a:t>
+              <a:t>邻词生成</a:t>
+            </a:r>
+          </a:p>
+          <a:p>
+            <a:pPr marL="742950" lvl="1" indent="-285750">
+              <a:buFont typeface="Arial" panose="020B0604020202020204" pitchFamily="34" charset="0"/>
+              <a:buChar char="•"/>
+            </a:pPr>
+            <a:r>
+              <a:rPr lang="zh-CN" altLang="en-US" dirty="0">
+                <a:latin typeface="微软雅黑" panose="020B0503020204020204" pitchFamily="34" charset="-122"/>
+                <a:ea typeface="微软雅黑" panose="020B0503020204020204" pitchFamily="34" charset="-122"/>
+              </a:rPr>
+              <a:t>统计词频（</a:t>
+            </a:r>
+            <a:r>
+              <a:rPr lang="en-US" altLang="zh-CN" dirty="0">
+                <a:latin typeface="微软雅黑" panose="020B0503020204020204" pitchFamily="34" charset="-122"/>
+                <a:ea typeface="微软雅黑" panose="020B0503020204020204" pitchFamily="34" charset="-122"/>
+              </a:rPr>
+              <a:t>gram</a:t>
+            </a:r>
+            <a:r>
+              <a:rPr lang="zh-CN" altLang="en-US" dirty="0">
+                <a:latin typeface="微软雅黑" panose="020B0503020204020204" pitchFamily="34" charset="-122"/>
+                <a:ea typeface="微软雅黑" panose="020B0503020204020204" pitchFamily="34" charset="-122"/>
+              </a:rPr>
+              <a:t>，</a:t>
+            </a:r>
+            <a:r>
+              <a:rPr lang="en-US" altLang="zh-CN" dirty="0">
+                <a:latin typeface="微软雅黑" panose="020B0503020204020204" pitchFamily="34" charset="-122"/>
+                <a:ea typeface="微软雅黑" panose="020B0503020204020204" pitchFamily="34" charset="-122"/>
+              </a:rPr>
+              <a:t>word1</a:t>
+            </a:r>
+            <a:r>
+              <a:rPr lang="zh-CN" altLang="en-US" dirty="0">
+                <a:latin typeface="微软雅黑" panose="020B0503020204020204" pitchFamily="34" charset="-122"/>
+                <a:ea typeface="微软雅黑" panose="020B0503020204020204" pitchFamily="34" charset="-122"/>
+              </a:rPr>
+              <a:t>，</a:t>
+            </a:r>
+            <a:r>
+              <a:rPr lang="en-US" altLang="zh-CN" dirty="0">
+                <a:latin typeface="微软雅黑" panose="020B0503020204020204" pitchFamily="34" charset="-122"/>
+                <a:ea typeface="微软雅黑" panose="020B0503020204020204" pitchFamily="34" charset="-122"/>
+              </a:rPr>
+              <a:t>word2</a:t>
+            </a:r>
+            <a:r>
+              <a:rPr lang="zh-CN" altLang="en-US" dirty="0">
+                <a:latin typeface="微软雅黑" panose="020B0503020204020204" pitchFamily="34" charset="-122"/>
+                <a:ea typeface="微软雅黑" panose="020B0503020204020204" pitchFamily="34" charset="-122"/>
+              </a:rPr>
+              <a:t>，邻词），过滤</a:t>
+            </a:r>
+            <a:r>
+              <a:rPr lang="en-US" altLang="zh-CN" dirty="0">
+                <a:latin typeface="微软雅黑" panose="020B0503020204020204" pitchFamily="34" charset="-122"/>
+                <a:ea typeface="微软雅黑" panose="020B0503020204020204" pitchFamily="34" charset="-122"/>
+              </a:rPr>
+              <a:t>gram</a:t>
+            </a:r>
+            <a:r>
+              <a:rPr lang="zh-CN" altLang="en-US" dirty="0">
+                <a:latin typeface="微软雅黑" panose="020B0503020204020204" pitchFamily="34" charset="-122"/>
+                <a:ea typeface="微软雅黑" panose="020B0503020204020204" pitchFamily="34" charset="-122"/>
+              </a:rPr>
+              <a:t>词频和中心词词频</a:t>
+            </a:r>
+          </a:p>
+          <a:p>
+            <a:pPr marL="742950" lvl="1" indent="-285750">
+              <a:buFont typeface="Arial" panose="020B0604020202020204" pitchFamily="34" charset="0"/>
+              <a:buChar char="•"/>
+            </a:pPr>
+            <a:r>
+              <a:rPr lang="zh-CN" altLang="en-US" dirty="0">
+                <a:latin typeface="微软雅黑" panose="020B0503020204020204" pitchFamily="34" charset="-122"/>
+                <a:ea typeface="微软雅黑" panose="020B0503020204020204" pitchFamily="34" charset="-122"/>
+              </a:rPr>
+              <a:t>计算每个</a:t>
+            </a:r>
+            <a:r>
+              <a:rPr lang="en-US" altLang="zh-CN" dirty="0">
+                <a:latin typeface="微软雅黑" panose="020B0503020204020204" pitchFamily="34" charset="-122"/>
+                <a:ea typeface="微软雅黑" panose="020B0503020204020204" pitchFamily="34" charset="-122"/>
+              </a:rPr>
+              <a:t>gram</a:t>
+            </a:r>
+            <a:r>
+              <a:rPr lang="zh-CN" altLang="en-US" dirty="0">
+                <a:latin typeface="微软雅黑" panose="020B0503020204020204" pitchFamily="34" charset="-122"/>
+                <a:ea typeface="微软雅黑" panose="020B0503020204020204" pitchFamily="34" charset="-122"/>
+              </a:rPr>
+              <a:t>的点间互信息（</a:t>
+            </a:r>
+            <a:r>
+              <a:rPr lang="en-US" altLang="zh-CN" dirty="0">
+                <a:latin typeface="微软雅黑" panose="020B0503020204020204" pitchFamily="34" charset="-122"/>
+                <a:ea typeface="微软雅黑" panose="020B0503020204020204" pitchFamily="34" charset="-122"/>
+              </a:rPr>
+              <a:t>Pointwise Mutual Information</a:t>
+            </a:r>
+            <a:r>
+              <a:rPr lang="zh-CN" altLang="en-US" dirty="0">
+                <a:latin typeface="微软雅黑" panose="020B0503020204020204" pitchFamily="34" charset="-122"/>
+                <a:ea typeface="微软雅黑" panose="020B0503020204020204" pitchFamily="34" charset="-122"/>
+              </a:rPr>
+              <a:t>）</a:t>
+            </a:r>
+          </a:p>
+          <a:p>
+            <a:pPr marL="742950" lvl="1" indent="-285750">
+              <a:buFont typeface="Arial" panose="020B0604020202020204" pitchFamily="34" charset="0"/>
+              <a:buChar char="•"/>
+            </a:pPr>
+            <a:r>
+              <a:rPr lang="zh-CN" altLang="en-US" dirty="0">
+                <a:latin typeface="微软雅黑" panose="020B0503020204020204" pitchFamily="34" charset="-122"/>
+                <a:ea typeface="微软雅黑" panose="020B0503020204020204" pitchFamily="34" charset="-122"/>
+              </a:rPr>
+              <a:t>计算每个</a:t>
+            </a:r>
+            <a:r>
+              <a:rPr lang="en-US" altLang="zh-CN" dirty="0">
+                <a:latin typeface="微软雅黑" panose="020B0503020204020204" pitchFamily="34" charset="-122"/>
+                <a:ea typeface="微软雅黑" panose="020B0503020204020204" pitchFamily="34" charset="-122"/>
+              </a:rPr>
+              <a:t>gram</a:t>
+            </a:r>
+            <a:r>
+              <a:rPr lang="zh-CN" altLang="en-US" dirty="0">
+                <a:latin typeface="微软雅黑" panose="020B0503020204020204" pitchFamily="34" charset="-122"/>
+                <a:ea typeface="微软雅黑" panose="020B0503020204020204" pitchFamily="34" charset="-122"/>
+              </a:rPr>
+              <a:t>的左右词的信息熵</a:t>
+            </a:r>
+          </a:p>
+          <a:p>
+            <a:pPr marL="742950" lvl="1" indent="-285750">
+              <a:buFont typeface="Arial" panose="020B0604020202020204" pitchFamily="34" charset="0"/>
+              <a:buChar char="•"/>
+            </a:pPr>
+            <a:r>
+              <a:rPr lang="zh-CN" altLang="en-US" dirty="0">
+                <a:latin typeface="微软雅黑" panose="020B0503020204020204" pitchFamily="34" charset="-122"/>
+                <a:ea typeface="微软雅黑" panose="020B0503020204020204" pitchFamily="34" charset="-122"/>
+              </a:rPr>
+              <a:t>将词频，互信息，邻词信息熵和放缩到</a:t>
+            </a:r>
+            <a:r>
+              <a:rPr lang="en-US" altLang="zh-CN" dirty="0">
+                <a:latin typeface="微软雅黑" panose="020B0503020204020204" pitchFamily="34" charset="-122"/>
+                <a:ea typeface="微软雅黑" panose="020B0503020204020204" pitchFamily="34" charset="-122"/>
+              </a:rPr>
+              <a:t>[0,1]</a:t>
+            </a:r>
+            <a:r>
+              <a:rPr lang="zh-CN" altLang="en-US" dirty="0">
+                <a:latin typeface="微软雅黑" panose="020B0503020204020204" pitchFamily="34" charset="-122"/>
+                <a:ea typeface="微软雅黑" panose="020B0503020204020204" pitchFamily="34" charset="-122"/>
+              </a:rPr>
+              <a:t>，加权求和，权重系数为</a:t>
+            </a:r>
+            <a:r>
+              <a:rPr lang="en-US" altLang="zh-CN" dirty="0">
+                <a:latin typeface="微软雅黑" panose="020B0503020204020204" pitchFamily="34" charset="-122"/>
+                <a:ea typeface="微软雅黑" panose="020B0503020204020204" pitchFamily="34" charset="-122"/>
+              </a:rPr>
+              <a:t>0.4,0.4,0.2</a:t>
+            </a:r>
+            <a:r>
+              <a:rPr lang="zh-CN" altLang="en-US" dirty="0">
+                <a:latin typeface="微软雅黑" panose="020B0503020204020204" pitchFamily="34" charset="-122"/>
+                <a:ea typeface="微软雅黑" panose="020B0503020204020204" pitchFamily="34" charset="-122"/>
+              </a:rPr>
+              <a:t>，得到每个</a:t>
+            </a:r>
+            <a:r>
+              <a:rPr lang="en-US" altLang="zh-CN" dirty="0">
+                <a:latin typeface="微软雅黑" panose="020B0503020204020204" pitchFamily="34" charset="-122"/>
+                <a:ea typeface="微软雅黑" panose="020B0503020204020204" pitchFamily="34" charset="-122"/>
+              </a:rPr>
+              <a:t>gram</a:t>
+            </a:r>
+            <a:r>
+              <a:rPr lang="zh-CN" altLang="en-US" dirty="0">
+                <a:latin typeface="微软雅黑" panose="020B0503020204020204" pitchFamily="34" charset="-122"/>
+                <a:ea typeface="微软雅黑" panose="020B0503020204020204" pitchFamily="34" charset="-122"/>
+              </a:rPr>
+              <a:t>的分数</a:t>
             </a:r>
             <a:endParaRPr lang="en-US" altLang="zh-CN" dirty="0">
               <a:latin typeface="微软雅黑" panose="020B0503020204020204" pitchFamily="34" charset="-122"/>
@@ -6400,25 +10212,6 @@
             </a:endParaRPr>
           </a:p>
           <a:p>
-            <a:endParaRPr lang="en-US" altLang="zh-CN" dirty="0">
-              <a:latin typeface="微软雅黑" panose="020B0503020204020204" pitchFamily="34" charset="-122"/>
-              <a:ea typeface="微软雅黑" panose="020B0503020204020204" pitchFamily="34" charset="-122"/>
-            </a:endParaRPr>
-          </a:p>
-          <a:p>
-            <a:r>
-              <a:rPr lang="zh-CN" altLang="en-US" dirty="0">
-                <a:latin typeface="微软雅黑" panose="020B0503020204020204" pitchFamily="34" charset="-122"/>
-                <a:ea typeface="微软雅黑" panose="020B0503020204020204" pitchFamily="34" charset="-122"/>
-              </a:rPr>
-              <a:t>词向量训练参数：</a:t>
-            </a:r>
-            <a:endParaRPr lang="en-US" altLang="zh-CN" dirty="0">
-              <a:latin typeface="微软雅黑" panose="020B0503020204020204" pitchFamily="34" charset="-122"/>
-              <a:ea typeface="微软雅黑" panose="020B0503020204020204" pitchFamily="34" charset="-122"/>
-            </a:endParaRPr>
-          </a:p>
-          <a:p>
             <a:pPr marL="742950" lvl="1" indent="-285750">
               <a:buFont typeface="Arial" panose="020B0604020202020204" pitchFamily="34" charset="0"/>
               <a:buChar char="•"/>
@@ -6428,115 +10221,43 @@
                 <a:latin typeface="微软雅黑" panose="020B0503020204020204" pitchFamily="34" charset="-122"/>
                 <a:ea typeface="微软雅黑" panose="020B0503020204020204" pitchFamily="34" charset="-122"/>
               </a:rPr>
-              <a:t>词窗大小：</a:t>
+              <a:t>取分数靠前的前</a:t>
             </a:r>
             <a:r>
               <a:rPr lang="en-US" altLang="zh-CN" dirty="0">
                 <a:latin typeface="微软雅黑" panose="020B0503020204020204" pitchFamily="34" charset="-122"/>
                 <a:ea typeface="微软雅黑" panose="020B0503020204020204" pitchFamily="34" charset="-122"/>
               </a:rPr>
-              <a:t>5</a:t>
-            </a:r>
-          </a:p>
-          <a:p>
-            <a:pPr marL="742950" lvl="1" indent="-285750">
-              <a:buFont typeface="Arial" panose="020B0604020202020204" pitchFamily="34" charset="0"/>
-              <a:buChar char="•"/>
-            </a:pPr>
+              <a:t>50%</a:t>
+            </a:r>
             <a:r>
               <a:rPr lang="zh-CN" altLang="en-US" dirty="0">
                 <a:latin typeface="微软雅黑" panose="020B0503020204020204" pitchFamily="34" charset="-122"/>
                 <a:ea typeface="微软雅黑" panose="020B0503020204020204" pitchFamily="34" charset="-122"/>
               </a:rPr>
-              <a:t>词频过滤：</a:t>
+              <a:t>的</a:t>
             </a:r>
             <a:r>
               <a:rPr lang="en-US" altLang="zh-CN" dirty="0">
                 <a:latin typeface="微软雅黑" panose="020B0503020204020204" pitchFamily="34" charset="-122"/>
                 <a:ea typeface="微软雅黑" panose="020B0503020204020204" pitchFamily="34" charset="-122"/>
               </a:rPr>
-              <a:t>10</a:t>
-            </a:r>
-          </a:p>
-          <a:p>
-            <a:pPr marL="742950" lvl="1" indent="-285750">
-              <a:buFont typeface="Arial" panose="020B0604020202020204" pitchFamily="34" charset="0"/>
-              <a:buChar char="•"/>
-            </a:pPr>
+              <a:t>gram</a:t>
+            </a:r>
             <a:r>
               <a:rPr lang="zh-CN" altLang="en-US" dirty="0">
                 <a:latin typeface="微软雅黑" panose="020B0503020204020204" pitchFamily="34" charset="-122"/>
                 <a:ea typeface="微软雅黑" panose="020B0503020204020204" pitchFamily="34" charset="-122"/>
               </a:rPr>
-              <a:t>词向量维度：</a:t>
-            </a:r>
-            <a:r>
-              <a:rPr lang="en-US" altLang="zh-CN" dirty="0">
-                <a:latin typeface="微软雅黑" panose="020B0503020204020204" pitchFamily="34" charset="-122"/>
-                <a:ea typeface="微软雅黑" panose="020B0503020204020204" pitchFamily="34" charset="-122"/>
-              </a:rPr>
-              <a:t>100, 200, 300</a:t>
-            </a:r>
-          </a:p>
-          <a:p>
-            <a:pPr marL="285750" indent="-285750">
-              <a:buFont typeface="Arial" panose="020B0604020202020204" pitchFamily="34" charset="0"/>
-              <a:buChar char="•"/>
-            </a:pPr>
-            <a:endParaRPr lang="en-US" altLang="zh-CN" dirty="0">
-              <a:latin typeface="微软雅黑" panose="020B0503020204020204" pitchFamily="34" charset="-122"/>
-              <a:ea typeface="微软雅黑" panose="020B0503020204020204" pitchFamily="34" charset="-122"/>
-            </a:endParaRPr>
-          </a:p>
-          <a:p>
-            <a:endParaRPr lang="en-US" altLang="zh-CN" dirty="0">
-              <a:latin typeface="微软雅黑" panose="020B0503020204020204" pitchFamily="34" charset="-122"/>
-              <a:ea typeface="微软雅黑" panose="020B0503020204020204" pitchFamily="34" charset="-122"/>
-            </a:endParaRPr>
-          </a:p>
-          <a:p>
-            <a:pPr marL="742950" lvl="1" indent="-285750">
-              <a:buFont typeface="Arial" panose="020B0604020202020204" pitchFamily="34" charset="0"/>
-              <a:buChar char="•"/>
-            </a:pPr>
-            <a:endParaRPr lang="en-US" altLang="zh-CN" dirty="0">
-              <a:latin typeface="微软雅黑" panose="020B0503020204020204" pitchFamily="34" charset="-122"/>
-              <a:ea typeface="微软雅黑" panose="020B0503020204020204" pitchFamily="34" charset="-122"/>
-            </a:endParaRPr>
-          </a:p>
-          <a:p>
-            <a:pPr marL="742950" lvl="1" indent="-285750">
-              <a:buFont typeface="Arial" panose="020B0604020202020204" pitchFamily="34" charset="0"/>
-              <a:buChar char="•"/>
-            </a:pPr>
-            <a:endParaRPr lang="en-US" altLang="zh-CN" dirty="0">
-              <a:latin typeface="微软雅黑" panose="020B0503020204020204" pitchFamily="34" charset="-122"/>
-              <a:ea typeface="微软雅黑" panose="020B0503020204020204" pitchFamily="34" charset="-122"/>
-            </a:endParaRPr>
-          </a:p>
-          <a:p>
-            <a:pPr marL="742950" lvl="1" indent="-285750">
-              <a:buFont typeface="Arial" panose="020B0604020202020204" pitchFamily="34" charset="0"/>
-              <a:buChar char="•"/>
-            </a:pPr>
-            <a:endParaRPr lang="en-US" altLang="zh-CN" dirty="0">
-              <a:latin typeface="微软雅黑" panose="020B0503020204020204" pitchFamily="34" charset="-122"/>
-              <a:ea typeface="微软雅黑" panose="020B0503020204020204" pitchFamily="34" charset="-122"/>
-            </a:endParaRPr>
-          </a:p>
-          <a:p>
-            <a:pPr lvl="1"/>
-            <a:endParaRPr lang="en-US" altLang="zh-CN" dirty="0">
-              <a:latin typeface="微软雅黑" panose="020B0503020204020204" pitchFamily="34" charset="-122"/>
-              <a:ea typeface="微软雅黑" panose="020B0503020204020204" pitchFamily="34" charset="-122"/>
-            </a:endParaRPr>
+              <a:t>，再经过人工过滤，得到短语集合，加入到分词器的自定义字典中</a:t>
+            </a:r>
           </a:p>
         </p:txBody>
       </p:sp>
     </p:spTree>
     <p:extLst>
       <p:ext uri="{BB962C8B-B14F-4D97-AF65-F5344CB8AC3E}">
-        <p14:creationId xmlns:p14="http://schemas.microsoft.com/office/powerpoint/2010/main" val="3379556080"/>
+        <p14:creationId xmlns:p14="http://schemas.microsoft.com/office/powerpoint/2010/main" val="443795654"/>
       </p:ext>
     </p:extLst>
   </p:cSld>
@@ -6577,8 +10298,8 @@
         </p:nvSpPr>
         <p:spPr>
           <a:xfrm>
-            <a:off x="382667" y="547433"/>
-            <a:ext cx="1611340" cy="523220"/>
+            <a:off x="377857" y="547433"/>
+            <a:ext cx="1620958" cy="523220"/>
           </a:xfrm>
           <a:prstGeom prst="rect">
             <a:avLst/>
@@ -6592,16 +10313,12 @@
           <a:p>
             <a:pPr algn="ctr"/>
             <a:r>
-              <a:rPr lang="en-US" altLang="zh-CN" sz="2800" b="1" dirty="0" err="1">
-                <a:latin typeface="微软雅黑" panose="020B0503020204020204" pitchFamily="34" charset="-122"/>
-                <a:ea typeface="微软雅黑" panose="020B0503020204020204" pitchFamily="34" charset="-122"/>
-              </a:rPr>
-              <a:t>Kmeans</a:t>
-            </a:r>
-            <a:endParaRPr lang="zh-CN" altLang="en-US" sz="2800" b="1" dirty="0">
-              <a:latin typeface="微软雅黑" panose="020B0503020204020204" pitchFamily="34" charset="-122"/>
-              <a:ea typeface="微软雅黑" panose="020B0503020204020204" pitchFamily="34" charset="-122"/>
-            </a:endParaRPr>
+              <a:rPr lang="zh-CN" altLang="en-US" sz="2800" b="1" dirty="0">
+                <a:latin typeface="微软雅黑" panose="020B0503020204020204" pitchFamily="34" charset="-122"/>
+                <a:ea typeface="微软雅黑" panose="020B0503020204020204" pitchFamily="34" charset="-122"/>
+              </a:rPr>
+              <a:t>短语提取</a:t>
+            </a:r>
           </a:p>
         </p:txBody>
       </p:sp>
@@ -6620,7 +10337,7 @@
         <p:spPr>
           <a:xfrm>
             <a:off x="821801" y="1377387"/>
-            <a:ext cx="10475089" cy="2585323"/>
+            <a:ext cx="10475089" cy="369332"/>
           </a:xfrm>
           <a:prstGeom prst="rect">
             <a:avLst/>
@@ -6638,150 +10355,117 @@
                 <a:latin typeface="微软雅黑" panose="020B0503020204020204" pitchFamily="34" charset="-122"/>
                 <a:ea typeface="微软雅黑" panose="020B0503020204020204" pitchFamily="34" charset="-122"/>
               </a:rPr>
-              <a:t>通过对词向量进行</a:t>
-            </a:r>
-            <a:r>
-              <a:rPr lang="en-US" altLang="zh-CN" dirty="0" err="1">
-                <a:latin typeface="微软雅黑" panose="020B0503020204020204" pitchFamily="34" charset="-122"/>
-                <a:ea typeface="微软雅黑" panose="020B0503020204020204" pitchFamily="34" charset="-122"/>
-              </a:rPr>
-              <a:t>kmeans</a:t>
-            </a:r>
-            <a:r>
-              <a:rPr lang="zh-CN" altLang="en-US" dirty="0">
-                <a:latin typeface="微软雅黑" panose="020B0503020204020204" pitchFamily="34" charset="-122"/>
-                <a:ea typeface="微软雅黑" panose="020B0503020204020204" pitchFamily="34" charset="-122"/>
-              </a:rPr>
-              <a:t>聚类，将</a:t>
-            </a:r>
-            <a:r>
-              <a:rPr lang="en-US" altLang="zh-CN" dirty="0">
-                <a:latin typeface="微软雅黑" panose="020B0503020204020204" pitchFamily="34" charset="-122"/>
-                <a:ea typeface="微软雅黑" panose="020B0503020204020204" pitchFamily="34" charset="-122"/>
-              </a:rPr>
-              <a:t>CSR</a:t>
-            </a:r>
-            <a:r>
-              <a:rPr lang="zh-CN" altLang="en-US" dirty="0">
-                <a:latin typeface="微软雅黑" panose="020B0503020204020204" pitchFamily="34" charset="-122"/>
-                <a:ea typeface="微软雅黑" panose="020B0503020204020204" pitchFamily="34" charset="-122"/>
-              </a:rPr>
-              <a:t>报告中呈现出的词语进行归类为</a:t>
-            </a:r>
-            <a:r>
-              <a:rPr lang="en-US" altLang="zh-CN" dirty="0">
-                <a:latin typeface="微软雅黑" panose="020B0503020204020204" pitchFamily="34" charset="-122"/>
-                <a:ea typeface="微软雅黑" panose="020B0503020204020204" pitchFamily="34" charset="-122"/>
-              </a:rPr>
-              <a:t>200</a:t>
-            </a:r>
-            <a:r>
-              <a:rPr lang="zh-CN" altLang="en-US" dirty="0">
-                <a:latin typeface="微软雅黑" panose="020B0503020204020204" pitchFamily="34" charset="-122"/>
-                <a:ea typeface="微软雅黑" panose="020B0503020204020204" pitchFamily="34" charset="-122"/>
-              </a:rPr>
-              <a:t>个类别，并进行人工筛选</a:t>
+              <a:t>将提取出来的短语加入到分词器的自定义字典后的分词效果</a:t>
             </a:r>
             <a:endParaRPr lang="en-US" altLang="zh-CN" dirty="0">
               <a:latin typeface="微软雅黑" panose="020B0503020204020204" pitchFamily="34" charset="-122"/>
               <a:ea typeface="微软雅黑" panose="020B0503020204020204" pitchFamily="34" charset="-122"/>
             </a:endParaRPr>
           </a:p>
-          <a:p>
-            <a:endParaRPr lang="en-US" altLang="zh-CN" dirty="0">
-              <a:latin typeface="微软雅黑" panose="020B0503020204020204" pitchFamily="34" charset="-122"/>
-              <a:ea typeface="微软雅黑" panose="020B0503020204020204" pitchFamily="34" charset="-122"/>
-            </a:endParaRPr>
-          </a:p>
-          <a:p>
-            <a:r>
-              <a:rPr lang="zh-CN" altLang="en-US" dirty="0">
-                <a:latin typeface="微软雅黑" panose="020B0503020204020204" pitchFamily="34" charset="-122"/>
-                <a:ea typeface="微软雅黑" panose="020B0503020204020204" pitchFamily="34" charset="-122"/>
-              </a:rPr>
-              <a:t>第一版是以全部词语进行训练的，发现其中掺杂着很多噪音，且我们想要的结果大多数是名词</a:t>
-            </a:r>
-            <a:endParaRPr lang="en-US" altLang="zh-CN" dirty="0">
-              <a:latin typeface="微软雅黑" panose="020B0503020204020204" pitchFamily="34" charset="-122"/>
-              <a:ea typeface="微软雅黑" panose="020B0503020204020204" pitchFamily="34" charset="-122"/>
-            </a:endParaRPr>
-          </a:p>
-          <a:p>
-            <a:endParaRPr lang="en-US" altLang="zh-CN" dirty="0">
-              <a:latin typeface="微软雅黑" panose="020B0503020204020204" pitchFamily="34" charset="-122"/>
-              <a:ea typeface="微软雅黑" panose="020B0503020204020204" pitchFamily="34" charset="-122"/>
-            </a:endParaRPr>
-          </a:p>
-          <a:p>
-            <a:r>
-              <a:rPr lang="zh-CN" altLang="en-US" dirty="0">
-                <a:latin typeface="微软雅黑" panose="020B0503020204020204" pitchFamily="34" charset="-122"/>
-                <a:ea typeface="微软雅黑" panose="020B0503020204020204" pitchFamily="34" charset="-122"/>
-              </a:rPr>
-              <a:t>第二版只选取名词、动名词和形名词作为聚类对象，得到相对更加纯净的聚类结果，一共是</a:t>
-            </a:r>
-            <a:r>
-              <a:rPr lang="en-US" altLang="zh-CN" dirty="0">
-                <a:latin typeface="微软雅黑" panose="020B0503020204020204" pitchFamily="34" charset="-122"/>
-                <a:ea typeface="微软雅黑" panose="020B0503020204020204" pitchFamily="34" charset="-122"/>
-              </a:rPr>
-              <a:t>38585</a:t>
-            </a:r>
-            <a:r>
-              <a:rPr lang="zh-CN" altLang="en-US" dirty="0">
-                <a:latin typeface="微软雅黑" panose="020B0503020204020204" pitchFamily="34" charset="-122"/>
-                <a:ea typeface="微软雅黑" panose="020B0503020204020204" pitchFamily="34" charset="-122"/>
-              </a:rPr>
-              <a:t>个词</a:t>
-            </a:r>
-            <a:endParaRPr lang="en-US" altLang="zh-CN" dirty="0">
-              <a:latin typeface="微软雅黑" panose="020B0503020204020204" pitchFamily="34" charset="-122"/>
-              <a:ea typeface="微软雅黑" panose="020B0503020204020204" pitchFamily="34" charset="-122"/>
-            </a:endParaRPr>
-          </a:p>
-          <a:p>
-            <a:pPr marL="742950" lvl="1" indent="-285750">
-              <a:buFont typeface="Arial" panose="020B0604020202020204" pitchFamily="34" charset="0"/>
-              <a:buChar char="•"/>
-            </a:pPr>
-            <a:endParaRPr lang="en-US" altLang="zh-CN" dirty="0">
-              <a:latin typeface="微软雅黑" panose="020B0503020204020204" pitchFamily="34" charset="-122"/>
-              <a:ea typeface="微软雅黑" panose="020B0503020204020204" pitchFamily="34" charset="-122"/>
-            </a:endParaRPr>
-          </a:p>
-          <a:p>
-            <a:pPr marL="742950" lvl="1" indent="-285750">
-              <a:buFont typeface="Arial" panose="020B0604020202020204" pitchFamily="34" charset="0"/>
-              <a:buChar char="•"/>
-            </a:pPr>
-            <a:endParaRPr lang="en-US" altLang="zh-CN" dirty="0">
-              <a:latin typeface="微软雅黑" panose="020B0503020204020204" pitchFamily="34" charset="-122"/>
-              <a:ea typeface="微软雅黑" panose="020B0503020204020204" pitchFamily="34" charset="-122"/>
-            </a:endParaRPr>
-          </a:p>
-          <a:p>
-            <a:pPr marL="742950" lvl="1" indent="-285750">
-              <a:buFont typeface="Arial" panose="020B0604020202020204" pitchFamily="34" charset="0"/>
-              <a:buChar char="•"/>
-            </a:pPr>
-            <a:endParaRPr lang="en-US" altLang="zh-CN" dirty="0">
-              <a:latin typeface="微软雅黑" panose="020B0503020204020204" pitchFamily="34" charset="-122"/>
-              <a:ea typeface="微软雅黑" panose="020B0503020204020204" pitchFamily="34" charset="-122"/>
-            </a:endParaRPr>
-          </a:p>
-          <a:p>
-            <a:pPr lvl="1"/>
-            <a:endParaRPr lang="en-US" altLang="zh-CN" dirty="0">
-              <a:latin typeface="微软雅黑" panose="020B0503020204020204" pitchFamily="34" charset="-122"/>
-              <a:ea typeface="微软雅黑" panose="020B0503020204020204" pitchFamily="34" charset="-122"/>
-            </a:endParaRPr>
-          </a:p>
-        </p:txBody>
-      </p:sp>
+        </p:txBody>
+      </p:sp>
+      <p:pic>
+        <p:nvPicPr>
+          <p:cNvPr id="4" name="图片 3">
+            <a:extLst>
+              <a:ext uri="{FF2B5EF4-FFF2-40B4-BE49-F238E27FC236}">
+                <a16:creationId xmlns:a16="http://schemas.microsoft.com/office/drawing/2014/main" id="{0330635A-108B-44E8-B9FB-4FC044D9EEC0}"/>
+              </a:ext>
+            </a:extLst>
+          </p:cNvPr>
+          <p:cNvPicPr>
+            <a:picLocks noChangeAspect="1"/>
+          </p:cNvPicPr>
+          <p:nvPr/>
+        </p:nvPicPr>
+        <p:blipFill rotWithShape="1">
+          <a:blip r:embed="rId2"/>
+          <a:srcRect b="19483"/>
+          <a:stretch/>
+        </p:blipFill>
+        <p:spPr>
+          <a:xfrm>
+            <a:off x="747712" y="1942140"/>
+            <a:ext cx="10944225" cy="2111867"/>
+          </a:xfrm>
+          <a:prstGeom prst="rect">
+            <a:avLst/>
+          </a:prstGeom>
+        </p:spPr>
+      </p:pic>
+      <p:pic>
+        <p:nvPicPr>
+          <p:cNvPr id="7" name="图形 6" descr="箭头: 轻微弯曲">
+            <a:extLst>
+              <a:ext uri="{FF2B5EF4-FFF2-40B4-BE49-F238E27FC236}">
+                <a16:creationId xmlns:a16="http://schemas.microsoft.com/office/drawing/2014/main" id="{2F2D73A8-F4FA-411E-88C0-8CEFD52C0723}"/>
+              </a:ext>
+            </a:extLst>
+          </p:cNvPr>
+          <p:cNvPicPr>
+            <a:picLocks noChangeAspect="1"/>
+          </p:cNvPicPr>
+          <p:nvPr/>
+        </p:nvPicPr>
+        <p:blipFill>
+          <a:blip r:embed="rId3">
+            <a:extLst>
+              <a:ext uri="{28A0092B-C50C-407E-A947-70E740481C1C}">
+                <a14:useLocalDpi xmlns:a14="http://schemas.microsoft.com/office/drawing/2010/main" val="0"/>
+              </a:ext>
+              <a:ext uri="{96DAC541-7B7A-43D3-8B79-37D633B846F1}">
+                <asvg:svgBlip xmlns:asvg="http://schemas.microsoft.com/office/drawing/2016/SVG/main" r:embed="rId4"/>
+              </a:ext>
+            </a:extLst>
+          </a:blip>
+          <a:stretch>
+            <a:fillRect/>
+          </a:stretch>
+        </p:blipFill>
+        <p:spPr>
+          <a:xfrm rot="5400000">
+            <a:off x="5718698" y="4044482"/>
+            <a:ext cx="501126" cy="501126"/>
+          </a:xfrm>
+          <a:prstGeom prst="rect">
+            <a:avLst/>
+          </a:prstGeom>
+        </p:spPr>
+      </p:pic>
+      <p:pic>
+        <p:nvPicPr>
+          <p:cNvPr id="8" name="图片 7">
+            <a:extLst>
+              <a:ext uri="{FF2B5EF4-FFF2-40B4-BE49-F238E27FC236}">
+                <a16:creationId xmlns:a16="http://schemas.microsoft.com/office/drawing/2014/main" id="{8AB5AB3B-EA8A-4CAB-AC38-A8FD7F175EFD}"/>
+              </a:ext>
+            </a:extLst>
+          </p:cNvPr>
+          <p:cNvPicPr>
+            <a:picLocks noChangeAspect="1"/>
+          </p:cNvPicPr>
+          <p:nvPr/>
+        </p:nvPicPr>
+        <p:blipFill>
+          <a:blip r:embed="rId5"/>
+          <a:stretch>
+            <a:fillRect/>
+          </a:stretch>
+        </p:blipFill>
+        <p:spPr>
+          <a:xfrm>
+            <a:off x="676275" y="4555133"/>
+            <a:ext cx="11015662" cy="2218028"/>
+          </a:xfrm>
+          <a:prstGeom prst="rect">
+            <a:avLst/>
+          </a:prstGeom>
+        </p:spPr>
+      </p:pic>
     </p:spTree>
     <p:extLst>
       <p:ext uri="{BB962C8B-B14F-4D97-AF65-F5344CB8AC3E}">
-        <p14:creationId xmlns:p14="http://schemas.microsoft.com/office/powerpoint/2010/main" val="2777865318"/>
+        <p14:creationId xmlns:p14="http://schemas.microsoft.com/office/powerpoint/2010/main" val="2055495473"/>
       </p:ext>
     </p:extLst>
   </p:cSld>
@@ -6822,8 +10506,8 @@
         </p:nvSpPr>
         <p:spPr>
           <a:xfrm>
-            <a:off x="222982" y="547433"/>
-            <a:ext cx="2496197" cy="523220"/>
+            <a:off x="377856" y="547433"/>
+            <a:ext cx="1620958" cy="523220"/>
           </a:xfrm>
           <a:prstGeom prst="rect">
             <a:avLst/>
@@ -6841,21 +10525,7 @@
                 <a:latin typeface="微软雅黑" panose="020B0503020204020204" pitchFamily="34" charset="-122"/>
                 <a:ea typeface="微软雅黑" panose="020B0503020204020204" pitchFamily="34" charset="-122"/>
               </a:rPr>
-              <a:t>文档</a:t>
-            </a:r>
-            <a:r>
-              <a:rPr lang="en-US" altLang="zh-CN" sz="2800" b="1" dirty="0">
-                <a:latin typeface="微软雅黑" panose="020B0503020204020204" pitchFamily="34" charset="-122"/>
-                <a:ea typeface="微软雅黑" panose="020B0503020204020204" pitchFamily="34" charset="-122"/>
-              </a:rPr>
-              <a:t>-</a:t>
-            </a:r>
-            <a:r>
-              <a:rPr lang="zh-CN" altLang="en-US" sz="2800" b="1" dirty="0">
-                <a:latin typeface="微软雅黑" panose="020B0503020204020204" pitchFamily="34" charset="-122"/>
-                <a:ea typeface="微软雅黑" panose="020B0503020204020204" pitchFamily="34" charset="-122"/>
-              </a:rPr>
-              <a:t>主题分布</a:t>
+              <a:t>过滤逻辑</a:t>
             </a:r>
           </a:p>
         </p:txBody>
@@ -6875,7 +10545,7 @@
         <p:spPr>
           <a:xfrm>
             <a:off x="821801" y="1377387"/>
-            <a:ext cx="10475089" cy="1200329"/>
+            <a:ext cx="10475089" cy="1477328"/>
           </a:xfrm>
           <a:prstGeom prst="rect">
             <a:avLst/>
@@ -6888,48 +10558,125 @@
           </a:bodyPr>
           <a:lstStyle/>
           <a:p>
-            <a:pPr marL="742950" lvl="1" indent="-285750">
-              <a:buFont typeface="Arial" panose="020B0604020202020204" pitchFamily="34" charset="0"/>
-              <a:buChar char="•"/>
-            </a:pPr>
+            <a:r>
+              <a:rPr lang="zh-CN" altLang="en-US" dirty="0">
+                <a:latin typeface="微软雅黑" panose="020B0503020204020204" pitchFamily="34" charset="-122"/>
+                <a:ea typeface="微软雅黑" panose="020B0503020204020204" pitchFamily="34" charset="-122"/>
+              </a:rPr>
+              <a:t>有一些文档出现了严重的转化错误，在分词后结果很差，因此我们需要舍弃这些文档，去除错误句子数的比例超过</a:t>
+            </a:r>
+            <a:r>
+              <a:rPr lang="en-US" altLang="zh-CN" dirty="0">
+                <a:latin typeface="微软雅黑" panose="020B0503020204020204" pitchFamily="34" charset="-122"/>
+                <a:ea typeface="微软雅黑" panose="020B0503020204020204" pitchFamily="34" charset="-122"/>
+              </a:rPr>
+              <a:t>20%</a:t>
+            </a:r>
+            <a:r>
+              <a:rPr lang="zh-CN" altLang="en-US" dirty="0">
+                <a:latin typeface="微软雅黑" panose="020B0503020204020204" pitchFamily="34" charset="-122"/>
+                <a:ea typeface="微软雅黑" panose="020B0503020204020204" pitchFamily="34" charset="-122"/>
+              </a:rPr>
+              <a:t>的文档</a:t>
+            </a:r>
             <a:endParaRPr lang="en-US" altLang="zh-CN" dirty="0">
               <a:latin typeface="微软雅黑" panose="020B0503020204020204" pitchFamily="34" charset="-122"/>
               <a:ea typeface="微软雅黑" panose="020B0503020204020204" pitchFamily="34" charset="-122"/>
             </a:endParaRPr>
           </a:p>
           <a:p>
-            <a:pPr marL="742950" lvl="1" indent="-285750">
-              <a:buFont typeface="Arial" panose="020B0604020202020204" pitchFamily="34" charset="0"/>
-              <a:buChar char="•"/>
-            </a:pPr>
             <a:endParaRPr lang="en-US" altLang="zh-CN" dirty="0">
               <a:latin typeface="微软雅黑" panose="020B0503020204020204" pitchFamily="34" charset="-122"/>
               <a:ea typeface="微软雅黑" panose="020B0503020204020204" pitchFamily="34" charset="-122"/>
             </a:endParaRPr>
           </a:p>
           <a:p>
-            <a:pPr marL="742950" lvl="1" indent="-285750">
-              <a:buFont typeface="Arial" panose="020B0604020202020204" pitchFamily="34" charset="0"/>
-              <a:buChar char="•"/>
-            </a:pPr>
-            <a:endParaRPr lang="en-US" altLang="zh-CN" dirty="0">
-              <a:latin typeface="微软雅黑" panose="020B0503020204020204" pitchFamily="34" charset="-122"/>
-              <a:ea typeface="微软雅黑" panose="020B0503020204020204" pitchFamily="34" charset="-122"/>
-            </a:endParaRPr>
-          </a:p>
-          <a:p>
-            <a:pPr lvl="1"/>
-            <a:endParaRPr lang="en-US" altLang="zh-CN" dirty="0">
-              <a:latin typeface="微软雅黑" panose="020B0503020204020204" pitchFamily="34" charset="-122"/>
-              <a:ea typeface="微软雅黑" panose="020B0503020204020204" pitchFamily="34" charset="-122"/>
-            </a:endParaRPr>
-          </a:p>
-        </p:txBody>
-      </p:sp>
+            <a:r>
+              <a:rPr lang="zh-CN" altLang="en-US" dirty="0">
+                <a:latin typeface="微软雅黑" panose="020B0503020204020204" pitchFamily="34" charset="-122"/>
+                <a:ea typeface="微软雅黑" panose="020B0503020204020204" pitchFamily="34" charset="-122"/>
+              </a:rPr>
+              <a:t>错误句子定义为切词数目过多的句子，即切完词的词数占总字数的比例不能超过</a:t>
+            </a:r>
+            <a:r>
+              <a:rPr lang="en-US" altLang="zh-CN" dirty="0">
+                <a:latin typeface="微软雅黑" panose="020B0503020204020204" pitchFamily="34" charset="-122"/>
+                <a:ea typeface="微软雅黑" panose="020B0503020204020204" pitchFamily="34" charset="-122"/>
+              </a:rPr>
+              <a:t>70%</a:t>
+            </a:r>
+            <a:r>
+              <a:rPr lang="zh-CN" altLang="en-US" dirty="0">
+                <a:latin typeface="微软雅黑" panose="020B0503020204020204" pitchFamily="34" charset="-122"/>
+                <a:ea typeface="微软雅黑" panose="020B0503020204020204" pitchFamily="34" charset="-122"/>
+              </a:rPr>
+              <a:t>，于是去除了</a:t>
+            </a:r>
+            <a:r>
+              <a:rPr lang="en-US" altLang="zh-CN" dirty="0">
+                <a:latin typeface="微软雅黑" panose="020B0503020204020204" pitchFamily="34" charset="-122"/>
+                <a:ea typeface="微软雅黑" panose="020B0503020204020204" pitchFamily="34" charset="-122"/>
+              </a:rPr>
+              <a:t>36</a:t>
+            </a:r>
+            <a:r>
+              <a:rPr lang="zh-CN" altLang="en-US" dirty="0">
+                <a:latin typeface="微软雅黑" panose="020B0503020204020204" pitchFamily="34" charset="-122"/>
+                <a:ea typeface="微软雅黑" panose="020B0503020204020204" pitchFamily="34" charset="-122"/>
+              </a:rPr>
+              <a:t>份无效文档后，我们得到了相对干净的</a:t>
+            </a:r>
+            <a:r>
+              <a:rPr lang="en-US" altLang="zh-CN" dirty="0">
+                <a:latin typeface="微软雅黑" panose="020B0503020204020204" pitchFamily="34" charset="-122"/>
+                <a:ea typeface="微软雅黑" panose="020B0503020204020204" pitchFamily="34" charset="-122"/>
+              </a:rPr>
+              <a:t>5639</a:t>
+            </a:r>
+            <a:r>
+              <a:rPr lang="zh-CN" altLang="en-US" dirty="0">
+                <a:latin typeface="微软雅黑" panose="020B0503020204020204" pitchFamily="34" charset="-122"/>
+                <a:ea typeface="微软雅黑" panose="020B0503020204020204" pitchFamily="34" charset="-122"/>
+              </a:rPr>
+              <a:t>份分词后的文档集合</a:t>
+            </a:r>
+          </a:p>
+        </p:txBody>
+      </p:sp>
+      <p:pic>
+        <p:nvPicPr>
+          <p:cNvPr id="2" name="图片 1">
+            <a:extLst>
+              <a:ext uri="{FF2B5EF4-FFF2-40B4-BE49-F238E27FC236}">
+                <a16:creationId xmlns:a16="http://schemas.microsoft.com/office/drawing/2014/main" id="{639C214B-9B5F-4228-8AE3-F7D20D421DDC}"/>
+              </a:ext>
+            </a:extLst>
+          </p:cNvPr>
+          <p:cNvPicPr>
+            <a:picLocks noChangeAspect="1"/>
+          </p:cNvPicPr>
+          <p:nvPr/>
+        </p:nvPicPr>
+        <p:blipFill>
+          <a:blip r:embed="rId2"/>
+          <a:stretch>
+            <a:fillRect/>
+          </a:stretch>
+        </p:blipFill>
+        <p:spPr>
+          <a:xfrm>
+            <a:off x="697519" y="3348767"/>
+            <a:ext cx="10796961" cy="2131846"/>
+          </a:xfrm>
+          <a:prstGeom prst="rect">
+            <a:avLst/>
+          </a:prstGeom>
+        </p:spPr>
+      </p:pic>
     </p:spTree>
     <p:extLst>
       <p:ext uri="{BB962C8B-B14F-4D97-AF65-F5344CB8AC3E}">
-        <p14:creationId xmlns:p14="http://schemas.microsoft.com/office/powerpoint/2010/main" val="3444844739"/>
+        <p14:creationId xmlns:p14="http://schemas.microsoft.com/office/powerpoint/2010/main" val="4081602529"/>
       </p:ext>
     </p:extLst>
   </p:cSld>
@@ -7232,4 +10979,299 @@
     </a:ext>
   </a:extLst>
 </a:theme>
+</file>
+
+<file path=ppt/theme/theme2.xml><?xml version="1.0" encoding="utf-8"?>
+<a:theme xmlns:a="http://schemas.openxmlformats.org/drawingml/2006/main" name="Office 主题​​">
+  <a:themeElements>
+    <a:clrScheme name="Office">
+      <a:dk1>
+        <a:sysClr val="windowText" lastClr="000000"/>
+      </a:dk1>
+      <a:lt1>
+        <a:sysClr val="window" lastClr="FFFFFF"/>
+      </a:lt1>
+      <a:dk2>
+        <a:srgbClr val="44546A"/>
+      </a:dk2>
+      <a:lt2>
+        <a:srgbClr val="E7E6E6"/>
+      </a:lt2>
+      <a:accent1>
+        <a:srgbClr val="4472C4"/>
+      </a:accent1>
+      <a:accent2>
+        <a:srgbClr val="ED7D31"/>
+      </a:accent2>
+      <a:accent3>
+        <a:srgbClr val="A5A5A5"/>
+      </a:accent3>
+      <a:accent4>
+        <a:srgbClr val="FFC000"/>
+      </a:accent4>
+      <a:accent5>
+        <a:srgbClr val="5B9BD5"/>
+      </a:accent5>
+      <a:accent6>
+        <a:srgbClr val="70AD47"/>
+      </a:accent6>
+      <a:hlink>
+        <a:srgbClr val="0563C1"/>
+      </a:hlink>
+      <a:folHlink>
+        <a:srgbClr val="954F72"/>
+      </a:folHlink>
+    </a:clrScheme>
+    <a:fontScheme name="Office">
+      <a:majorFont>
+        <a:latin typeface="等线 Light" panose="020F0302020204030204"/>
+        <a:ea typeface=""/>
+        <a:cs typeface=""/>
+        <a:font script="Jpan" typeface="游ゴシック Light"/>
+        <a:font script="Hang" typeface="맑은 고딕"/>
+        <a:font script="Hans" typeface="等线 Light"/>
+        <a:font script="Hant" typeface="新細明體"/>
+        <a:font script="Arab" typeface="Times New Roman"/>
+        <a:font script="Hebr" typeface="Times New Roman"/>
+        <a:font script="Thai" typeface="Angsana New"/>
+        <a:font script="Ethi" typeface="Nyala"/>
+        <a:font script="Beng" typeface="Vrinda"/>
+        <a:font script="Gujr" typeface="Shruti"/>
+        <a:font script="Khmr" typeface="MoolBoran"/>
+        <a:font script="Knda" typeface="Tunga"/>
+        <a:font script="Guru" typeface="Raavi"/>
+        <a:font script="Cans" typeface="Euphemia"/>
+        <a:font script="Cher" typeface="Plantagenet Cherokee"/>
+        <a:font script="Yiii" typeface="Microsoft Yi Baiti"/>
+        <a:font script="Tibt" typeface="Microsoft Himalaya"/>
+        <a:font script="Thaa" typeface="MV Boli"/>
+        <a:font script="Deva" typeface="Mangal"/>
+        <a:font script="Telu" typeface="Gautami"/>
+        <a:font script="Taml" typeface="Latha"/>
+        <a:font script="Syrc" typeface="Estrangelo Edessa"/>
+        <a:font script="Orya" typeface="Kalinga"/>
+        <a:font script="Mlym" typeface="Kartika"/>
+        <a:font script="Laoo" typeface="DokChampa"/>
+        <a:font script="Sinh" typeface="Iskoola Pota"/>
+        <a:font script="Mong" typeface="Mongolian Baiti"/>
+        <a:font script="Viet" typeface="Times New Roman"/>
+        <a:font script="Uigh" typeface="Microsoft Uighur"/>
+        <a:font script="Geor" typeface="Sylfaen"/>
+        <a:font script="Armn" typeface="Arial"/>
+        <a:font script="Bugi" typeface="Leelawadee UI"/>
+        <a:font script="Bopo" typeface="Microsoft JhengHei"/>
+        <a:font script="Java" typeface="Javanese Text"/>
+        <a:font script="Lisu" typeface="Segoe UI"/>
+        <a:font script="Mymr" typeface="Myanmar Text"/>
+        <a:font script="Nkoo" typeface="Ebrima"/>
+        <a:font script="Olck" typeface="Nirmala UI"/>
+        <a:font script="Osma" typeface="Ebrima"/>
+        <a:font script="Phag" typeface="Phagspa"/>
+        <a:font script="Syrn" typeface="Estrangelo Edessa"/>
+        <a:font script="Syrj" typeface="Estrangelo Edessa"/>
+        <a:font script="Syre" typeface="Estrangelo Edessa"/>
+        <a:font script="Sora" typeface="Nirmala UI"/>
+        <a:font script="Tale" typeface="Microsoft Tai Le"/>
+        <a:font script="Talu" typeface="Microsoft New Tai Lue"/>
+        <a:font script="Tfng" typeface="Ebrima"/>
+      </a:majorFont>
+      <a:minorFont>
+        <a:latin typeface="等线" panose="020F0502020204030204"/>
+        <a:ea typeface=""/>
+        <a:cs typeface=""/>
+        <a:font script="Jpan" typeface="游ゴシック"/>
+        <a:font script="Hang" typeface="맑은 고딕"/>
+        <a:font script="Hans" typeface="等线"/>
+        <a:font script="Hant" typeface="新細明體"/>
+        <a:font script="Arab" typeface="Arial"/>
+        <a:font script="Hebr" typeface="Arial"/>
+        <a:font script="Thai" typeface="Cordia New"/>
+        <a:font script="Ethi" typeface="Nyala"/>
+        <a:font script="Beng" typeface="Vrinda"/>
+        <a:font script="Gujr" typeface="Shruti"/>
+        <a:font script="Khmr" typeface="DaunPenh"/>
+        <a:font script="Knda" typeface="Tunga"/>
+        <a:font script="Guru" typeface="Raavi"/>
+        <a:font script="Cans" typeface="Euphemia"/>
+        <a:font script="Cher" typeface="Plantagenet Cherokee"/>
+        <a:font script="Yiii" typeface="Microsoft Yi Baiti"/>
+        <a:font script="Tibt" typeface="Microsoft Himalaya"/>
+        <a:font script="Thaa" typeface="MV Boli"/>
+        <a:font script="Deva" typeface="Mangal"/>
+        <a:font script="Telu" typeface="Gautami"/>
+        <a:font script="Taml" typeface="Latha"/>
+        <a:font script="Syrc" typeface="Estrangelo Edessa"/>
+        <a:font script="Orya" typeface="Kalinga"/>
+        <a:font script="Mlym" typeface="Kartika"/>
+        <a:font script="Laoo" typeface="DokChampa"/>
+        <a:font script="Sinh" typeface="Iskoola Pota"/>
+        <a:font script="Mong" typeface="Mongolian Baiti"/>
+        <a:font script="Viet" typeface="Arial"/>
+        <a:font script="Uigh" typeface="Microsoft Uighur"/>
+        <a:font script="Geor" typeface="Sylfaen"/>
+        <a:font script="Armn" typeface="Arial"/>
+        <a:font script="Bugi" typeface="Leelawadee UI"/>
+        <a:font script="Bopo" typeface="Microsoft JhengHei"/>
+        <a:font script="Java" typeface="Javanese Text"/>
+        <a:font script="Lisu" typeface="Segoe UI"/>
+        <a:font script="Mymr" typeface="Myanmar Text"/>
+        <a:font script="Nkoo" typeface="Ebrima"/>
+        <a:font script="Olck" typeface="Nirmala UI"/>
+        <a:font script="Osma" typeface="Ebrima"/>
+        <a:font script="Phag" typeface="Phagspa"/>
+        <a:font script="Syrn" typeface="Estrangelo Edessa"/>
+        <a:font script="Syrj" typeface="Estrangelo Edessa"/>
+        <a:font script="Syre" typeface="Estrangelo Edessa"/>
+        <a:font script="Sora" typeface="Nirmala UI"/>
+        <a:font script="Tale" typeface="Microsoft Tai Le"/>
+        <a:font script="Talu" typeface="Microsoft New Tai Lue"/>
+        <a:font script="Tfng" typeface="Ebrima"/>
+      </a:minorFont>
+    </a:fontScheme>
+    <a:fmtScheme name="Office">
+      <a:fillStyleLst>
+        <a:solidFill>
+          <a:schemeClr val="phClr"/>
+        </a:solidFill>
+        <a:gradFill rotWithShape="1">
+          <a:gsLst>
+            <a:gs pos="0">
+              <a:schemeClr val="phClr">
+                <a:lumMod val="110000"/>
+                <a:satMod val="105000"/>
+                <a:tint val="67000"/>
+              </a:schemeClr>
+            </a:gs>
+            <a:gs pos="50000">
+              <a:schemeClr val="phClr">
+                <a:lumMod val="105000"/>
+                <a:satMod val="103000"/>
+                <a:tint val="73000"/>
+              </a:schemeClr>
+            </a:gs>
+            <a:gs pos="100000">
+              <a:schemeClr val="phClr">
+                <a:lumMod val="105000"/>
+                <a:satMod val="109000"/>
+                <a:tint val="81000"/>
+              </a:schemeClr>
+            </a:gs>
+          </a:gsLst>
+          <a:lin ang="5400000" scaled="0"/>
+        </a:gradFill>
+        <a:gradFill rotWithShape="1">
+          <a:gsLst>
+            <a:gs pos="0">
+              <a:schemeClr val="phClr">
+                <a:satMod val="103000"/>
+                <a:lumMod val="102000"/>
+                <a:tint val="94000"/>
+              </a:schemeClr>
+            </a:gs>
+            <a:gs pos="50000">
+              <a:schemeClr val="phClr">
+                <a:satMod val="110000"/>
+                <a:lumMod val="100000"/>
+                <a:shade val="100000"/>
+              </a:schemeClr>
+            </a:gs>
+            <a:gs pos="100000">
+              <a:schemeClr val="phClr">
+                <a:lumMod val="99000"/>
+                <a:satMod val="120000"/>
+                <a:shade val="78000"/>
+              </a:schemeClr>
+            </a:gs>
+          </a:gsLst>
+          <a:lin ang="5400000" scaled="0"/>
+        </a:gradFill>
+      </a:fillStyleLst>
+      <a:lnStyleLst>
+        <a:ln w="6350" cap="flat" cmpd="sng" algn="ctr">
+          <a:solidFill>
+            <a:schemeClr val="phClr"/>
+          </a:solidFill>
+          <a:prstDash val="solid"/>
+          <a:miter lim="800000"/>
+        </a:ln>
+        <a:ln w="12700" cap="flat" cmpd="sng" algn="ctr">
+          <a:solidFill>
+            <a:schemeClr val="phClr"/>
+          </a:solidFill>
+          <a:prstDash val="solid"/>
+          <a:miter lim="800000"/>
+        </a:ln>
+        <a:ln w="19050" cap="flat" cmpd="sng" algn="ctr">
+          <a:solidFill>
+            <a:schemeClr val="phClr"/>
+          </a:solidFill>
+          <a:prstDash val="solid"/>
+          <a:miter lim="800000"/>
+        </a:ln>
+      </a:lnStyleLst>
+      <a:effectStyleLst>
+        <a:effectStyle>
+          <a:effectLst/>
+        </a:effectStyle>
+        <a:effectStyle>
+          <a:effectLst/>
+        </a:effectStyle>
+        <a:effectStyle>
+          <a:effectLst>
+            <a:outerShdw blurRad="57150" dist="19050" dir="5400000" algn="ctr" rotWithShape="0">
+              <a:srgbClr val="000000">
+                <a:alpha val="63000"/>
+              </a:srgbClr>
+            </a:outerShdw>
+          </a:effectLst>
+        </a:effectStyle>
+      </a:effectStyleLst>
+      <a:bgFillStyleLst>
+        <a:solidFill>
+          <a:schemeClr val="phClr"/>
+        </a:solidFill>
+        <a:solidFill>
+          <a:schemeClr val="phClr">
+            <a:tint val="95000"/>
+            <a:satMod val="170000"/>
+          </a:schemeClr>
+        </a:solidFill>
+        <a:gradFill rotWithShape="1">
+          <a:gsLst>
+            <a:gs pos="0">
+              <a:schemeClr val="phClr">
+                <a:tint val="93000"/>
+                <a:satMod val="150000"/>
+                <a:shade val="98000"/>
+                <a:lumMod val="102000"/>
+              </a:schemeClr>
+            </a:gs>
+            <a:gs pos="50000">
+              <a:schemeClr val="phClr">
+                <a:tint val="98000"/>
+                <a:satMod val="130000"/>
+                <a:shade val="90000"/>
+                <a:lumMod val="103000"/>
+              </a:schemeClr>
+            </a:gs>
+            <a:gs pos="100000">
+              <a:schemeClr val="phClr">
+                <a:shade val="63000"/>
+                <a:satMod val="120000"/>
+              </a:schemeClr>
+            </a:gs>
+          </a:gsLst>
+          <a:lin ang="5400000" scaled="0"/>
+        </a:gradFill>
+      </a:bgFillStyleLst>
+    </a:fmtScheme>
+  </a:themeElements>
+  <a:objectDefaults/>
+  <a:extraClrSchemeLst/>
+  <a:extLst>
+    <a:ext uri="{05A4C25C-085E-4340-85A3-A5531E510DB2}">
+      <thm15:themeFamily xmlns:thm15="http://schemas.microsoft.com/office/thememl/2012/main" name="Office Theme" id="{62F939B6-93AF-4DB8-9C6B-D6C7DFDC589F}" vid="{4A3C46E8-61CC-4603-A589-7422A47A8E4A}"/>
+    </a:ext>
+  </a:extLst>
+</a:theme>
 </file>